--- a/FinalPresentation.pptx
+++ b/FinalPresentation.pptx
@@ -5089,7 +5089,7 @@
           <a:p>
             <a:fld id="{E760A6F1-636E-4B87-BCC9-F5C589876FF1}" type="datetimeFigureOut">
               <a:rPr lang="en-US" smtClean="0"/>
-              <a:t>7/23/2019</a:t>
+              <a:t>7/24/2019</a:t>
             </a:fld>
             <a:endParaRPr lang="en-US"/>
           </a:p>
@@ -5340,7 +5340,7 @@
           <a:p>
             <a:fld id="{E760A6F1-636E-4B87-BCC9-F5C589876FF1}" type="datetimeFigureOut">
               <a:rPr lang="en-US" smtClean="0"/>
-              <a:t>7/23/2019</a:t>
+              <a:t>7/24/2019</a:t>
             </a:fld>
             <a:endParaRPr lang="en-US"/>
           </a:p>
@@ -5654,7 +5654,7 @@
           <a:p>
             <a:fld id="{E760A6F1-636E-4B87-BCC9-F5C589876FF1}" type="datetimeFigureOut">
               <a:rPr lang="en-US" smtClean="0"/>
-              <a:t>7/23/2019</a:t>
+              <a:t>7/24/2019</a:t>
             </a:fld>
             <a:endParaRPr lang="en-US"/>
           </a:p>
@@ -5995,7 +5995,7 @@
           <a:p>
             <a:fld id="{E760A6F1-636E-4B87-BCC9-F5C589876FF1}" type="datetimeFigureOut">
               <a:rPr lang="en-US" smtClean="0"/>
-              <a:t>7/23/2019</a:t>
+              <a:t>7/24/2019</a:t>
             </a:fld>
             <a:endParaRPr lang="en-US"/>
           </a:p>
@@ -6309,7 +6309,7 @@
           <a:p>
             <a:fld id="{E760A6F1-636E-4B87-BCC9-F5C589876FF1}" type="datetimeFigureOut">
               <a:rPr lang="en-US" smtClean="0"/>
-              <a:t>7/23/2019</a:t>
+              <a:t>7/24/2019</a:t>
             </a:fld>
             <a:endParaRPr lang="en-US"/>
           </a:p>
@@ -6702,7 +6702,7 @@
           <a:p>
             <a:fld id="{E760A6F1-636E-4B87-BCC9-F5C589876FF1}" type="datetimeFigureOut">
               <a:rPr lang="en-US" smtClean="0"/>
-              <a:t>7/23/2019</a:t>
+              <a:t>7/24/2019</a:t>
             </a:fld>
             <a:endParaRPr lang="en-US"/>
           </a:p>
@@ -6872,7 +6872,7 @@
           <a:p>
             <a:fld id="{E760A6F1-636E-4B87-BCC9-F5C589876FF1}" type="datetimeFigureOut">
               <a:rPr lang="en-US" smtClean="0"/>
-              <a:t>7/23/2019</a:t>
+              <a:t>7/24/2019</a:t>
             </a:fld>
             <a:endParaRPr lang="en-US"/>
           </a:p>
@@ -7052,7 +7052,7 @@
           <a:p>
             <a:fld id="{E760A6F1-636E-4B87-BCC9-F5C589876FF1}" type="datetimeFigureOut">
               <a:rPr lang="en-US" smtClean="0"/>
-              <a:t>7/23/2019</a:t>
+              <a:t>7/24/2019</a:t>
             </a:fld>
             <a:endParaRPr lang="en-US"/>
           </a:p>
@@ -7228,7 +7228,7 @@
           <a:p>
             <a:fld id="{E760A6F1-636E-4B87-BCC9-F5C589876FF1}" type="datetimeFigureOut">
               <a:rPr lang="en-US" smtClean="0"/>
-              <a:t>7/23/2019</a:t>
+              <a:t>7/24/2019</a:t>
             </a:fld>
             <a:endParaRPr lang="en-US"/>
           </a:p>
@@ -7475,7 +7475,7 @@
           <a:p>
             <a:fld id="{E760A6F1-636E-4B87-BCC9-F5C589876FF1}" type="datetimeFigureOut">
               <a:rPr lang="en-US" smtClean="0"/>
-              <a:t>7/23/2019</a:t>
+              <a:t>7/24/2019</a:t>
             </a:fld>
             <a:endParaRPr lang="en-US"/>
           </a:p>
@@ -7707,7 +7707,7 @@
           <a:p>
             <a:fld id="{E760A6F1-636E-4B87-BCC9-F5C589876FF1}" type="datetimeFigureOut">
               <a:rPr lang="en-US" smtClean="0"/>
-              <a:t>7/23/2019</a:t>
+              <a:t>7/24/2019</a:t>
             </a:fld>
             <a:endParaRPr lang="en-US"/>
           </a:p>
@@ -8081,7 +8081,7 @@
           <a:p>
             <a:fld id="{E760A6F1-636E-4B87-BCC9-F5C589876FF1}" type="datetimeFigureOut">
               <a:rPr lang="en-US" smtClean="0"/>
-              <a:t>7/23/2019</a:t>
+              <a:t>7/24/2019</a:t>
             </a:fld>
             <a:endParaRPr lang="en-US"/>
           </a:p>
@@ -8204,7 +8204,7 @@
           <a:p>
             <a:fld id="{E760A6F1-636E-4B87-BCC9-F5C589876FF1}" type="datetimeFigureOut">
               <a:rPr lang="en-US" smtClean="0"/>
-              <a:t>7/23/2019</a:t>
+              <a:t>7/24/2019</a:t>
             </a:fld>
             <a:endParaRPr lang="en-US"/>
           </a:p>
@@ -8299,7 +8299,7 @@
           <a:p>
             <a:fld id="{E760A6F1-636E-4B87-BCC9-F5C589876FF1}" type="datetimeFigureOut">
               <a:rPr lang="en-US" smtClean="0"/>
-              <a:t>7/23/2019</a:t>
+              <a:t>7/24/2019</a:t>
             </a:fld>
             <a:endParaRPr lang="en-US"/>
           </a:p>
@@ -8554,7 +8554,7 @@
           <a:p>
             <a:fld id="{E760A6F1-636E-4B87-BCC9-F5C589876FF1}" type="datetimeFigureOut">
               <a:rPr lang="en-US" smtClean="0"/>
-              <a:t>7/23/2019</a:t>
+              <a:t>7/24/2019</a:t>
             </a:fld>
             <a:endParaRPr lang="en-US"/>
           </a:p>
@@ -8817,7 +8817,7 @@
           <a:p>
             <a:fld id="{E760A6F1-636E-4B87-BCC9-F5C589876FF1}" type="datetimeFigureOut">
               <a:rPr lang="en-US" smtClean="0"/>
-              <a:t>7/23/2019</a:t>
+              <a:t>7/24/2019</a:t>
             </a:fld>
             <a:endParaRPr lang="en-US"/>
           </a:p>
@@ -9560,7 +9560,7 @@
           <a:p>
             <a:fld id="{E760A6F1-636E-4B87-BCC9-F5C589876FF1}" type="datetimeFigureOut">
               <a:rPr lang="en-US" smtClean="0"/>
-              <a:t>7/23/2019</a:t>
+              <a:t>7/24/2019</a:t>
             </a:fld>
             <a:endParaRPr lang="en-US"/>
           </a:p>
@@ -16580,10 +16580,10 @@
       </p:sp>
       <p:pic>
         <p:nvPicPr>
-          <p:cNvPr id="8" name="Picture 7" descr="A screenshot of a cell phone&#10;&#10;Description automatically generated">
+          <p:cNvPr id="4" name="Picture 3">
             <a:extLst>
               <a:ext uri="{FF2B5EF4-FFF2-40B4-BE49-F238E27FC236}">
-                <a16:creationId xmlns:a16="http://schemas.microsoft.com/office/drawing/2014/main" id="{496D6FDC-9D56-42F2-8D99-67FC29AE1B43}"/>
+                <a16:creationId xmlns:a16="http://schemas.microsoft.com/office/drawing/2014/main" id="{8AA1BA89-67FA-4652-A139-D177057107EC}"/>
               </a:ext>
             </a:extLst>
           </p:cNvPr>
@@ -16606,20 +16606,27 @@
         </p:blipFill>
         <p:spPr>
           <a:xfrm>
-            <a:off x="3543850" y="1580978"/>
-            <a:ext cx="2270638" cy="4667422"/>
+            <a:off x="2775686" y="1650205"/>
+            <a:ext cx="1899851" cy="3905249"/>
           </a:xfrm>
           <a:prstGeom prst="rect">
             <a:avLst/>
           </a:prstGeom>
+          <a:ln>
+            <a:solidFill>
+              <a:schemeClr val="bg2">
+                <a:lumMod val="50000"/>
+              </a:schemeClr>
+            </a:solidFill>
+          </a:ln>
         </p:spPr>
       </p:pic>
       <p:pic>
         <p:nvPicPr>
-          <p:cNvPr id="11" name="Picture 10" descr="A screenshot of a social media post&#10;&#10;Description automatically generated">
+          <p:cNvPr id="9" name="Picture 8">
             <a:extLst>
               <a:ext uri="{FF2B5EF4-FFF2-40B4-BE49-F238E27FC236}">
-                <a16:creationId xmlns:a16="http://schemas.microsoft.com/office/drawing/2014/main" id="{67DF419E-B32E-4073-8650-EDC8B2FED4D5}"/>
+                <a16:creationId xmlns:a16="http://schemas.microsoft.com/office/drawing/2014/main" id="{C3B0E8CE-0173-439A-AFF8-7E383D3A5A64}"/>
               </a:ext>
             </a:extLst>
           </p:cNvPr>
@@ -16642,20 +16649,27 @@
         </p:blipFill>
         <p:spPr>
           <a:xfrm>
-            <a:off x="559887" y="1580979"/>
-            <a:ext cx="2270637" cy="4667421"/>
+            <a:off x="575704" y="1650205"/>
+            <a:ext cx="1899851" cy="3905250"/>
           </a:xfrm>
           <a:prstGeom prst="rect">
             <a:avLst/>
           </a:prstGeom>
+          <a:ln>
+            <a:solidFill>
+              <a:schemeClr val="bg2">
+                <a:lumMod val="50000"/>
+              </a:schemeClr>
+            </a:solidFill>
+          </a:ln>
         </p:spPr>
       </p:pic>
       <p:pic>
         <p:nvPicPr>
-          <p:cNvPr id="13" name="Picture 12" descr="A screenshot of a cell phone&#10;&#10;Description automatically generated">
+          <p:cNvPr id="12" name="Picture 11">
             <a:extLst>
               <a:ext uri="{FF2B5EF4-FFF2-40B4-BE49-F238E27FC236}">
-                <a16:creationId xmlns:a16="http://schemas.microsoft.com/office/drawing/2014/main" id="{B97D088B-E956-4B75-A036-07F04885F487}"/>
+                <a16:creationId xmlns:a16="http://schemas.microsoft.com/office/drawing/2014/main" id="{D45E7672-FA39-4C83-80EC-5775D4130B78}"/>
               </a:ext>
             </a:extLst>
           </p:cNvPr>
@@ -16678,12 +16692,62 @@
         </p:blipFill>
         <p:spPr>
           <a:xfrm>
-            <a:off x="6527814" y="1580979"/>
-            <a:ext cx="2270637" cy="4667421"/>
+            <a:off x="4975668" y="1650205"/>
+            <a:ext cx="1899850" cy="3905248"/>
           </a:xfrm>
           <a:prstGeom prst="rect">
             <a:avLst/>
           </a:prstGeom>
+          <a:ln>
+            <a:solidFill>
+              <a:schemeClr val="bg2">
+                <a:lumMod val="50000"/>
+              </a:schemeClr>
+            </a:solidFill>
+          </a:ln>
+        </p:spPr>
+      </p:pic>
+      <p:pic>
+        <p:nvPicPr>
+          <p:cNvPr id="15" name="Picture 14">
+            <a:extLst>
+              <a:ext uri="{FF2B5EF4-FFF2-40B4-BE49-F238E27FC236}">
+                <a16:creationId xmlns:a16="http://schemas.microsoft.com/office/drawing/2014/main" id="{036D4500-DDC3-4442-99FB-342B071E8DFD}"/>
+              </a:ext>
+            </a:extLst>
+          </p:cNvPr>
+          <p:cNvPicPr>
+            <a:picLocks noChangeAspect="1"/>
+          </p:cNvPicPr>
+          <p:nvPr/>
+        </p:nvPicPr>
+        <p:blipFill>
+          <a:blip r:embed="rId5">
+            <a:extLst>
+              <a:ext uri="{28A0092B-C50C-407E-A947-70E740481C1C}">
+                <a14:useLocalDpi xmlns:a14="http://schemas.microsoft.com/office/drawing/2010/main" val="0"/>
+              </a:ext>
+            </a:extLst>
+          </a:blip>
+          <a:stretch>
+            <a:fillRect/>
+          </a:stretch>
+        </p:blipFill>
+        <p:spPr>
+          <a:xfrm>
+            <a:off x="7175649" y="1650205"/>
+            <a:ext cx="1899851" cy="3905250"/>
+          </a:xfrm>
+          <a:prstGeom prst="rect">
+            <a:avLst/>
+          </a:prstGeom>
+          <a:ln>
+            <a:solidFill>
+              <a:schemeClr val="bg2">
+                <a:lumMod val="50000"/>
+              </a:schemeClr>
+            </a:solidFill>
+          </a:ln>
         </p:spPr>
       </p:pic>
     </p:spTree>

--- a/FinalPresentation.pptx
+++ b/FinalPresentation.pptx
@@ -21083,8 +21083,18 @@
           </a:p>
           <a:p>
             <a:r>
+              <a:rPr lang="en-US" dirty="0"/>
+              <a:t>Support multiple users.</a:t>
+            </a:r>
+          </a:p>
+          <a:p>
+            <a:r>
+              <a:rPr lang="en-US" dirty="0"/>
+              <a:t>Pick a better </a:t>
+            </a:r>
+            <a:r>
               <a:rPr lang="en-US"/>
-              <a:t>Support multiple users.</a:t>
+              <a:t>project name.</a:t>
             </a:r>
             <a:endParaRPr lang="en-US" dirty="0"/>
           </a:p>

--- a/FinalPresentation.pptx
+++ b/FinalPresentation.pptx
@@ -5089,7 +5089,7 @@
           <a:p>
             <a:fld id="{E760A6F1-636E-4B87-BCC9-F5C589876FF1}" type="datetimeFigureOut">
               <a:rPr lang="en-US" smtClean="0"/>
-              <a:t>7/24/2019</a:t>
+              <a:t>7/25/2019</a:t>
             </a:fld>
             <a:endParaRPr lang="en-US"/>
           </a:p>
@@ -5340,7 +5340,7 @@
           <a:p>
             <a:fld id="{E760A6F1-636E-4B87-BCC9-F5C589876FF1}" type="datetimeFigureOut">
               <a:rPr lang="en-US" smtClean="0"/>
-              <a:t>7/24/2019</a:t>
+              <a:t>7/25/2019</a:t>
             </a:fld>
             <a:endParaRPr lang="en-US"/>
           </a:p>
@@ -5654,7 +5654,7 @@
           <a:p>
             <a:fld id="{E760A6F1-636E-4B87-BCC9-F5C589876FF1}" type="datetimeFigureOut">
               <a:rPr lang="en-US" smtClean="0"/>
-              <a:t>7/24/2019</a:t>
+              <a:t>7/25/2019</a:t>
             </a:fld>
             <a:endParaRPr lang="en-US"/>
           </a:p>
@@ -5995,7 +5995,7 @@
           <a:p>
             <a:fld id="{E760A6F1-636E-4B87-BCC9-F5C589876FF1}" type="datetimeFigureOut">
               <a:rPr lang="en-US" smtClean="0"/>
-              <a:t>7/24/2019</a:t>
+              <a:t>7/25/2019</a:t>
             </a:fld>
             <a:endParaRPr lang="en-US"/>
           </a:p>
@@ -6309,7 +6309,7 @@
           <a:p>
             <a:fld id="{E760A6F1-636E-4B87-BCC9-F5C589876FF1}" type="datetimeFigureOut">
               <a:rPr lang="en-US" smtClean="0"/>
-              <a:t>7/24/2019</a:t>
+              <a:t>7/25/2019</a:t>
             </a:fld>
             <a:endParaRPr lang="en-US"/>
           </a:p>
@@ -6702,7 +6702,7 @@
           <a:p>
             <a:fld id="{E760A6F1-636E-4B87-BCC9-F5C589876FF1}" type="datetimeFigureOut">
               <a:rPr lang="en-US" smtClean="0"/>
-              <a:t>7/24/2019</a:t>
+              <a:t>7/25/2019</a:t>
             </a:fld>
             <a:endParaRPr lang="en-US"/>
           </a:p>
@@ -6872,7 +6872,7 @@
           <a:p>
             <a:fld id="{E760A6F1-636E-4B87-BCC9-F5C589876FF1}" type="datetimeFigureOut">
               <a:rPr lang="en-US" smtClean="0"/>
-              <a:t>7/24/2019</a:t>
+              <a:t>7/25/2019</a:t>
             </a:fld>
             <a:endParaRPr lang="en-US"/>
           </a:p>
@@ -7052,7 +7052,7 @@
           <a:p>
             <a:fld id="{E760A6F1-636E-4B87-BCC9-F5C589876FF1}" type="datetimeFigureOut">
               <a:rPr lang="en-US" smtClean="0"/>
-              <a:t>7/24/2019</a:t>
+              <a:t>7/25/2019</a:t>
             </a:fld>
             <a:endParaRPr lang="en-US"/>
           </a:p>
@@ -7228,7 +7228,7 @@
           <a:p>
             <a:fld id="{E760A6F1-636E-4B87-BCC9-F5C589876FF1}" type="datetimeFigureOut">
               <a:rPr lang="en-US" smtClean="0"/>
-              <a:t>7/24/2019</a:t>
+              <a:t>7/25/2019</a:t>
             </a:fld>
             <a:endParaRPr lang="en-US"/>
           </a:p>
@@ -7475,7 +7475,7 @@
           <a:p>
             <a:fld id="{E760A6F1-636E-4B87-BCC9-F5C589876FF1}" type="datetimeFigureOut">
               <a:rPr lang="en-US" smtClean="0"/>
-              <a:t>7/24/2019</a:t>
+              <a:t>7/25/2019</a:t>
             </a:fld>
             <a:endParaRPr lang="en-US"/>
           </a:p>
@@ -7707,7 +7707,7 @@
           <a:p>
             <a:fld id="{E760A6F1-636E-4B87-BCC9-F5C589876FF1}" type="datetimeFigureOut">
               <a:rPr lang="en-US" smtClean="0"/>
-              <a:t>7/24/2019</a:t>
+              <a:t>7/25/2019</a:t>
             </a:fld>
             <a:endParaRPr lang="en-US"/>
           </a:p>
@@ -8081,7 +8081,7 @@
           <a:p>
             <a:fld id="{E760A6F1-636E-4B87-BCC9-F5C589876FF1}" type="datetimeFigureOut">
               <a:rPr lang="en-US" smtClean="0"/>
-              <a:t>7/24/2019</a:t>
+              <a:t>7/25/2019</a:t>
             </a:fld>
             <a:endParaRPr lang="en-US"/>
           </a:p>
@@ -8204,7 +8204,7 @@
           <a:p>
             <a:fld id="{E760A6F1-636E-4B87-BCC9-F5C589876FF1}" type="datetimeFigureOut">
               <a:rPr lang="en-US" smtClean="0"/>
-              <a:t>7/24/2019</a:t>
+              <a:t>7/25/2019</a:t>
             </a:fld>
             <a:endParaRPr lang="en-US"/>
           </a:p>
@@ -8299,7 +8299,7 @@
           <a:p>
             <a:fld id="{E760A6F1-636E-4B87-BCC9-F5C589876FF1}" type="datetimeFigureOut">
               <a:rPr lang="en-US" smtClean="0"/>
-              <a:t>7/24/2019</a:t>
+              <a:t>7/25/2019</a:t>
             </a:fld>
             <a:endParaRPr lang="en-US"/>
           </a:p>
@@ -8554,7 +8554,7 @@
           <a:p>
             <a:fld id="{E760A6F1-636E-4B87-BCC9-F5C589876FF1}" type="datetimeFigureOut">
               <a:rPr lang="en-US" smtClean="0"/>
-              <a:t>7/24/2019</a:t>
+              <a:t>7/25/2019</a:t>
             </a:fld>
             <a:endParaRPr lang="en-US"/>
           </a:p>
@@ -8817,7 +8817,7 @@
           <a:p>
             <a:fld id="{E760A6F1-636E-4B87-BCC9-F5C589876FF1}" type="datetimeFigureOut">
               <a:rPr lang="en-US" smtClean="0"/>
-              <a:t>7/24/2019</a:t>
+              <a:t>7/25/2019</a:t>
             </a:fld>
             <a:endParaRPr lang="en-US"/>
           </a:p>
@@ -9560,7 +9560,7 @@
           <a:p>
             <a:fld id="{E760A6F1-636E-4B87-BCC9-F5C589876FF1}" type="datetimeFigureOut">
               <a:rPr lang="en-US" smtClean="0"/>
-              <a:t>7/24/2019</a:t>
+              <a:t>7/25/2019</a:t>
             </a:fld>
             <a:endParaRPr lang="en-US"/>
           </a:p>
@@ -23927,10 +23927,10 @@
             <a:r>
               <a:rPr lang="en-US" sz="2000" dirty="0">
                 <a:solidFill>
-                  <a:srgbClr val="FF0000"/>
+                  <a:schemeClr val="tx1"/>
                 </a:solidFill>
               </a:rPr>
-              <a:t>PRICE</a:t>
+              <a:t>$9.52 for 2</a:t>
             </a:r>
           </a:p>
         </p:txBody>

--- a/FinalPresentation.pptx
+++ b/FinalPresentation.pptx
@@ -10233,38 +10233,6 @@
           <a:chExt cx="0" cy="0"/>
         </a:xfrm>
       </p:grpSpPr>
-      <p:pic>
-        <p:nvPicPr>
-          <p:cNvPr id="4" name="Content Placeholder 3">
-            <a:extLst>
-              <a:ext uri="{FF2B5EF4-FFF2-40B4-BE49-F238E27FC236}">
-                <a16:creationId xmlns:a16="http://schemas.microsoft.com/office/drawing/2014/main" id="{7B0196F9-22D5-44C3-8BB8-F2EAF0A130EE}"/>
-              </a:ext>
-            </a:extLst>
-          </p:cNvPr>
-          <p:cNvPicPr>
-            <a:picLocks noGrp="1" noChangeAspect="1"/>
-          </p:cNvPicPr>
-          <p:nvPr>
-            <p:ph idx="1"/>
-          </p:nvPr>
-        </p:nvPicPr>
-        <p:blipFill>
-          <a:blip r:embed="rId2"/>
-          <a:stretch>
-            <a:fillRect/>
-          </a:stretch>
-        </p:blipFill>
-        <p:spPr>
-          <a:xfrm>
-            <a:off x="3810000" y="9525"/>
-            <a:ext cx="8381999" cy="6858000"/>
-          </a:xfrm>
-          <a:prstGeom prst="rect">
-            <a:avLst/>
-          </a:prstGeom>
-        </p:spPr>
-      </p:pic>
       <p:sp>
         <p:nvSpPr>
           <p:cNvPr id="6" name="Title 1">
@@ -10281,7 +10249,7 @@
         </p:nvSpPr>
         <p:spPr>
           <a:xfrm>
-            <a:off x="-92278" y="400187"/>
+            <a:off x="2193722" y="-224964"/>
             <a:ext cx="3902278" cy="1227277"/>
           </a:xfrm>
           <a:prstGeom prst="rect">
@@ -10382,6 +10350,41 @@
           </a:p>
         </p:txBody>
       </p:sp>
+      <p:pic>
+        <p:nvPicPr>
+          <p:cNvPr id="7" name="Content Placeholder 6" descr="A circuit board&#10;&#10;Description automatically generated">
+            <a:extLst>
+              <a:ext uri="{FF2B5EF4-FFF2-40B4-BE49-F238E27FC236}">
+                <a16:creationId xmlns:a16="http://schemas.microsoft.com/office/drawing/2014/main" id="{9C38D87D-763A-4D42-8579-7E430A88E7D6}"/>
+              </a:ext>
+            </a:extLst>
+          </p:cNvPr>
+          <p:cNvPicPr>
+            <a:picLocks noGrp="1" noChangeAspect="1"/>
+          </p:cNvPicPr>
+          <p:nvPr>
+            <p:ph idx="1"/>
+          </p:nvPr>
+        </p:nvPicPr>
+        <p:blipFill>
+          <a:blip r:embed="rId2">
+            <a:extLst>
+              <a:ext uri="{28A0092B-C50C-407E-A947-70E740481C1C}">
+                <a14:useLocalDpi xmlns:a14="http://schemas.microsoft.com/office/drawing/2010/main" val="0"/>
+              </a:ext>
+            </a:extLst>
+          </a:blip>
+          <a:stretch>
+            <a:fillRect/>
+          </a:stretch>
+        </p:blipFill>
+        <p:spPr>
+          <a:xfrm>
+            <a:off x="0" y="858417"/>
+            <a:ext cx="9575267" cy="5999584"/>
+          </a:xfrm>
+        </p:spPr>
+      </p:pic>
     </p:spTree>
     <p:extLst>
       <p:ext uri="{BB962C8B-B14F-4D97-AF65-F5344CB8AC3E}">
@@ -10412,38 +10415,6 @@
           <a:chExt cx="0" cy="0"/>
         </a:xfrm>
       </p:grpSpPr>
-      <p:pic>
-        <p:nvPicPr>
-          <p:cNvPr id="4" name="Content Placeholder 3">
-            <a:extLst>
-              <a:ext uri="{FF2B5EF4-FFF2-40B4-BE49-F238E27FC236}">
-                <a16:creationId xmlns:a16="http://schemas.microsoft.com/office/drawing/2014/main" id="{67A087AA-1C1B-495D-8CED-97839F0C96C2}"/>
-              </a:ext>
-            </a:extLst>
-          </p:cNvPr>
-          <p:cNvPicPr>
-            <a:picLocks noGrp="1" noChangeAspect="1"/>
-          </p:cNvPicPr>
-          <p:nvPr>
-            <p:ph idx="1"/>
-          </p:nvPr>
-        </p:nvPicPr>
-        <p:blipFill>
-          <a:blip r:embed="rId2"/>
-          <a:stretch>
-            <a:fillRect/>
-          </a:stretch>
-        </p:blipFill>
-        <p:spPr>
-          <a:xfrm>
-            <a:off x="3525016" y="0"/>
-            <a:ext cx="8666983" cy="6858000"/>
-          </a:xfrm>
-          <a:prstGeom prst="rect">
-            <a:avLst/>
-          </a:prstGeom>
-        </p:spPr>
-      </p:pic>
       <p:sp>
         <p:nvSpPr>
           <p:cNvPr id="5" name="Content Placeholder 2">
@@ -10460,8 +10431,8 @@
         </p:nvSpPr>
         <p:spPr>
           <a:xfrm>
-            <a:off x="479136" y="2793535"/>
-            <a:ext cx="2868071" cy="3414318"/>
+            <a:off x="236765" y="1383375"/>
+            <a:ext cx="2385249" cy="3544225"/>
           </a:xfrm>
           <a:prstGeom prst="rect">
             <a:avLst/>
@@ -10736,7 +10707,7 @@
         </p:nvSpPr>
         <p:spPr>
           <a:xfrm>
-            <a:off x="0" y="609600"/>
+            <a:off x="121186" y="378246"/>
             <a:ext cx="3525016" cy="1320800"/>
           </a:xfrm>
         </p:spPr>
@@ -10751,6 +10722,41 @@
           </a:p>
         </p:txBody>
       </p:sp>
+      <p:pic>
+        <p:nvPicPr>
+          <p:cNvPr id="8" name="Content Placeholder 7" descr="A circuit board&#10;&#10;Description automatically generated">
+            <a:extLst>
+              <a:ext uri="{FF2B5EF4-FFF2-40B4-BE49-F238E27FC236}">
+                <a16:creationId xmlns:a16="http://schemas.microsoft.com/office/drawing/2014/main" id="{42256E4C-16C4-4AD7-B724-B0E559746CA3}"/>
+              </a:ext>
+            </a:extLst>
+          </p:cNvPr>
+          <p:cNvPicPr>
+            <a:picLocks noGrp="1" noChangeAspect="1"/>
+          </p:cNvPicPr>
+          <p:nvPr>
+            <p:ph idx="1"/>
+          </p:nvPr>
+        </p:nvPicPr>
+        <p:blipFill>
+          <a:blip r:embed="rId2">
+            <a:extLst>
+              <a:ext uri="{28A0092B-C50C-407E-A947-70E740481C1C}">
+                <a14:useLocalDpi xmlns:a14="http://schemas.microsoft.com/office/drawing/2010/main" val="0"/>
+              </a:ext>
+            </a:extLst>
+          </a:blip>
+          <a:stretch>
+            <a:fillRect/>
+          </a:stretch>
+        </p:blipFill>
+        <p:spPr>
+          <a:xfrm>
+            <a:off x="2718457" y="-10319"/>
+            <a:ext cx="9473543" cy="6868319"/>
+          </a:xfrm>
+        </p:spPr>
+      </p:pic>
     </p:spTree>
     <p:extLst>
       <p:ext uri="{BB962C8B-B14F-4D97-AF65-F5344CB8AC3E}">
@@ -23999,6 +24005,41 @@
           <a:chExt cx="0" cy="0"/>
         </a:xfrm>
       </p:grpSpPr>
+      <p:pic>
+        <p:nvPicPr>
+          <p:cNvPr id="7" name="Content Placeholder 6" descr="A close up of a map&#10;&#10;Description automatically generated">
+            <a:extLst>
+              <a:ext uri="{FF2B5EF4-FFF2-40B4-BE49-F238E27FC236}">
+                <a16:creationId xmlns:a16="http://schemas.microsoft.com/office/drawing/2014/main" id="{F952BD77-D227-444F-9AC9-327ED2A31987}"/>
+              </a:ext>
+            </a:extLst>
+          </p:cNvPr>
+          <p:cNvPicPr>
+            <a:picLocks noGrp="1" noChangeAspect="1"/>
+          </p:cNvPicPr>
+          <p:nvPr>
+            <p:ph idx="1"/>
+          </p:nvPr>
+        </p:nvPicPr>
+        <p:blipFill>
+          <a:blip r:embed="rId2">
+            <a:extLst>
+              <a:ext uri="{28A0092B-C50C-407E-A947-70E740481C1C}">
+                <a14:useLocalDpi xmlns:a14="http://schemas.microsoft.com/office/drawing/2010/main" val="0"/>
+              </a:ext>
+            </a:extLst>
+          </a:blip>
+          <a:stretch>
+            <a:fillRect/>
+          </a:stretch>
+        </p:blipFill>
+        <p:spPr>
+          <a:xfrm>
+            <a:off x="358893" y="1324628"/>
+            <a:ext cx="9063995" cy="4786923"/>
+          </a:xfrm>
+        </p:spPr>
+      </p:pic>
       <p:sp>
         <p:nvSpPr>
           <p:cNvPr id="2" name="Title 1">
@@ -24027,38 +24068,6 @@
           </a:p>
         </p:txBody>
       </p:sp>
-      <p:pic>
-        <p:nvPicPr>
-          <p:cNvPr id="4" name="Content Placeholder 3">
-            <a:extLst>
-              <a:ext uri="{FF2B5EF4-FFF2-40B4-BE49-F238E27FC236}">
-                <a16:creationId xmlns:a16="http://schemas.microsoft.com/office/drawing/2014/main" id="{3DF0E7DD-3818-4620-92DA-44ECD5823851}"/>
-              </a:ext>
-            </a:extLst>
-          </p:cNvPr>
-          <p:cNvPicPr>
-            <a:picLocks noGrp="1" noChangeAspect="1"/>
-          </p:cNvPicPr>
-          <p:nvPr>
-            <p:ph idx="1"/>
-          </p:nvPr>
-        </p:nvPicPr>
-        <p:blipFill>
-          <a:blip r:embed="rId2"/>
-          <a:stretch>
-            <a:fillRect/>
-          </a:stretch>
-        </p:blipFill>
-        <p:spPr>
-          <a:xfrm>
-            <a:off x="677334" y="1270001"/>
-            <a:ext cx="8399991" cy="5053268"/>
-          </a:xfrm>
-          <a:prstGeom prst="rect">
-            <a:avLst/>
-          </a:prstGeom>
-        </p:spPr>
-      </p:pic>
     </p:spTree>
     <p:extLst>
       <p:ext uri="{BB962C8B-B14F-4D97-AF65-F5344CB8AC3E}">

--- a/FinalPresentation.pptx
+++ b/FinalPresentation.pptx
@@ -2047,21 +2047,8 @@
                 <a:srgbClr val="FF0000"/>
               </a:solidFill>
             </a:rPr>
-            <a:t>FILL</a:t>
+            <a:t>2 DC to DC converters to power the MCU and the electronics components.</a:t>
           </a:r>
-          <a:r>
-            <a:rPr lang="en-US" baseline="0" dirty="0">
-              <a:solidFill>
-                <a:srgbClr val="FF0000"/>
-              </a:solidFill>
-            </a:rPr>
-            <a:t> IN THIS PART</a:t>
-          </a:r>
-          <a:endParaRPr lang="en-US" dirty="0">
-            <a:solidFill>
-              <a:srgbClr val="FF0000"/>
-            </a:solidFill>
-          </a:endParaRPr>
         </a:p>
       </dgm:t>
     </dgm:pt>
@@ -2623,21 +2610,8 @@
                 <a:srgbClr val="FF0000"/>
               </a:solidFill>
             </a:rPr>
-            <a:t>FILL</a:t>
+            <a:t>2 DC to DC converters to power the MCU and the electronics components.</a:t>
           </a:r>
-          <a:r>
-            <a:rPr lang="en-US" sz="2100" kern="1200" baseline="0" dirty="0">
-              <a:solidFill>
-                <a:srgbClr val="FF0000"/>
-              </a:solidFill>
-            </a:rPr>
-            <a:t> IN THIS PART</a:t>
-          </a:r>
-          <a:endParaRPr lang="en-US" sz="2100" kern="1200" dirty="0">
-            <a:solidFill>
-              <a:srgbClr val="FF0000"/>
-            </a:solidFill>
-          </a:endParaRPr>
         </a:p>
       </dsp:txBody>
       <dsp:txXfrm>
@@ -10663,20 +10637,23 @@
           <a:p>
             <a:r>
               <a:rPr lang="en-US" dirty="0"/>
-              <a:t>76 x 87mm (LW)</a:t>
+              <a:t>113.54 x 82.04 mm (LW)</a:t>
             </a:r>
           </a:p>
           <a:p>
             <a:r>
               <a:rPr lang="en-US" dirty="0"/>
-              <a:t>Designed in Eagle</a:t>
+              <a:t>Designed in Eagle Software</a:t>
             </a:r>
           </a:p>
           <a:p>
             <a:r>
               <a:rPr lang="en-US" dirty="0"/>
-              <a:t>3 screw-holes</a:t>
+              <a:t>2 screw-holes</a:t>
             </a:r>
+          </a:p>
+          <a:p>
+            <a:endParaRPr lang="en-US" dirty="0"/>
           </a:p>
           <a:p>
             <a:pPr marL="0" indent="0">
@@ -11147,6 +11124,12 @@
             <a:r>
               <a:rPr lang="en-US" dirty="0"/>
               <a:t>5.75” x 3.5” x 2.75” (LWH) </a:t>
+            </a:r>
+          </a:p>
+          <a:p>
+            <a:r>
+              <a:rPr lang="en-US" dirty="0"/>
+              <a:t>Using wood glue to assembly</a:t>
             </a:r>
           </a:p>
           <a:p>
@@ -23759,7 +23742,7 @@
             <p:ph idx="1"/>
             <p:extLst>
               <p:ext uri="{D42A27DB-BD31-4B8C-83A1-F6EECF244321}">
-                <p14:modId xmlns:p14="http://schemas.microsoft.com/office/powerpoint/2010/main" val="2027749543"/>
+                <p14:modId xmlns:p14="http://schemas.microsoft.com/office/powerpoint/2010/main" val="608465482"/>
               </p:ext>
             </p:extLst>
           </p:nvPr>

--- a/FinalPresentation.pptx
+++ b/FinalPresentation.pptx
@@ -35,11 +35,10 @@
     <p:sldId id="280" r:id="rId29"/>
     <p:sldId id="281" r:id="rId30"/>
     <p:sldId id="282" r:id="rId31"/>
-    <p:sldId id="264" r:id="rId32"/>
-    <p:sldId id="270" r:id="rId33"/>
-    <p:sldId id="263" r:id="rId34"/>
-    <p:sldId id="265" r:id="rId35"/>
-    <p:sldId id="266" r:id="rId36"/>
+    <p:sldId id="270" r:id="rId32"/>
+    <p:sldId id="263" r:id="rId33"/>
+    <p:sldId id="265" r:id="rId34"/>
+    <p:sldId id="266" r:id="rId35"/>
   </p:sldIdLst>
   <p:sldSz cx="12192000" cy="6858000"/>
   <p:notesSz cx="6858000" cy="9144000"/>
@@ -144,889 +143,6 @@
     </p:ext>
   </p:extLst>
 </p:presentation>
-</file>
-
-<file path=ppt/charts/chart1.xml><?xml version="1.0" encoding="utf-8"?>
-<c:chartSpace xmlns:c="http://schemas.openxmlformats.org/drawingml/2006/chart" xmlns:a="http://schemas.openxmlformats.org/drawingml/2006/main" xmlns:r="http://schemas.openxmlformats.org/officeDocument/2006/relationships" xmlns:c16r2="http://schemas.microsoft.com/office/drawing/2015/06/chart">
-  <c:date1904 val="0"/>
-  <c:lang val="en-US"/>
-  <c:roundedCorners val="0"/>
-  <mc:AlternateContent xmlns:mc="http://schemas.openxmlformats.org/markup-compatibility/2006">
-    <mc:Choice xmlns:c14="http://schemas.microsoft.com/office/drawing/2007/8/2/chart" Requires="c14">
-      <c14:style val="102"/>
-    </mc:Choice>
-    <mc:Fallback>
-      <c:style val="2"/>
-    </mc:Fallback>
-  </mc:AlternateContent>
-  <c:chart>
-    <c:autoTitleDeleted val="1"/>
-    <c:plotArea>
-      <c:layout/>
-      <c:barChart>
-        <c:barDir val="bar"/>
-        <c:grouping val="clustered"/>
-        <c:varyColors val="0"/>
-        <c:ser>
-          <c:idx val="0"/>
-          <c:order val="0"/>
-          <c:spPr>
-            <a:solidFill>
-              <a:schemeClr val="bg2">
-                <a:lumMod val="50000"/>
-              </a:schemeClr>
-            </a:solidFill>
-            <a:ln>
-              <a:noFill/>
-            </a:ln>
-            <a:effectLst/>
-          </c:spPr>
-          <c:invertIfNegative val="0"/>
-          <c:dLbls>
-            <c:dLbl>
-              <c:idx val="5"/>
-              <c:tx>
-                <c:rich>
-                  <a:bodyPr/>
-                  <a:lstStyle/>
-                  <a:p>
-                    <a:fld id="{D7BF68CA-C748-4E59-8790-13EE701243B1}" type="VALUE">
-                      <a:rPr lang="en-US" smtClean="0"/>
-                      <a:pPr/>
-                      <a:t>[VALUE]</a:t>
-                    </a:fld>
-                    <a:endParaRPr lang="en-US"/>
-                  </a:p>
-                </c:rich>
-              </c:tx>
-              <c:showLegendKey val="0"/>
-              <c:showVal val="1"/>
-              <c:showCatName val="0"/>
-              <c:showSerName val="0"/>
-              <c:showPercent val="0"/>
-              <c:showBubbleSize val="0"/>
-              <c:extLst>
-                <c:ext xmlns:c15="http://schemas.microsoft.com/office/drawing/2012/chart" uri="{CE6537A1-D6FC-4f65-9D91-7224C49458BB}">
-                  <c15:dlblFieldTable/>
-                  <c15:showDataLabelsRange val="0"/>
-                </c:ext>
-                <c:ext xmlns:c16="http://schemas.microsoft.com/office/drawing/2014/chart" uri="{C3380CC4-5D6E-409C-BE32-E72D297353CC}">
-                  <c16:uniqueId val="{00000000-3762-449A-A01D-20B576DD20AA}"/>
-                </c:ext>
-              </c:extLst>
-            </c:dLbl>
-            <c:spPr>
-              <a:noFill/>
-              <a:ln>
-                <a:noFill/>
-              </a:ln>
-              <a:effectLst/>
-            </c:spPr>
-            <c:txPr>
-              <a:bodyPr rot="0" spcFirstLastPara="1" vertOverflow="ellipsis" vert="horz" wrap="square" lIns="38100" tIns="19050" rIns="38100" bIns="19050" anchor="ctr" anchorCtr="1">
-                <a:spAutoFit/>
-              </a:bodyPr>
-              <a:lstStyle/>
-              <a:p>
-                <a:pPr>
-                  <a:defRPr sz="900" b="0" i="0" u="none" strike="noStrike" kern="1200" baseline="0">
-                    <a:solidFill>
-                      <a:schemeClr val="tx1">
-                        <a:lumMod val="75000"/>
-                        <a:lumOff val="25000"/>
-                      </a:schemeClr>
-                    </a:solidFill>
-                    <a:latin typeface="+mn-lt"/>
-                    <a:ea typeface="+mn-ea"/>
-                    <a:cs typeface="+mn-cs"/>
-                  </a:defRPr>
-                </a:pPr>
-                <a:endParaRPr lang="en-US"/>
-              </a:p>
-            </c:txPr>
-            <c:showLegendKey val="0"/>
-            <c:showVal val="1"/>
-            <c:showCatName val="0"/>
-            <c:showSerName val="0"/>
-            <c:showPercent val="0"/>
-            <c:showBubbleSize val="0"/>
-            <c:showLeaderLines val="0"/>
-            <c:extLst>
-              <c:ext xmlns:c15="http://schemas.microsoft.com/office/drawing/2012/chart" uri="{CE6537A1-D6FC-4f65-9D91-7224C49458BB}">
-                <c15:showLeaderLines val="1"/>
-                <c15:leaderLines>
-                  <c:spPr>
-                    <a:ln w="9525" cap="flat" cmpd="sng" algn="ctr">
-                      <a:solidFill>
-                        <a:schemeClr val="tx1">
-                          <a:lumMod val="35000"/>
-                          <a:lumOff val="65000"/>
-                        </a:schemeClr>
-                      </a:solidFill>
-                      <a:round/>
-                    </a:ln>
-                    <a:effectLst/>
-                  </c:spPr>
-                </c15:leaderLines>
-              </c:ext>
-            </c:extLst>
-          </c:dLbls>
-          <c:cat>
-            <c:strRef>
-              <c:f>Sheet1!$B$2:$B$7</c:f>
-              <c:strCache>
-                <c:ptCount val="6"/>
-                <c:pt idx="0">
-                  <c:v>Research</c:v>
-                </c:pt>
-                <c:pt idx="1">
-                  <c:v>Low level software implementation</c:v>
-                </c:pt>
-                <c:pt idx="2">
-                  <c:v>High Level software Implementation</c:v>
-                </c:pt>
-                <c:pt idx="3">
-                  <c:v>PCB</c:v>
-                </c:pt>
-                <c:pt idx="4">
-                  <c:v>Sensor integration</c:v>
-                </c:pt>
-                <c:pt idx="5">
-                  <c:v>Total</c:v>
-                </c:pt>
-              </c:strCache>
-            </c:strRef>
-          </c:cat>
-          <c:val>
-            <c:numRef>
-              <c:f>Sheet1!$C$2:$C$7</c:f>
-              <c:numCache>
-                <c:formatCode>0%</c:formatCode>
-                <c:ptCount val="6"/>
-                <c:pt idx="0">
-                  <c:v>0.9</c:v>
-                </c:pt>
-                <c:pt idx="1">
-                  <c:v>0.25</c:v>
-                </c:pt>
-                <c:pt idx="2">
-                  <c:v>0.56000000000000005</c:v>
-                </c:pt>
-                <c:pt idx="3">
-                  <c:v>0.52</c:v>
-                </c:pt>
-                <c:pt idx="4">
-                  <c:v>0.5</c:v>
-                </c:pt>
-                <c:pt idx="5">
-                  <c:v>0.54600000000000004</c:v>
-                </c:pt>
-              </c:numCache>
-            </c:numRef>
-          </c:val>
-          <c:extLst>
-            <c:ext xmlns:c16="http://schemas.microsoft.com/office/drawing/2014/chart" uri="{C3380CC4-5D6E-409C-BE32-E72D297353CC}">
-              <c16:uniqueId val="{00000000-E419-4741-BF4E-563387AFB3B8}"/>
-            </c:ext>
-          </c:extLst>
-        </c:ser>
-        <c:dLbls>
-          <c:showLegendKey val="0"/>
-          <c:showVal val="0"/>
-          <c:showCatName val="0"/>
-          <c:showSerName val="0"/>
-          <c:showPercent val="0"/>
-          <c:showBubbleSize val="0"/>
-        </c:dLbls>
-        <c:gapWidth val="182"/>
-        <c:axId val="1467518432"/>
-        <c:axId val="1411231552"/>
-      </c:barChart>
-      <c:catAx>
-        <c:axId val="1467518432"/>
-        <c:scaling>
-          <c:orientation val="minMax"/>
-        </c:scaling>
-        <c:delete val="0"/>
-        <c:axPos val="l"/>
-        <c:numFmt formatCode="General" sourceLinked="1"/>
-        <c:majorTickMark val="none"/>
-        <c:minorTickMark val="none"/>
-        <c:tickLblPos val="nextTo"/>
-        <c:spPr>
-          <a:noFill/>
-          <a:ln w="9525" cap="flat" cmpd="sng" algn="ctr">
-            <a:solidFill>
-              <a:schemeClr val="tx1">
-                <a:lumMod val="15000"/>
-                <a:lumOff val="85000"/>
-              </a:schemeClr>
-            </a:solidFill>
-            <a:round/>
-          </a:ln>
-          <a:effectLst/>
-        </c:spPr>
-        <c:txPr>
-          <a:bodyPr rot="-60000000" spcFirstLastPara="1" vertOverflow="ellipsis" vert="horz" wrap="square" anchor="ctr" anchorCtr="1"/>
-          <a:lstStyle/>
-          <a:p>
-            <a:pPr>
-              <a:defRPr sz="900" b="0" i="0" u="none" strike="noStrike" kern="1200" baseline="0">
-                <a:solidFill>
-                  <a:schemeClr val="tx1">
-                    <a:lumMod val="65000"/>
-                    <a:lumOff val="35000"/>
-                  </a:schemeClr>
-                </a:solidFill>
-                <a:latin typeface="+mn-lt"/>
-                <a:ea typeface="+mn-ea"/>
-                <a:cs typeface="+mn-cs"/>
-              </a:defRPr>
-            </a:pPr>
-            <a:endParaRPr lang="en-US"/>
-          </a:p>
-        </c:txPr>
-        <c:crossAx val="1411231552"/>
-        <c:crosses val="autoZero"/>
-        <c:auto val="1"/>
-        <c:lblAlgn val="ctr"/>
-        <c:lblOffset val="100"/>
-        <c:noMultiLvlLbl val="0"/>
-      </c:catAx>
-      <c:valAx>
-        <c:axId val="1411231552"/>
-        <c:scaling>
-          <c:orientation val="minMax"/>
-        </c:scaling>
-        <c:delete val="0"/>
-        <c:axPos val="b"/>
-        <c:majorGridlines>
-          <c:spPr>
-            <a:ln w="9525" cap="flat" cmpd="sng" algn="ctr">
-              <a:solidFill>
-                <a:schemeClr val="tx1">
-                  <a:lumMod val="15000"/>
-                  <a:lumOff val="85000"/>
-                </a:schemeClr>
-              </a:solidFill>
-              <a:round/>
-            </a:ln>
-            <a:effectLst/>
-          </c:spPr>
-        </c:majorGridlines>
-        <c:numFmt formatCode="0%" sourceLinked="1"/>
-        <c:majorTickMark val="none"/>
-        <c:minorTickMark val="none"/>
-        <c:tickLblPos val="nextTo"/>
-        <c:spPr>
-          <a:noFill/>
-          <a:ln>
-            <a:noFill/>
-          </a:ln>
-          <a:effectLst/>
-        </c:spPr>
-        <c:txPr>
-          <a:bodyPr rot="-60000000" spcFirstLastPara="1" vertOverflow="ellipsis" vert="horz" wrap="square" anchor="ctr" anchorCtr="1"/>
-          <a:lstStyle/>
-          <a:p>
-            <a:pPr>
-              <a:defRPr sz="900" b="0" i="0" u="none" strike="noStrike" kern="1200" baseline="0">
-                <a:solidFill>
-                  <a:schemeClr val="tx1">
-                    <a:lumMod val="65000"/>
-                    <a:lumOff val="35000"/>
-                  </a:schemeClr>
-                </a:solidFill>
-                <a:latin typeface="+mn-lt"/>
-                <a:ea typeface="+mn-ea"/>
-                <a:cs typeface="+mn-cs"/>
-              </a:defRPr>
-            </a:pPr>
-            <a:endParaRPr lang="en-US"/>
-          </a:p>
-        </c:txPr>
-        <c:crossAx val="1467518432"/>
-        <c:crosses val="autoZero"/>
-        <c:crossBetween val="between"/>
-      </c:valAx>
-      <c:spPr>
-        <a:noFill/>
-        <a:ln>
-          <a:noFill/>
-        </a:ln>
-        <a:effectLst/>
-      </c:spPr>
-    </c:plotArea>
-    <c:plotVisOnly val="1"/>
-    <c:dispBlanksAs val="gap"/>
-    <c:showDLblsOverMax val="0"/>
-  </c:chart>
-  <c:spPr>
-    <a:noFill/>
-    <a:ln>
-      <a:noFill/>
-    </a:ln>
-    <a:effectLst/>
-  </c:spPr>
-  <c:txPr>
-    <a:bodyPr/>
-    <a:lstStyle/>
-    <a:p>
-      <a:pPr>
-        <a:defRPr/>
-      </a:pPr>
-      <a:endParaRPr lang="en-US"/>
-    </a:p>
-  </c:txPr>
-  <c:externalData r:id="rId3">
-    <c:autoUpdate val="0"/>
-  </c:externalData>
-</c:chartSpace>
-</file>
-
-<file path=ppt/charts/colors1.xml><?xml version="1.0" encoding="utf-8"?>
-<cs:colorStyle xmlns:cs="http://schemas.microsoft.com/office/drawing/2012/chartStyle" xmlns:a="http://schemas.openxmlformats.org/drawingml/2006/main" meth="cycle" id="10">
-  <a:schemeClr val="accent1"/>
-  <a:schemeClr val="accent2"/>
-  <a:schemeClr val="accent3"/>
-  <a:schemeClr val="accent4"/>
-  <a:schemeClr val="accent5"/>
-  <a:schemeClr val="accent6"/>
-  <cs:variation/>
-  <cs:variation>
-    <a:lumMod val="60000"/>
-  </cs:variation>
-  <cs:variation>
-    <a:lumMod val="80000"/>
-    <a:lumOff val="20000"/>
-  </cs:variation>
-  <cs:variation>
-    <a:lumMod val="80000"/>
-  </cs:variation>
-  <cs:variation>
-    <a:lumMod val="60000"/>
-    <a:lumOff val="40000"/>
-  </cs:variation>
-  <cs:variation>
-    <a:lumMod val="50000"/>
-  </cs:variation>
-  <cs:variation>
-    <a:lumMod val="70000"/>
-    <a:lumOff val="30000"/>
-  </cs:variation>
-  <cs:variation>
-    <a:lumMod val="70000"/>
-  </cs:variation>
-  <cs:variation>
-    <a:lumMod val="50000"/>
-    <a:lumOff val="50000"/>
-  </cs:variation>
-</cs:colorStyle>
-</file>
-
-<file path=ppt/charts/style1.xml><?xml version="1.0" encoding="utf-8"?>
-<cs:chartStyle xmlns:cs="http://schemas.microsoft.com/office/drawing/2012/chartStyle" xmlns:a="http://schemas.openxmlformats.org/drawingml/2006/main" id="216">
-  <cs:axisTitle>
-    <cs:lnRef idx="0"/>
-    <cs:fillRef idx="0"/>
-    <cs:effectRef idx="0"/>
-    <cs:fontRef idx="minor">
-      <a:schemeClr val="tx1">
-        <a:lumMod val="65000"/>
-        <a:lumOff val="35000"/>
-      </a:schemeClr>
-    </cs:fontRef>
-    <cs:defRPr sz="1000" kern="1200"/>
-  </cs:axisTitle>
-  <cs:categoryAxis>
-    <cs:lnRef idx="0"/>
-    <cs:fillRef idx="0"/>
-    <cs:effectRef idx="0"/>
-    <cs:fontRef idx="minor">
-      <a:schemeClr val="tx1">
-        <a:lumMod val="65000"/>
-        <a:lumOff val="35000"/>
-      </a:schemeClr>
-    </cs:fontRef>
-    <cs:spPr>
-      <a:ln w="9525" cap="flat" cmpd="sng" algn="ctr">
-        <a:solidFill>
-          <a:schemeClr val="tx1">
-            <a:lumMod val="15000"/>
-            <a:lumOff val="85000"/>
-          </a:schemeClr>
-        </a:solidFill>
-        <a:round/>
-      </a:ln>
-    </cs:spPr>
-    <cs:defRPr sz="900" kern="1200"/>
-  </cs:categoryAxis>
-  <cs:chartArea mods="allowNoFillOverride allowNoLineOverride">
-    <cs:lnRef idx="0"/>
-    <cs:fillRef idx="0"/>
-    <cs:effectRef idx="0"/>
-    <cs:fontRef idx="minor">
-      <a:schemeClr val="tx1"/>
-    </cs:fontRef>
-    <cs:spPr>
-      <a:solidFill>
-        <a:schemeClr val="bg1"/>
-      </a:solidFill>
-      <a:ln w="9525" cap="flat" cmpd="sng" algn="ctr">
-        <a:solidFill>
-          <a:schemeClr val="tx1">
-            <a:lumMod val="15000"/>
-            <a:lumOff val="85000"/>
-          </a:schemeClr>
-        </a:solidFill>
-        <a:round/>
-      </a:ln>
-    </cs:spPr>
-    <cs:defRPr sz="1000" kern="1200"/>
-  </cs:chartArea>
-  <cs:dataLabel>
-    <cs:lnRef idx="0"/>
-    <cs:fillRef idx="0"/>
-    <cs:effectRef idx="0"/>
-    <cs:fontRef idx="minor">
-      <a:schemeClr val="tx1">
-        <a:lumMod val="75000"/>
-        <a:lumOff val="25000"/>
-      </a:schemeClr>
-    </cs:fontRef>
-    <cs:defRPr sz="900" kern="1200"/>
-  </cs:dataLabel>
-  <cs:dataLabelCallout>
-    <cs:lnRef idx="0"/>
-    <cs:fillRef idx="0"/>
-    <cs:effectRef idx="0"/>
-    <cs:fontRef idx="minor">
-      <a:schemeClr val="dk1">
-        <a:lumMod val="65000"/>
-        <a:lumOff val="35000"/>
-      </a:schemeClr>
-    </cs:fontRef>
-    <cs:spPr>
-      <a:solidFill>
-        <a:schemeClr val="lt1"/>
-      </a:solidFill>
-      <a:ln>
-        <a:solidFill>
-          <a:schemeClr val="dk1">
-            <a:lumMod val="25000"/>
-            <a:lumOff val="75000"/>
-          </a:schemeClr>
-        </a:solidFill>
-      </a:ln>
-    </cs:spPr>
-    <cs:defRPr sz="900" kern="1200"/>
-    <cs:bodyPr rot="0" spcFirstLastPara="1" vertOverflow="clip" horzOverflow="clip" vert="horz" wrap="square" lIns="36576" tIns="18288" rIns="36576" bIns="18288" anchor="ctr" anchorCtr="1">
-      <a:spAutoFit/>
-    </cs:bodyPr>
-  </cs:dataLabelCallout>
-  <cs:dataPoint>
-    <cs:lnRef idx="0"/>
-    <cs:fillRef idx="1">
-      <cs:styleClr val="auto"/>
-    </cs:fillRef>
-    <cs:effectRef idx="0"/>
-    <cs:fontRef idx="minor">
-      <a:schemeClr val="tx1"/>
-    </cs:fontRef>
-  </cs:dataPoint>
-  <cs:dataPoint3D>
-    <cs:lnRef idx="0"/>
-    <cs:fillRef idx="1">
-      <cs:styleClr val="auto"/>
-    </cs:fillRef>
-    <cs:effectRef idx="0"/>
-    <cs:fontRef idx="minor">
-      <a:schemeClr val="tx1"/>
-    </cs:fontRef>
-  </cs:dataPoint3D>
-  <cs:dataPointLine>
-    <cs:lnRef idx="0">
-      <cs:styleClr val="auto"/>
-    </cs:lnRef>
-    <cs:fillRef idx="1"/>
-    <cs:effectRef idx="0"/>
-    <cs:fontRef idx="minor">
-      <a:schemeClr val="tx1"/>
-    </cs:fontRef>
-    <cs:spPr>
-      <a:ln w="28575" cap="rnd">
-        <a:solidFill>
-          <a:schemeClr val="phClr"/>
-        </a:solidFill>
-        <a:round/>
-      </a:ln>
-    </cs:spPr>
-  </cs:dataPointLine>
-  <cs:dataPointMarker>
-    <cs:lnRef idx="0">
-      <cs:styleClr val="auto"/>
-    </cs:lnRef>
-    <cs:fillRef idx="1">
-      <cs:styleClr val="auto"/>
-    </cs:fillRef>
-    <cs:effectRef idx="0"/>
-    <cs:fontRef idx="minor">
-      <a:schemeClr val="tx1"/>
-    </cs:fontRef>
-    <cs:spPr>
-      <a:ln w="9525">
-        <a:solidFill>
-          <a:schemeClr val="phClr"/>
-        </a:solidFill>
-      </a:ln>
-    </cs:spPr>
-  </cs:dataPointMarker>
-  <cs:dataPointMarkerLayout symbol="circle" size="5"/>
-  <cs:dataPointWireframe>
-    <cs:lnRef idx="0">
-      <cs:styleClr val="auto"/>
-    </cs:lnRef>
-    <cs:fillRef idx="1"/>
-    <cs:effectRef idx="0"/>
-    <cs:fontRef idx="minor">
-      <a:schemeClr val="tx1"/>
-    </cs:fontRef>
-    <cs:spPr>
-      <a:ln w="9525" cap="rnd">
-        <a:solidFill>
-          <a:schemeClr val="phClr"/>
-        </a:solidFill>
-        <a:round/>
-      </a:ln>
-    </cs:spPr>
-  </cs:dataPointWireframe>
-  <cs:dataTable>
-    <cs:lnRef idx="0"/>
-    <cs:fillRef idx="0"/>
-    <cs:effectRef idx="0"/>
-    <cs:fontRef idx="minor">
-      <a:schemeClr val="tx1">
-        <a:lumMod val="65000"/>
-        <a:lumOff val="35000"/>
-      </a:schemeClr>
-    </cs:fontRef>
-    <cs:spPr>
-      <a:noFill/>
-      <a:ln w="9525" cap="flat" cmpd="sng" algn="ctr">
-        <a:solidFill>
-          <a:schemeClr val="tx1">
-            <a:lumMod val="15000"/>
-            <a:lumOff val="85000"/>
-          </a:schemeClr>
-        </a:solidFill>
-        <a:round/>
-      </a:ln>
-    </cs:spPr>
-    <cs:defRPr sz="900" kern="1200"/>
-  </cs:dataTable>
-  <cs:downBar>
-    <cs:lnRef idx="0"/>
-    <cs:fillRef idx="0"/>
-    <cs:effectRef idx="0"/>
-    <cs:fontRef idx="minor">
-      <a:schemeClr val="tx1"/>
-    </cs:fontRef>
-    <cs:spPr>
-      <a:solidFill>
-        <a:schemeClr val="dk1">
-          <a:lumMod val="75000"/>
-          <a:lumOff val="25000"/>
-        </a:schemeClr>
-      </a:solidFill>
-      <a:ln w="9525" cap="flat" cmpd="sng" algn="ctr">
-        <a:solidFill>
-          <a:schemeClr val="tx1">
-            <a:lumMod val="65000"/>
-            <a:lumOff val="35000"/>
-          </a:schemeClr>
-        </a:solidFill>
-        <a:round/>
-      </a:ln>
-    </cs:spPr>
-  </cs:downBar>
-  <cs:dropLine>
-    <cs:lnRef idx="0"/>
-    <cs:fillRef idx="0"/>
-    <cs:effectRef idx="0"/>
-    <cs:fontRef idx="minor">
-      <a:schemeClr val="tx1"/>
-    </cs:fontRef>
-    <cs:spPr>
-      <a:ln w="9525" cap="flat" cmpd="sng" algn="ctr">
-        <a:solidFill>
-          <a:schemeClr val="tx1">
-            <a:lumMod val="35000"/>
-            <a:lumOff val="65000"/>
-          </a:schemeClr>
-        </a:solidFill>
-        <a:round/>
-      </a:ln>
-    </cs:spPr>
-  </cs:dropLine>
-  <cs:errorBar>
-    <cs:lnRef idx="0"/>
-    <cs:fillRef idx="0"/>
-    <cs:effectRef idx="0"/>
-    <cs:fontRef idx="minor">
-      <a:schemeClr val="tx1"/>
-    </cs:fontRef>
-    <cs:spPr>
-      <a:ln w="9525" cap="flat" cmpd="sng" algn="ctr">
-        <a:solidFill>
-          <a:schemeClr val="tx1">
-            <a:lumMod val="65000"/>
-            <a:lumOff val="35000"/>
-          </a:schemeClr>
-        </a:solidFill>
-        <a:round/>
-      </a:ln>
-    </cs:spPr>
-  </cs:errorBar>
-  <cs:floor>
-    <cs:lnRef idx="0"/>
-    <cs:fillRef idx="0"/>
-    <cs:effectRef idx="0"/>
-    <cs:fontRef idx="minor">
-      <a:schemeClr val="tx1"/>
-    </cs:fontRef>
-    <cs:spPr>
-      <a:noFill/>
-      <a:ln>
-        <a:noFill/>
-      </a:ln>
-    </cs:spPr>
-  </cs:floor>
-  <cs:gridlineMajor>
-    <cs:lnRef idx="0"/>
-    <cs:fillRef idx="0"/>
-    <cs:effectRef idx="0"/>
-    <cs:fontRef idx="minor">
-      <a:schemeClr val="tx1"/>
-    </cs:fontRef>
-    <cs:spPr>
-      <a:ln w="9525" cap="flat" cmpd="sng" algn="ctr">
-        <a:solidFill>
-          <a:schemeClr val="tx1">
-            <a:lumMod val="15000"/>
-            <a:lumOff val="85000"/>
-          </a:schemeClr>
-        </a:solidFill>
-        <a:round/>
-      </a:ln>
-    </cs:spPr>
-  </cs:gridlineMajor>
-  <cs:gridlineMinor>
-    <cs:lnRef idx="0"/>
-    <cs:fillRef idx="0"/>
-    <cs:effectRef idx="0"/>
-    <cs:fontRef idx="minor">
-      <a:schemeClr val="tx1"/>
-    </cs:fontRef>
-    <cs:spPr>
-      <a:ln w="9525" cap="flat" cmpd="sng" algn="ctr">
-        <a:solidFill>
-          <a:schemeClr val="tx1">
-            <a:lumMod val="5000"/>
-            <a:lumOff val="95000"/>
-          </a:schemeClr>
-        </a:solidFill>
-        <a:round/>
-      </a:ln>
-    </cs:spPr>
-  </cs:gridlineMinor>
-  <cs:hiLoLine>
-    <cs:lnRef idx="0"/>
-    <cs:fillRef idx="0"/>
-    <cs:effectRef idx="0"/>
-    <cs:fontRef idx="minor">
-      <a:schemeClr val="tx1"/>
-    </cs:fontRef>
-    <cs:spPr>
-      <a:ln w="9525" cap="flat" cmpd="sng" algn="ctr">
-        <a:solidFill>
-          <a:schemeClr val="tx1">
-            <a:lumMod val="50000"/>
-            <a:lumOff val="50000"/>
-          </a:schemeClr>
-        </a:solidFill>
-        <a:round/>
-      </a:ln>
-    </cs:spPr>
-  </cs:hiLoLine>
-  <cs:leaderLine>
-    <cs:lnRef idx="0"/>
-    <cs:fillRef idx="0"/>
-    <cs:effectRef idx="0"/>
-    <cs:fontRef idx="minor">
-      <a:schemeClr val="tx1"/>
-    </cs:fontRef>
-    <cs:spPr>
-      <a:ln w="9525" cap="flat" cmpd="sng" algn="ctr">
-        <a:solidFill>
-          <a:schemeClr val="tx1">
-            <a:lumMod val="35000"/>
-            <a:lumOff val="65000"/>
-          </a:schemeClr>
-        </a:solidFill>
-        <a:round/>
-      </a:ln>
-    </cs:spPr>
-  </cs:leaderLine>
-  <cs:legend>
-    <cs:lnRef idx="0"/>
-    <cs:fillRef idx="0"/>
-    <cs:effectRef idx="0"/>
-    <cs:fontRef idx="minor">
-      <a:schemeClr val="tx1">
-        <a:lumMod val="65000"/>
-        <a:lumOff val="35000"/>
-      </a:schemeClr>
-    </cs:fontRef>
-    <cs:defRPr sz="900" kern="1200"/>
-  </cs:legend>
-  <cs:plotArea mods="allowNoFillOverride allowNoLineOverride">
-    <cs:lnRef idx="0"/>
-    <cs:fillRef idx="0"/>
-    <cs:effectRef idx="0"/>
-    <cs:fontRef idx="minor">
-      <a:schemeClr val="tx1"/>
-    </cs:fontRef>
-  </cs:plotArea>
-  <cs:plotArea3D mods="allowNoFillOverride allowNoLineOverride">
-    <cs:lnRef idx="0"/>
-    <cs:fillRef idx="0"/>
-    <cs:effectRef idx="0"/>
-    <cs:fontRef idx="minor">
-      <a:schemeClr val="tx1"/>
-    </cs:fontRef>
-  </cs:plotArea3D>
-  <cs:seriesAxis>
-    <cs:lnRef idx="0"/>
-    <cs:fillRef idx="0"/>
-    <cs:effectRef idx="0"/>
-    <cs:fontRef idx="minor">
-      <a:schemeClr val="tx1">
-        <a:lumMod val="65000"/>
-        <a:lumOff val="35000"/>
-      </a:schemeClr>
-    </cs:fontRef>
-    <cs:defRPr sz="900" kern="1200"/>
-  </cs:seriesAxis>
-  <cs:seriesLine>
-    <cs:lnRef idx="0"/>
-    <cs:fillRef idx="0"/>
-    <cs:effectRef idx="0"/>
-    <cs:fontRef idx="minor">
-      <a:schemeClr val="tx1"/>
-    </cs:fontRef>
-    <cs:spPr>
-      <a:ln w="9525" cap="flat" cmpd="sng" algn="ctr">
-        <a:solidFill>
-          <a:schemeClr val="tx1">
-            <a:lumMod val="35000"/>
-            <a:lumOff val="65000"/>
-          </a:schemeClr>
-        </a:solidFill>
-        <a:round/>
-      </a:ln>
-    </cs:spPr>
-  </cs:seriesLine>
-  <cs:title>
-    <cs:lnRef idx="0"/>
-    <cs:fillRef idx="0"/>
-    <cs:effectRef idx="0"/>
-    <cs:fontRef idx="minor">
-      <a:schemeClr val="tx1">
-        <a:lumMod val="65000"/>
-        <a:lumOff val="35000"/>
-      </a:schemeClr>
-    </cs:fontRef>
-    <cs:defRPr sz="1400" b="0" kern="1200" spc="0" baseline="0"/>
-  </cs:title>
-  <cs:trendline>
-    <cs:lnRef idx="0">
-      <cs:styleClr val="auto"/>
-    </cs:lnRef>
-    <cs:fillRef idx="0"/>
-    <cs:effectRef idx="0"/>
-    <cs:fontRef idx="minor">
-      <a:schemeClr val="tx1"/>
-    </cs:fontRef>
-    <cs:spPr>
-      <a:ln w="19050" cap="rnd">
-        <a:solidFill>
-          <a:schemeClr val="phClr"/>
-        </a:solidFill>
-        <a:prstDash val="sysDot"/>
-      </a:ln>
-    </cs:spPr>
-  </cs:trendline>
-  <cs:trendlineLabel>
-    <cs:lnRef idx="0"/>
-    <cs:fillRef idx="0"/>
-    <cs:effectRef idx="0"/>
-    <cs:fontRef idx="minor">
-      <a:schemeClr val="tx1">
-        <a:lumMod val="65000"/>
-        <a:lumOff val="35000"/>
-      </a:schemeClr>
-    </cs:fontRef>
-    <cs:defRPr sz="900" kern="1200"/>
-  </cs:trendlineLabel>
-  <cs:upBar>
-    <cs:lnRef idx="0"/>
-    <cs:fillRef idx="0"/>
-    <cs:effectRef idx="0"/>
-    <cs:fontRef idx="minor">
-      <a:schemeClr val="tx1"/>
-    </cs:fontRef>
-    <cs:spPr>
-      <a:solidFill>
-        <a:schemeClr val="lt1"/>
-      </a:solidFill>
-      <a:ln w="9525" cap="flat" cmpd="sng" algn="ctr">
-        <a:solidFill>
-          <a:schemeClr val="tx1">
-            <a:lumMod val="65000"/>
-            <a:lumOff val="35000"/>
-          </a:schemeClr>
-        </a:solidFill>
-        <a:round/>
-      </a:ln>
-    </cs:spPr>
-  </cs:upBar>
-  <cs:valueAxis>
-    <cs:lnRef idx="0"/>
-    <cs:fillRef idx="0"/>
-    <cs:effectRef idx="0"/>
-    <cs:fontRef idx="minor">
-      <a:schemeClr val="tx1">
-        <a:lumMod val="65000"/>
-        <a:lumOff val="35000"/>
-      </a:schemeClr>
-    </cs:fontRef>
-    <cs:defRPr sz="900" kern="1200"/>
-  </cs:valueAxis>
-  <cs:wall>
-    <cs:lnRef idx="0"/>
-    <cs:fillRef idx="0"/>
-    <cs:effectRef idx="0"/>
-    <cs:fontRef idx="minor">
-      <a:schemeClr val="tx1"/>
-    </cs:fontRef>
-    <cs:spPr>
-      <a:noFill/>
-      <a:ln>
-        <a:noFill/>
-      </a:ln>
-    </cs:spPr>
-  </cs:wall>
-</cs:chartStyle>
 </file>
 
 <file path=ppt/diagrams/colors1.xml><?xml version="1.0" encoding="utf-8"?>
@@ -16774,95 +15890,6 @@
           <p:cNvPr id="2" name="Title 1">
             <a:extLst>
               <a:ext uri="{FF2B5EF4-FFF2-40B4-BE49-F238E27FC236}">
-                <a16:creationId xmlns:a16="http://schemas.microsoft.com/office/drawing/2014/main" id="{6A0EFDAE-7FA4-4CFB-8616-053AB25DD9C1}"/>
-              </a:ext>
-            </a:extLst>
-          </p:cNvPr>
-          <p:cNvSpPr>
-            <a:spLocks noGrp="1"/>
-          </p:cNvSpPr>
-          <p:nvPr>
-            <p:ph type="title"/>
-          </p:nvPr>
-        </p:nvSpPr>
-        <p:spPr/>
-        <p:txBody>
-          <a:bodyPr/>
-          <a:lstStyle/>
-          <a:p>
-            <a:r>
-              <a:rPr lang="en-US" dirty="0"/>
-              <a:t>PROGRESS GRAPH</a:t>
-            </a:r>
-          </a:p>
-        </p:txBody>
-      </p:sp>
-      <p:graphicFrame>
-        <p:nvGraphicFramePr>
-          <p:cNvPr id="4" name="Content Placeholder 3">
-            <a:extLst>
-              <a:ext uri="{FF2B5EF4-FFF2-40B4-BE49-F238E27FC236}">
-                <a16:creationId xmlns:a16="http://schemas.microsoft.com/office/drawing/2014/main" id="{4F3E03A1-F8AF-478D-AD40-63842F3C2D5D}"/>
-              </a:ext>
-            </a:extLst>
-          </p:cNvPr>
-          <p:cNvGraphicFramePr>
-            <a:graphicFrameLocks noGrp="1"/>
-          </p:cNvGraphicFramePr>
-          <p:nvPr>
-            <p:ph idx="1"/>
-            <p:extLst>
-              <p:ext uri="{D42A27DB-BD31-4B8C-83A1-F6EECF244321}">
-                <p14:modId xmlns:p14="http://schemas.microsoft.com/office/powerpoint/2010/main" val="2079309286"/>
-              </p:ext>
-            </p:extLst>
-          </p:nvPr>
-        </p:nvGraphicFramePr>
-        <p:xfrm>
-          <a:off x="175861" y="1373872"/>
-          <a:ext cx="8867471" cy="4120917"/>
-        </p:xfrm>
-        <a:graphic>
-          <a:graphicData uri="http://schemas.openxmlformats.org/drawingml/2006/chart">
-            <c:chart xmlns:c="http://schemas.openxmlformats.org/drawingml/2006/chart" xmlns:r="http://schemas.openxmlformats.org/officeDocument/2006/relationships" r:id="rId2"/>
-          </a:graphicData>
-        </a:graphic>
-      </p:graphicFrame>
-    </p:spTree>
-    <p:extLst>
-      <p:ext uri="{BB962C8B-B14F-4D97-AF65-F5344CB8AC3E}">
-        <p14:creationId xmlns:p14="http://schemas.microsoft.com/office/powerpoint/2010/main" val="1317771286"/>
-      </p:ext>
-    </p:extLst>
-  </p:cSld>
-  <p:clrMapOvr>
-    <a:masterClrMapping/>
-  </p:clrMapOvr>
-</p:sld>
-</file>
-
-<file path=ppt/slides/slide32.xml><?xml version="1.0" encoding="utf-8"?>
-<p:sld xmlns:a="http://schemas.openxmlformats.org/drawingml/2006/main" xmlns:r="http://schemas.openxmlformats.org/officeDocument/2006/relationships" xmlns:p="http://schemas.openxmlformats.org/presentationml/2006/main">
-  <p:cSld>
-    <p:spTree>
-      <p:nvGrpSpPr>
-        <p:cNvPr id="1" name=""/>
-        <p:cNvGrpSpPr/>
-        <p:nvPr/>
-      </p:nvGrpSpPr>
-      <p:grpSpPr>
-        <a:xfrm>
-          <a:off x="0" y="0"/>
-          <a:ext cx="0" cy="0"/>
-          <a:chOff x="0" y="0"/>
-          <a:chExt cx="0" cy="0"/>
-        </a:xfrm>
-      </p:grpSpPr>
-      <p:sp>
-        <p:nvSpPr>
-          <p:cNvPr id="2" name="Title 1">
-            <a:extLst>
-              <a:ext uri="{FF2B5EF4-FFF2-40B4-BE49-F238E27FC236}">
                 <a16:creationId xmlns:a16="http://schemas.microsoft.com/office/drawing/2014/main" id="{8F033A1F-F7D6-4672-ABB9-CD93A74DA4A3}"/>
               </a:ext>
             </a:extLst>
@@ -16907,7 +15934,7 @@
             <p:ph idx="1"/>
             <p:extLst>
               <p:ext uri="{D42A27DB-BD31-4B8C-83A1-F6EECF244321}">
-                <p14:modId xmlns:p14="http://schemas.microsoft.com/office/powerpoint/2010/main" val="1103115777"/>
+                <p14:modId xmlns:p14="http://schemas.microsoft.com/office/powerpoint/2010/main" val="1167919338"/>
               </p:ext>
             </p:extLst>
           </p:nvPr>
@@ -17218,7 +16245,14 @@
                           <a:effectLst/>
                           <a:latin typeface="+mn-lt"/>
                         </a:rPr>
-                        <a:t>Database Development</a:t>
+                        <a:t>Database </a:t>
+                      </a:r>
+                      <a:r>
+                        <a:rPr lang="en-US" sz="1200" dirty="0" err="1">
+                          <a:effectLst/>
+                          <a:latin typeface="+mn-lt"/>
+                        </a:rPr>
+                        <a:t>Developmnt</a:t>
                       </a:r>
                       <a:endParaRPr lang="en-US" sz="1100" dirty="0">
                         <a:effectLst/>
@@ -18344,7 +17378,7 @@
 </p:sld>
 </file>
 
-<file path=ppt/slides/slide33.xml><?xml version="1.0" encoding="utf-8"?>
+<file path=ppt/slides/slide32.xml><?xml version="1.0" encoding="utf-8"?>
 <p:sld xmlns:a="http://schemas.openxmlformats.org/drawingml/2006/main" xmlns:r="http://schemas.openxmlformats.org/officeDocument/2006/relationships" xmlns:p="http://schemas.openxmlformats.org/presentationml/2006/main">
   <p:cSld>
     <p:spTree>
@@ -18396,10 +17430,10 @@
       </p:sp>
       <p:graphicFrame>
         <p:nvGraphicFramePr>
-          <p:cNvPr id="7" name="Content Placeholder 6">
+          <p:cNvPr id="5" name="Content Placeholder 4">
             <a:extLst>
               <a:ext uri="{FF2B5EF4-FFF2-40B4-BE49-F238E27FC236}">
-                <a16:creationId xmlns:a16="http://schemas.microsoft.com/office/drawing/2014/main" id="{784CFFC1-EEE3-4625-B3AF-C6FAC7A4B0B8}"/>
+                <a16:creationId xmlns:a16="http://schemas.microsoft.com/office/drawing/2014/main" id="{D00AAD62-FB24-4CD7-98E8-369B30201FAA}"/>
               </a:ext>
             </a:extLst>
           </p:cNvPr>
@@ -18410,14 +17444,14 @@
             <p:ph idx="1"/>
             <p:extLst>
               <p:ext uri="{D42A27DB-BD31-4B8C-83A1-F6EECF244321}">
-                <p14:modId xmlns:p14="http://schemas.microsoft.com/office/powerpoint/2010/main" val="1504361827"/>
+                <p14:modId xmlns:p14="http://schemas.microsoft.com/office/powerpoint/2010/main" val="2622306368"/>
               </p:ext>
             </p:extLst>
           </p:nvPr>
         </p:nvGraphicFramePr>
         <p:xfrm>
-          <a:off x="591976" y="1218125"/>
-          <a:ext cx="8056722" cy="4426327"/>
+          <a:off x="591976" y="1010896"/>
+          <a:ext cx="8161451" cy="4535238"/>
         </p:xfrm>
         <a:graphic>
           <a:graphicData uri="http://schemas.openxmlformats.org/drawingml/2006/table">
@@ -18426,2517 +17460,2528 @@
                 <a:tableStyleId>{5C22544A-7EE6-4342-B048-85BDC9FD1C3A}</a:tableStyleId>
               </a:tblPr>
               <a:tblGrid>
-                <a:gridCol w="1342787">
+                <a:gridCol w="1778525">
                   <a:extLst>
                     <a:ext uri="{9D8B030D-6E8A-4147-A177-3AD203B41FA5}">
-                      <a16:colId xmlns:a16="http://schemas.microsoft.com/office/drawing/2014/main" val="1775189005"/>
+                      <a16:colId xmlns:a16="http://schemas.microsoft.com/office/drawing/2014/main" val="1553680213"/>
                     </a:ext>
                   </a:extLst>
                 </a:gridCol>
-                <a:gridCol w="1342787">
+                <a:gridCol w="2687549">
                   <a:extLst>
                     <a:ext uri="{9D8B030D-6E8A-4147-A177-3AD203B41FA5}">
-                      <a16:colId xmlns:a16="http://schemas.microsoft.com/office/drawing/2014/main" val="1069750776"/>
+                      <a16:colId xmlns:a16="http://schemas.microsoft.com/office/drawing/2014/main" val="4208252398"/>
                     </a:ext>
                   </a:extLst>
                 </a:gridCol>
-                <a:gridCol w="1342787">
+                <a:gridCol w="889262">
                   <a:extLst>
                     <a:ext uri="{9D8B030D-6E8A-4147-A177-3AD203B41FA5}">
-                      <a16:colId xmlns:a16="http://schemas.microsoft.com/office/drawing/2014/main" val="1954666191"/>
+                      <a16:colId xmlns:a16="http://schemas.microsoft.com/office/drawing/2014/main" val="1618658464"/>
                     </a:ext>
                   </a:extLst>
                 </a:gridCol>
-                <a:gridCol w="1342787">
+                <a:gridCol w="889262">
                   <a:extLst>
                     <a:ext uri="{9D8B030D-6E8A-4147-A177-3AD203B41FA5}">
-                      <a16:colId xmlns:a16="http://schemas.microsoft.com/office/drawing/2014/main" val="378162017"/>
+                      <a16:colId xmlns:a16="http://schemas.microsoft.com/office/drawing/2014/main" val="2651919868"/>
                     </a:ext>
                   </a:extLst>
                 </a:gridCol>
-                <a:gridCol w="1342787">
+                <a:gridCol w="988068">
                   <a:extLst>
                     <a:ext uri="{9D8B030D-6E8A-4147-A177-3AD203B41FA5}">
-                      <a16:colId xmlns:a16="http://schemas.microsoft.com/office/drawing/2014/main" val="3356513500"/>
+                      <a16:colId xmlns:a16="http://schemas.microsoft.com/office/drawing/2014/main" val="684425868"/>
                     </a:ext>
                   </a:extLst>
                 </a:gridCol>
-                <a:gridCol w="1342787">
+                <a:gridCol w="928785">
                   <a:extLst>
                     <a:ext uri="{9D8B030D-6E8A-4147-A177-3AD203B41FA5}">
-                      <a16:colId xmlns:a16="http://schemas.microsoft.com/office/drawing/2014/main" val="2621371355"/>
+                      <a16:colId xmlns:a16="http://schemas.microsoft.com/office/drawing/2014/main" val="3583822188"/>
                     </a:ext>
                   </a:extLst>
                 </a:gridCol>
               </a:tblGrid>
-              <a:tr h="338256">
-                <a:tc>
-                  <a:txBody>
-                    <a:bodyPr/>
-                    <a:lstStyle/>
-                    <a:p>
-                      <a:pPr marL="0" marR="0" algn="ctr">
-                        <a:lnSpc>
-                          <a:spcPct val="107000"/>
-                        </a:lnSpc>
-                        <a:spcBef>
-                          <a:spcPts val="0"/>
-                        </a:spcBef>
-                        <a:spcAft>
-                          <a:spcPts val="0"/>
-                        </a:spcAft>
-                      </a:pPr>
-                      <a:r>
-                        <a:rPr lang="en-US" sz="1000" dirty="0">
-                          <a:effectLst/>
-                          <a:latin typeface="+mn-lt"/>
+              <a:tr h="371232">
+                <a:tc>
+                  <a:txBody>
+                    <a:bodyPr/>
+                    <a:lstStyle/>
+                    <a:p>
+                      <a:pPr algn="ctr" rtl="0" fontAlgn="ctr"/>
+                      <a:r>
+                        <a:rPr lang="en-US" sz="1000" u="none" strike="noStrike" dirty="0">
+                          <a:effectLst/>
                         </a:rPr>
                         <a:t>Item</a:t>
                       </a:r>
-                      <a:endParaRPr lang="en-US" sz="1000" dirty="0">
+                      <a:endParaRPr lang="en-US" sz="1000" b="1" i="0" u="none" strike="noStrike" dirty="0">
+                        <a:solidFill>
+                          <a:srgbClr val="FFFFFF"/>
+                        </a:solidFill>
                         <a:effectLst/>
-                        <a:latin typeface="+mn-lt"/>
-                        <a:ea typeface="Calibri" panose="020F0502020204030204" pitchFamily="34" charset="0"/>
-                        <a:cs typeface="Times New Roman" panose="02020603050405020304" pitchFamily="18" charset="0"/>
+                        <a:latin typeface="Trebuchet MS" panose="020B0603020202020204" pitchFamily="34" charset="0"/>
                       </a:endParaRPr>
                     </a:p>
                   </a:txBody>
-                  <a:tcPr marL="20992" marR="20992" marT="13995" marB="13995" anchor="ctr"/>
-                </a:tc>
-                <a:tc>
-                  <a:txBody>
-                    <a:bodyPr/>
-                    <a:lstStyle/>
-                    <a:p>
-                      <a:pPr marL="0" marR="0" algn="ctr">
-                        <a:lnSpc>
-                          <a:spcPct val="107000"/>
-                        </a:lnSpc>
-                        <a:spcBef>
-                          <a:spcPts val="0"/>
-                        </a:spcBef>
-                        <a:spcAft>
-                          <a:spcPts val="0"/>
-                        </a:spcAft>
-                      </a:pPr>
-                      <a:r>
-                        <a:rPr lang="en-US" sz="1000">
-                          <a:effectLst/>
-                          <a:latin typeface="+mn-lt"/>
+                  <a:tcPr marL="4233" marR="4233" marT="4233" marB="0" anchor="ctr"/>
+                </a:tc>
+                <a:tc>
+                  <a:txBody>
+                    <a:bodyPr/>
+                    <a:lstStyle/>
+                    <a:p>
+                      <a:pPr algn="ctr" rtl="0" fontAlgn="ctr"/>
+                      <a:r>
+                        <a:rPr lang="en-US" sz="1000" u="none" strike="noStrike" dirty="0">
+                          <a:effectLst/>
                         </a:rPr>
                         <a:t>Description</a:t>
                       </a:r>
-                      <a:endParaRPr lang="en-US" sz="1000">
+                      <a:endParaRPr lang="en-US" sz="1000" b="1" i="0" u="none" strike="noStrike" dirty="0">
+                        <a:solidFill>
+                          <a:srgbClr val="FFFFFF"/>
+                        </a:solidFill>
                         <a:effectLst/>
-                        <a:latin typeface="+mn-lt"/>
-                        <a:ea typeface="Calibri" panose="020F0502020204030204" pitchFamily="34" charset="0"/>
-                        <a:cs typeface="Times New Roman" panose="02020603050405020304" pitchFamily="18" charset="0"/>
+                        <a:latin typeface="Trebuchet MS" panose="020B0603020202020204" pitchFamily="34" charset="0"/>
                       </a:endParaRPr>
                     </a:p>
                   </a:txBody>
-                  <a:tcPr marL="20992" marR="20992" marT="13995" marB="13995" anchor="ctr"/>
-                </a:tc>
-                <a:tc>
-                  <a:txBody>
-                    <a:bodyPr/>
-                    <a:lstStyle/>
-                    <a:p>
-                      <a:pPr marL="0" marR="0" algn="ctr">
-                        <a:lnSpc>
-                          <a:spcPct val="107000"/>
-                        </a:lnSpc>
-                        <a:spcBef>
-                          <a:spcPts val="0"/>
-                        </a:spcBef>
-                        <a:spcAft>
-                          <a:spcPts val="0"/>
-                        </a:spcAft>
-                      </a:pPr>
-                      <a:r>
-                        <a:rPr lang="en-US" sz="1000">
-                          <a:effectLst/>
-                          <a:latin typeface="+mn-lt"/>
+                  <a:tcPr marL="4233" marR="4233" marT="4233" marB="0" anchor="ctr"/>
+                </a:tc>
+                <a:tc>
+                  <a:txBody>
+                    <a:bodyPr/>
+                    <a:lstStyle/>
+                    <a:p>
+                      <a:pPr algn="ctr" rtl="0" fontAlgn="ctr"/>
+                      <a:r>
+                        <a:rPr lang="en-US" sz="1000" u="none" strike="noStrike">
+                          <a:effectLst/>
                         </a:rPr>
                         <a:t>Quantity</a:t>
                       </a:r>
-                      <a:endParaRPr lang="en-US" sz="1000">
+                      <a:endParaRPr lang="en-US" sz="1000" b="1" i="0" u="none" strike="noStrike">
+                        <a:solidFill>
+                          <a:srgbClr val="FFFFFF"/>
+                        </a:solidFill>
                         <a:effectLst/>
-                        <a:latin typeface="+mn-lt"/>
-                        <a:ea typeface="Calibri" panose="020F0502020204030204" pitchFamily="34" charset="0"/>
-                        <a:cs typeface="Times New Roman" panose="02020603050405020304" pitchFamily="18" charset="0"/>
+                        <a:latin typeface="Trebuchet MS" panose="020B0603020202020204" pitchFamily="34" charset="0"/>
                       </a:endParaRPr>
                     </a:p>
                   </a:txBody>
-                  <a:tcPr marL="20992" marR="20992" marT="13995" marB="13995" anchor="ctr"/>
-                </a:tc>
-                <a:tc>
-                  <a:txBody>
-                    <a:bodyPr/>
-                    <a:lstStyle/>
-                    <a:p>
-                      <a:pPr marL="0" marR="0" algn="ctr">
-                        <a:lnSpc>
-                          <a:spcPct val="107000"/>
-                        </a:lnSpc>
-                        <a:spcBef>
-                          <a:spcPts val="0"/>
-                        </a:spcBef>
-                        <a:spcAft>
-                          <a:spcPts val="0"/>
-                        </a:spcAft>
-                      </a:pPr>
-                      <a:r>
-                        <a:rPr lang="en-US" sz="1000">
-                          <a:effectLst/>
-                          <a:latin typeface="+mn-lt"/>
+                  <a:tcPr marL="4233" marR="4233" marT="4233" marB="0" anchor="ctr"/>
+                </a:tc>
+                <a:tc>
+                  <a:txBody>
+                    <a:bodyPr/>
+                    <a:lstStyle/>
+                    <a:p>
+                      <a:pPr algn="ctr" rtl="0" fontAlgn="ctr"/>
+                      <a:r>
+                        <a:rPr lang="en-US" sz="1000" u="none" strike="noStrike">
+                          <a:effectLst/>
                         </a:rPr>
                         <a:t>Cost</a:t>
                       </a:r>
-                      <a:endParaRPr lang="en-US" sz="1000">
+                      <a:endParaRPr lang="en-US" sz="1000" b="1" i="0" u="none" strike="noStrike">
+                        <a:solidFill>
+                          <a:srgbClr val="FFFFFF"/>
+                        </a:solidFill>
                         <a:effectLst/>
-                        <a:latin typeface="+mn-lt"/>
-                        <a:ea typeface="Calibri" panose="020F0502020204030204" pitchFamily="34" charset="0"/>
-                        <a:cs typeface="Times New Roman" panose="02020603050405020304" pitchFamily="18" charset="0"/>
+                        <a:latin typeface="Trebuchet MS" panose="020B0603020202020204" pitchFamily="34" charset="0"/>
                       </a:endParaRPr>
                     </a:p>
                   </a:txBody>
-                  <a:tcPr marL="20992" marR="20992" marT="13995" marB="13995" anchor="ctr"/>
-                </a:tc>
-                <a:tc>
-                  <a:txBody>
-                    <a:bodyPr/>
-                    <a:lstStyle/>
-                    <a:p>
-                      <a:pPr marL="0" marR="0" algn="ctr">
-                        <a:lnSpc>
-                          <a:spcPct val="107000"/>
-                        </a:lnSpc>
-                        <a:spcBef>
-                          <a:spcPts val="0"/>
-                        </a:spcBef>
-                        <a:spcAft>
-                          <a:spcPts val="0"/>
-                        </a:spcAft>
-                      </a:pPr>
-                      <a:r>
-                        <a:rPr lang="en-US" sz="1000" dirty="0">
-                          <a:effectLst/>
-                          <a:latin typeface="+mn-lt"/>
+                  <a:tcPr marL="4233" marR="4233" marT="4233" marB="0" anchor="ctr"/>
+                </a:tc>
+                <a:tc>
+                  <a:txBody>
+                    <a:bodyPr/>
+                    <a:lstStyle/>
+                    <a:p>
+                      <a:pPr algn="ctr" rtl="0" fontAlgn="ctr"/>
+                      <a:r>
+                        <a:rPr lang="en-US" sz="1000" u="none" strike="noStrike">
+                          <a:effectLst/>
                         </a:rPr>
                         <a:t>Total</a:t>
                       </a:r>
-                      <a:endParaRPr lang="en-US" sz="1000" dirty="0">
+                      <a:endParaRPr lang="en-US" sz="1000" b="1" i="0" u="none" strike="noStrike">
+                        <a:solidFill>
+                          <a:srgbClr val="FFFFFF"/>
+                        </a:solidFill>
                         <a:effectLst/>
-                        <a:latin typeface="+mn-lt"/>
-                        <a:ea typeface="Calibri" panose="020F0502020204030204" pitchFamily="34" charset="0"/>
-                        <a:cs typeface="Times New Roman" panose="02020603050405020304" pitchFamily="18" charset="0"/>
+                        <a:latin typeface="Trebuchet MS" panose="020B0603020202020204" pitchFamily="34" charset="0"/>
                       </a:endParaRPr>
                     </a:p>
                   </a:txBody>
-                  <a:tcPr marL="20992" marR="20992" marT="13995" marB="13995" anchor="ctr"/>
-                </a:tc>
-                <a:tc>
-                  <a:txBody>
-                    <a:bodyPr/>
-                    <a:lstStyle/>
-                    <a:p>
-                      <a:pPr marL="0" marR="0" algn="ctr">
-                        <a:lnSpc>
-                          <a:spcPct val="107000"/>
-                        </a:lnSpc>
-                        <a:spcBef>
-                          <a:spcPts val="0"/>
-                        </a:spcBef>
-                        <a:spcAft>
-                          <a:spcPts val="0"/>
-                        </a:spcAft>
-                      </a:pPr>
-                      <a:r>
-                        <a:rPr lang="en-US" sz="1000" dirty="0">
-                          <a:effectLst/>
-                          <a:latin typeface="+mn-lt"/>
-                          <a:ea typeface="Calibri" panose="020F0502020204030204" pitchFamily="34" charset="0"/>
-                          <a:cs typeface="Times New Roman" panose="02020603050405020304" pitchFamily="18" charset="0"/>
+                  <a:tcPr marL="4233" marR="4233" marT="4233" marB="0" anchor="ctr"/>
+                </a:tc>
+                <a:tc>
+                  <a:txBody>
+                    <a:bodyPr/>
+                    <a:lstStyle/>
+                    <a:p>
+                      <a:pPr algn="ctr" rtl="0" fontAlgn="ctr"/>
+                      <a:r>
+                        <a:rPr lang="en-US" sz="1000" u="none" strike="noStrike">
+                          <a:effectLst/>
                         </a:rPr>
                         <a:t>Estimated Cost</a:t>
                       </a:r>
-                    </a:p>
-                  </a:txBody>
-                  <a:tcPr marL="20992" marR="20992" marT="13995" marB="13995" anchor="ctr"/>
+                      <a:endParaRPr lang="en-US" sz="1000" b="1" i="0" u="none" strike="noStrike">
+                        <a:solidFill>
+                          <a:srgbClr val="FFFFFF"/>
+                        </a:solidFill>
+                        <a:effectLst/>
+                        <a:latin typeface="Trebuchet MS" panose="020B0603020202020204" pitchFamily="34" charset="0"/>
+                      </a:endParaRPr>
+                    </a:p>
+                  </a:txBody>
+                  <a:tcPr marL="4233" marR="4233" marT="4233" marB="0" anchor="ctr"/>
                 </a:tc>
                 <a:extLst>
                   <a:ext uri="{0D108BD9-81ED-4DB2-BD59-A6C34878D82A}">
-                    <a16:rowId xmlns:a16="http://schemas.microsoft.com/office/drawing/2014/main" val="2144388229"/>
+                    <a16:rowId xmlns:a16="http://schemas.microsoft.com/office/drawing/2014/main" val="829771707"/>
                   </a:ext>
                 </a:extLst>
               </a:tr>
-              <a:tr h="341755">
-                <a:tc>
-                  <a:txBody>
-                    <a:bodyPr/>
-                    <a:lstStyle/>
-                    <a:p>
-                      <a:pPr marL="0" marR="0" algn="ctr">
-                        <a:lnSpc>
-                          <a:spcPct val="107000"/>
-                        </a:lnSpc>
-                        <a:spcBef>
-                          <a:spcPts val="0"/>
-                        </a:spcBef>
-                        <a:spcAft>
-                          <a:spcPts val="0"/>
-                        </a:spcAft>
-                      </a:pPr>
-                      <a:r>
-                        <a:rPr lang="en-US" sz="1000">
-                          <a:effectLst/>
-                          <a:latin typeface="+mn-lt"/>
-                        </a:rPr>
-                        <a:t>Tekscan A301</a:t>
-                      </a:r>
-                      <a:endParaRPr lang="en-US" sz="1000">
+              <a:tr h="197814">
+                <a:tc>
+                  <a:txBody>
+                    <a:bodyPr/>
+                    <a:lstStyle/>
+                    <a:p>
+                      <a:pPr algn="ctr" rtl="0" fontAlgn="ctr"/>
+                      <a:r>
+                        <a:rPr lang="en-US" sz="1000" u="none" strike="noStrike" dirty="0" err="1">
+                          <a:effectLst/>
+                        </a:rPr>
+                        <a:t>Tekscan</a:t>
+                      </a:r>
+                      <a:r>
+                        <a:rPr lang="en-US" sz="1000" u="none" strike="noStrike" dirty="0">
+                          <a:effectLst/>
+                        </a:rPr>
+                        <a:t> A301</a:t>
+                      </a:r>
+                      <a:endParaRPr lang="en-US" sz="1000" b="1" i="0" u="none" strike="noStrike" dirty="0">
+                        <a:solidFill>
+                          <a:srgbClr val="FFFFFF"/>
+                        </a:solidFill>
                         <a:effectLst/>
-                        <a:latin typeface="+mn-lt"/>
-                        <a:ea typeface="Calibri" panose="020F0502020204030204" pitchFamily="34" charset="0"/>
-                        <a:cs typeface="Times New Roman" panose="02020603050405020304" pitchFamily="18" charset="0"/>
+                        <a:latin typeface="Trebuchet MS" panose="020B0603020202020204" pitchFamily="34" charset="0"/>
                       </a:endParaRPr>
                     </a:p>
                   </a:txBody>
-                  <a:tcPr marL="20992" marR="20992" marT="13995" marB="13995" anchor="ctr"/>
-                </a:tc>
-                <a:tc>
-                  <a:txBody>
-                    <a:bodyPr/>
-                    <a:lstStyle/>
-                    <a:p>
-                      <a:pPr marL="0" marR="0" algn="ctr">
-                        <a:lnSpc>
-                          <a:spcPct val="107000"/>
-                        </a:lnSpc>
-                        <a:spcBef>
-                          <a:spcPts val="0"/>
-                        </a:spcBef>
-                        <a:spcAft>
-                          <a:spcPts val="0"/>
-                        </a:spcAft>
-                      </a:pPr>
-                      <a:r>
-                        <a:rPr lang="en-US" sz="1000">
-                          <a:effectLst/>
-                          <a:latin typeface="+mn-lt"/>
+                  <a:tcPr marL="4233" marR="4233" marT="4233" marB="0" anchor="ctr"/>
+                </a:tc>
+                <a:tc>
+                  <a:txBody>
+                    <a:bodyPr/>
+                    <a:lstStyle/>
+                    <a:p>
+                      <a:pPr algn="ctr" rtl="0" fontAlgn="ctr"/>
+                      <a:r>
+                        <a:rPr lang="en-US" sz="1000" u="none" strike="noStrike">
+                          <a:effectLst/>
                         </a:rPr>
                         <a:t>round force sensors - 4 pk</a:t>
                       </a:r>
-                      <a:endParaRPr lang="en-US" sz="1000">
+                      <a:endParaRPr lang="en-US" sz="1000" b="0" i="0" u="none" strike="noStrike">
+                        <a:solidFill>
+                          <a:srgbClr val="000000"/>
+                        </a:solidFill>
                         <a:effectLst/>
-                        <a:latin typeface="+mn-lt"/>
-                        <a:ea typeface="Calibri" panose="020F0502020204030204" pitchFamily="34" charset="0"/>
-                        <a:cs typeface="Times New Roman" panose="02020603050405020304" pitchFamily="18" charset="0"/>
+                        <a:latin typeface="Trebuchet MS" panose="020B0603020202020204" pitchFamily="34" charset="0"/>
                       </a:endParaRPr>
                     </a:p>
                   </a:txBody>
-                  <a:tcPr marL="20992" marR="20992" marT="13995" marB="13995" anchor="ctr"/>
-                </a:tc>
-                <a:tc>
-                  <a:txBody>
-                    <a:bodyPr/>
-                    <a:lstStyle/>
-                    <a:p>
-                      <a:pPr marL="0" marR="0" algn="ctr">
-                        <a:lnSpc>
-                          <a:spcPct val="107000"/>
-                        </a:lnSpc>
-                        <a:spcBef>
-                          <a:spcPts val="0"/>
-                        </a:spcBef>
-                        <a:spcAft>
-                          <a:spcPts val="0"/>
-                        </a:spcAft>
-                      </a:pPr>
-                      <a:r>
-                        <a:rPr lang="en-US" sz="1000">
-                          <a:effectLst/>
-                          <a:latin typeface="+mn-lt"/>
+                  <a:tcPr marL="4233" marR="4233" marT="4233" marB="0" anchor="ctr"/>
+                </a:tc>
+                <a:tc>
+                  <a:txBody>
+                    <a:bodyPr/>
+                    <a:lstStyle/>
+                    <a:p>
+                      <a:pPr algn="ctr" rtl="0" fontAlgn="ctr"/>
+                      <a:r>
+                        <a:rPr lang="en-US" sz="1000" u="none" strike="noStrike">
+                          <a:effectLst/>
                         </a:rPr>
                         <a:t>1</a:t>
                       </a:r>
-                      <a:endParaRPr lang="en-US" sz="1000">
+                      <a:endParaRPr lang="en-US" sz="1000" b="0" i="0" u="none" strike="noStrike">
+                        <a:solidFill>
+                          <a:srgbClr val="000000"/>
+                        </a:solidFill>
                         <a:effectLst/>
-                        <a:latin typeface="+mn-lt"/>
-                        <a:ea typeface="Calibri" panose="020F0502020204030204" pitchFamily="34" charset="0"/>
-                        <a:cs typeface="Times New Roman" panose="02020603050405020304" pitchFamily="18" charset="0"/>
+                        <a:latin typeface="Trebuchet MS" panose="020B0603020202020204" pitchFamily="34" charset="0"/>
                       </a:endParaRPr>
                     </a:p>
                   </a:txBody>
-                  <a:tcPr marL="20992" marR="20992" marT="13995" marB="13995" anchor="ctr"/>
-                </a:tc>
-                <a:tc>
-                  <a:txBody>
-                    <a:bodyPr/>
-                    <a:lstStyle/>
-                    <a:p>
-                      <a:pPr marL="0" marR="0" algn="ctr">
-                        <a:lnSpc>
-                          <a:spcPct val="107000"/>
-                        </a:lnSpc>
-                        <a:spcBef>
-                          <a:spcPts val="0"/>
-                        </a:spcBef>
-                        <a:spcAft>
-                          <a:spcPts val="0"/>
-                        </a:spcAft>
-                      </a:pPr>
-                      <a:r>
-                        <a:rPr lang="en-US" sz="1000">
-                          <a:effectLst/>
-                          <a:latin typeface="+mn-lt"/>
-                        </a:rPr>
-                        <a:t>$53.60</a:t>
-                      </a:r>
-                      <a:endParaRPr lang="en-US" sz="1000">
+                  <a:tcPr marL="4233" marR="4233" marT="4233" marB="0" anchor="ctr"/>
+                </a:tc>
+                <a:tc>
+                  <a:txBody>
+                    <a:bodyPr/>
+                    <a:lstStyle/>
+                    <a:p>
+                      <a:pPr algn="ctr" rtl="0" fontAlgn="ctr"/>
+                      <a:r>
+                        <a:rPr lang="en-US" sz="1000" u="none" strike="noStrike">
+                          <a:effectLst/>
+                        </a:rPr>
+                        <a:t> $  53.60 </a:t>
+                      </a:r>
+                      <a:endParaRPr lang="en-US" sz="1000" b="0" i="0" u="none" strike="noStrike">
+                        <a:solidFill>
+                          <a:srgbClr val="000000"/>
+                        </a:solidFill>
                         <a:effectLst/>
-                        <a:latin typeface="+mn-lt"/>
-                        <a:ea typeface="Calibri" panose="020F0502020204030204" pitchFamily="34" charset="0"/>
-                        <a:cs typeface="Times New Roman" panose="02020603050405020304" pitchFamily="18" charset="0"/>
+                        <a:latin typeface="Trebuchet MS" panose="020B0603020202020204" pitchFamily="34" charset="0"/>
                       </a:endParaRPr>
                     </a:p>
                   </a:txBody>
-                  <a:tcPr marL="20992" marR="20992" marT="13995" marB="13995" anchor="ctr"/>
-                </a:tc>
-                <a:tc>
-                  <a:txBody>
-                    <a:bodyPr/>
-                    <a:lstStyle/>
-                    <a:p>
-                      <a:pPr marL="0" marR="0" algn="ctr">
-                        <a:lnSpc>
-                          <a:spcPct val="107000"/>
-                        </a:lnSpc>
-                        <a:spcBef>
-                          <a:spcPts val="0"/>
-                        </a:spcBef>
-                        <a:spcAft>
-                          <a:spcPts val="0"/>
-                        </a:spcAft>
-                      </a:pPr>
-                      <a:r>
-                        <a:rPr lang="en-US" sz="1000" dirty="0">
-                          <a:effectLst/>
-                          <a:latin typeface="+mn-lt"/>
-                        </a:rPr>
-                        <a:t>$53.60</a:t>
-                      </a:r>
-                      <a:endParaRPr lang="en-US" sz="1000" dirty="0">
+                  <a:tcPr marL="4233" marR="4233" marT="4233" marB="0" anchor="ctr"/>
+                </a:tc>
+                <a:tc>
+                  <a:txBody>
+                    <a:bodyPr/>
+                    <a:lstStyle/>
+                    <a:p>
+                      <a:pPr algn="ctr" rtl="0" fontAlgn="ctr"/>
+                      <a:r>
+                        <a:rPr lang="en-US" sz="1000" u="none" strike="noStrike">
+                          <a:effectLst/>
+                        </a:rPr>
+                        <a:t> $   53.60 </a:t>
+                      </a:r>
+                      <a:endParaRPr lang="en-US" sz="1000" b="0" i="0" u="none" strike="noStrike">
+                        <a:solidFill>
+                          <a:srgbClr val="000000"/>
+                        </a:solidFill>
                         <a:effectLst/>
-                        <a:latin typeface="+mn-lt"/>
-                        <a:ea typeface="Calibri" panose="020F0502020204030204" pitchFamily="34" charset="0"/>
-                        <a:cs typeface="Times New Roman" panose="02020603050405020304" pitchFamily="18" charset="0"/>
+                        <a:latin typeface="Trebuchet MS" panose="020B0603020202020204" pitchFamily="34" charset="0"/>
                       </a:endParaRPr>
                     </a:p>
                   </a:txBody>
-                  <a:tcPr marL="20992" marR="20992" marT="13995" marB="13995" anchor="ctr"/>
+                  <a:tcPr marL="4233" marR="4233" marT="4233" marB="0" anchor="ctr"/>
                 </a:tc>
                 <a:tc rowSpan="2">
                   <a:txBody>
                     <a:bodyPr/>
                     <a:lstStyle/>
                     <a:p>
-                      <a:pPr marL="0" marR="0" algn="ctr">
-                        <a:lnSpc>
-                          <a:spcPct val="107000"/>
-                        </a:lnSpc>
-                        <a:spcBef>
-                          <a:spcPts val="0"/>
-                        </a:spcBef>
-                        <a:spcAft>
-                          <a:spcPts val="0"/>
-                        </a:spcAft>
-                      </a:pPr>
-                      <a:r>
-                        <a:rPr lang="en-US" sz="1000" dirty="0">
-                          <a:effectLst/>
-                          <a:latin typeface="+mn-lt"/>
-                          <a:ea typeface="Calibri" panose="020F0502020204030204" pitchFamily="34" charset="0"/>
-                          <a:cs typeface="Times New Roman" panose="02020603050405020304" pitchFamily="18" charset="0"/>
-                        </a:rPr>
-                        <a:t>$150.00</a:t>
-                      </a:r>
-                    </a:p>
-                  </a:txBody>
-                  <a:tcPr marL="20992" marR="20992" marT="13995" marB="13995" anchor="ctr"/>
+                      <a:pPr algn="ctr" rtl="0" fontAlgn="ctr"/>
+                      <a:r>
+                        <a:rPr lang="en-US" sz="1000" u="none" strike="noStrike">
+                          <a:effectLst/>
+                        </a:rPr>
+                        <a:t> $150.00 </a:t>
+                      </a:r>
+                      <a:endParaRPr lang="en-US" sz="1000" b="0" i="0" u="none" strike="noStrike">
+                        <a:solidFill>
+                          <a:srgbClr val="000000"/>
+                        </a:solidFill>
+                        <a:effectLst/>
+                        <a:latin typeface="Trebuchet MS" panose="020B0603020202020204" pitchFamily="34" charset="0"/>
+                      </a:endParaRPr>
+                    </a:p>
+                  </a:txBody>
+                  <a:tcPr marL="4233" marR="4233" marT="4233" marB="0" anchor="ctr"/>
                 </a:tc>
                 <a:extLst>
                   <a:ext uri="{0D108BD9-81ED-4DB2-BD59-A6C34878D82A}">
-                    <a16:rowId xmlns:a16="http://schemas.microsoft.com/office/drawing/2014/main" val="3604653218"/>
+                    <a16:rowId xmlns:a16="http://schemas.microsoft.com/office/drawing/2014/main" val="1213010051"/>
                   </a:ext>
                 </a:extLst>
               </a:tr>
-              <a:tr h="341755">
-                <a:tc>
-                  <a:txBody>
-                    <a:bodyPr/>
-                    <a:lstStyle/>
-                    <a:p>
-                      <a:pPr marL="0" marR="0" algn="ctr">
-                        <a:lnSpc>
-                          <a:spcPct val="107000"/>
-                        </a:lnSpc>
-                        <a:spcBef>
-                          <a:spcPts val="0"/>
-                        </a:spcBef>
-                        <a:spcAft>
-                          <a:spcPts val="0"/>
-                        </a:spcAft>
-                      </a:pPr>
-                      <a:r>
-                        <a:rPr lang="en-US" sz="1000">
-                          <a:effectLst/>
-                          <a:latin typeface="+mn-lt"/>
-                        </a:rPr>
-                        <a:t>Tekscan A502</a:t>
-                      </a:r>
-                      <a:endParaRPr lang="en-US" sz="1000">
+              <a:tr h="371232">
+                <a:tc>
+                  <a:txBody>
+                    <a:bodyPr/>
+                    <a:lstStyle/>
+                    <a:p>
+                      <a:pPr algn="ctr" rtl="0" fontAlgn="ctr"/>
+                      <a:r>
+                        <a:rPr lang="en-US" sz="1000" u="none" strike="noStrike" dirty="0" err="1">
+                          <a:effectLst/>
+                        </a:rPr>
+                        <a:t>Tekscan</a:t>
+                      </a:r>
+                      <a:r>
+                        <a:rPr lang="en-US" sz="1000" u="none" strike="noStrike" dirty="0">
+                          <a:effectLst/>
+                        </a:rPr>
+                        <a:t> A502</a:t>
+                      </a:r>
+                      <a:endParaRPr lang="en-US" sz="1000" b="1" i="0" u="none" strike="noStrike" dirty="0">
+                        <a:solidFill>
+                          <a:srgbClr val="FFFFFF"/>
+                        </a:solidFill>
                         <a:effectLst/>
-                        <a:latin typeface="+mn-lt"/>
-                        <a:ea typeface="Calibri" panose="020F0502020204030204" pitchFamily="34" charset="0"/>
-                        <a:cs typeface="Times New Roman" panose="02020603050405020304" pitchFamily="18" charset="0"/>
+                        <a:latin typeface="Trebuchet MS" panose="020B0603020202020204" pitchFamily="34" charset="0"/>
                       </a:endParaRPr>
                     </a:p>
                   </a:txBody>
-                  <a:tcPr marL="20992" marR="20992" marT="13995" marB="13995" anchor="ctr"/>
-                </a:tc>
-                <a:tc>
-                  <a:txBody>
-                    <a:bodyPr/>
-                    <a:lstStyle/>
-                    <a:p>
-                      <a:pPr marL="0" marR="0" algn="ctr">
-                        <a:lnSpc>
-                          <a:spcPct val="107000"/>
-                        </a:lnSpc>
-                        <a:spcBef>
-                          <a:spcPts val="0"/>
-                        </a:spcBef>
-                        <a:spcAft>
-                          <a:spcPts val="0"/>
-                        </a:spcAft>
-                      </a:pPr>
-                      <a:r>
-                        <a:rPr lang="en-US" sz="1000">
-                          <a:effectLst/>
-                          <a:latin typeface="+mn-lt"/>
+                  <a:tcPr marL="4233" marR="4233" marT="4233" marB="0" anchor="ctr"/>
+                </a:tc>
+                <a:tc>
+                  <a:txBody>
+                    <a:bodyPr/>
+                    <a:lstStyle/>
+                    <a:p>
+                      <a:pPr algn="ctr" rtl="0" fontAlgn="ctr"/>
+                      <a:r>
+                        <a:rPr lang="en-US" sz="1000" u="none" strike="noStrike">
+                          <a:effectLst/>
                         </a:rPr>
                         <a:t>Larg square force sensors - 4 pk</a:t>
                       </a:r>
-                      <a:endParaRPr lang="en-US" sz="1000">
+                      <a:endParaRPr lang="en-US" sz="1000" b="0" i="0" u="none" strike="noStrike">
+                        <a:solidFill>
+                          <a:srgbClr val="000000"/>
+                        </a:solidFill>
                         <a:effectLst/>
-                        <a:latin typeface="+mn-lt"/>
-                        <a:ea typeface="Calibri" panose="020F0502020204030204" pitchFamily="34" charset="0"/>
-                        <a:cs typeface="Times New Roman" panose="02020603050405020304" pitchFamily="18" charset="0"/>
+                        <a:latin typeface="Trebuchet MS" panose="020B0603020202020204" pitchFamily="34" charset="0"/>
                       </a:endParaRPr>
                     </a:p>
                   </a:txBody>
-                  <a:tcPr marL="20992" marR="20992" marT="13995" marB="13995" anchor="ctr"/>
-                </a:tc>
-                <a:tc>
-                  <a:txBody>
-                    <a:bodyPr/>
-                    <a:lstStyle/>
-                    <a:p>
-                      <a:pPr marL="0" marR="0" algn="ctr">
-                        <a:lnSpc>
-                          <a:spcPct val="107000"/>
-                        </a:lnSpc>
-                        <a:spcBef>
-                          <a:spcPts val="0"/>
-                        </a:spcBef>
-                        <a:spcAft>
-                          <a:spcPts val="0"/>
-                        </a:spcAft>
-                      </a:pPr>
-                      <a:r>
-                        <a:rPr lang="en-US" sz="1000">
-                          <a:effectLst/>
-                          <a:latin typeface="+mn-lt"/>
+                  <a:tcPr marL="4233" marR="4233" marT="4233" marB="0" anchor="ctr"/>
+                </a:tc>
+                <a:tc>
+                  <a:txBody>
+                    <a:bodyPr/>
+                    <a:lstStyle/>
+                    <a:p>
+                      <a:pPr algn="ctr" rtl="0" fontAlgn="ctr"/>
+                      <a:r>
+                        <a:rPr lang="en-US" sz="1000" u="none" strike="noStrike">
+                          <a:effectLst/>
                         </a:rPr>
                         <a:t>1</a:t>
                       </a:r>
-                      <a:endParaRPr lang="en-US" sz="1000">
+                      <a:endParaRPr lang="en-US" sz="1000" b="0" i="0" u="none" strike="noStrike">
+                        <a:solidFill>
+                          <a:srgbClr val="000000"/>
+                        </a:solidFill>
                         <a:effectLst/>
-                        <a:latin typeface="+mn-lt"/>
-                        <a:ea typeface="Calibri" panose="020F0502020204030204" pitchFamily="34" charset="0"/>
-                        <a:cs typeface="Times New Roman" panose="02020603050405020304" pitchFamily="18" charset="0"/>
+                        <a:latin typeface="Trebuchet MS" panose="020B0603020202020204" pitchFamily="34" charset="0"/>
                       </a:endParaRPr>
                     </a:p>
                   </a:txBody>
-                  <a:tcPr marL="20992" marR="20992" marT="13995" marB="13995" anchor="ctr"/>
-                </a:tc>
-                <a:tc>
-                  <a:txBody>
-                    <a:bodyPr/>
-                    <a:lstStyle/>
-                    <a:p>
-                      <a:pPr marL="0" marR="0" algn="ctr">
-                        <a:lnSpc>
-                          <a:spcPct val="107000"/>
-                        </a:lnSpc>
-                        <a:spcBef>
-                          <a:spcPts val="0"/>
-                        </a:spcBef>
-                        <a:spcAft>
-                          <a:spcPts val="0"/>
-                        </a:spcAft>
-                      </a:pPr>
-                      <a:r>
-                        <a:rPr lang="en-US" sz="1000">
-                          <a:effectLst/>
-                          <a:latin typeface="+mn-lt"/>
-                        </a:rPr>
-                        <a:t>$108.25</a:t>
-                      </a:r>
-                      <a:endParaRPr lang="en-US" sz="1000">
+                  <a:tcPr marL="4233" marR="4233" marT="4233" marB="0" anchor="ctr"/>
+                </a:tc>
+                <a:tc>
+                  <a:txBody>
+                    <a:bodyPr/>
+                    <a:lstStyle/>
+                    <a:p>
+                      <a:pPr algn="ctr" rtl="0" fontAlgn="ctr"/>
+                      <a:r>
+                        <a:rPr lang="en-US" sz="1000" u="none" strike="noStrike">
+                          <a:effectLst/>
+                        </a:rPr>
+                        <a:t> $108.25 </a:t>
+                      </a:r>
+                      <a:endParaRPr lang="en-US" sz="1000" b="0" i="0" u="none" strike="noStrike">
+                        <a:solidFill>
+                          <a:srgbClr val="000000"/>
+                        </a:solidFill>
                         <a:effectLst/>
-                        <a:latin typeface="+mn-lt"/>
-                        <a:ea typeface="Calibri" panose="020F0502020204030204" pitchFamily="34" charset="0"/>
-                        <a:cs typeface="Times New Roman" panose="02020603050405020304" pitchFamily="18" charset="0"/>
+                        <a:latin typeface="Trebuchet MS" panose="020B0603020202020204" pitchFamily="34" charset="0"/>
                       </a:endParaRPr>
                     </a:p>
                   </a:txBody>
-                  <a:tcPr marL="20992" marR="20992" marT="13995" marB="13995" anchor="ctr"/>
-                </a:tc>
-                <a:tc>
-                  <a:txBody>
-                    <a:bodyPr/>
-                    <a:lstStyle/>
-                    <a:p>
-                      <a:pPr marL="0" marR="0" algn="ctr">
-                        <a:lnSpc>
-                          <a:spcPct val="107000"/>
-                        </a:lnSpc>
-                        <a:spcBef>
-                          <a:spcPts val="0"/>
-                        </a:spcBef>
-                        <a:spcAft>
-                          <a:spcPts val="0"/>
-                        </a:spcAft>
-                      </a:pPr>
-                      <a:r>
-                        <a:rPr lang="en-US" sz="1000" dirty="0">
-                          <a:effectLst/>
-                          <a:latin typeface="+mn-lt"/>
-                        </a:rPr>
-                        <a:t>$108.25</a:t>
-                      </a:r>
-                      <a:endParaRPr lang="en-US" sz="1000" dirty="0">
+                  <a:tcPr marL="4233" marR="4233" marT="4233" marB="0" anchor="ctr"/>
+                </a:tc>
+                <a:tc>
+                  <a:txBody>
+                    <a:bodyPr/>
+                    <a:lstStyle/>
+                    <a:p>
+                      <a:pPr algn="ctr" rtl="0" fontAlgn="ctr"/>
+                      <a:r>
+                        <a:rPr lang="en-US" sz="1000" u="none" strike="noStrike">
+                          <a:effectLst/>
+                        </a:rPr>
+                        <a:t> $ 108.25 </a:t>
+                      </a:r>
+                      <a:endParaRPr lang="en-US" sz="1000" b="0" i="0" u="none" strike="noStrike">
+                        <a:solidFill>
+                          <a:srgbClr val="000000"/>
+                        </a:solidFill>
                         <a:effectLst/>
-                        <a:latin typeface="+mn-lt"/>
-                        <a:ea typeface="Calibri" panose="020F0502020204030204" pitchFamily="34" charset="0"/>
-                        <a:cs typeface="Times New Roman" panose="02020603050405020304" pitchFamily="18" charset="0"/>
+                        <a:latin typeface="Trebuchet MS" panose="020B0603020202020204" pitchFamily="34" charset="0"/>
                       </a:endParaRPr>
                     </a:p>
                   </a:txBody>
-                  <a:tcPr marL="20992" marR="20992" marT="13995" marB="13995" anchor="ctr"/>
+                  <a:tcPr marL="4233" marR="4233" marT="4233" marB="0" anchor="ctr"/>
                 </a:tc>
                 <a:tc vMerge="1">
                   <a:txBody>
                     <a:bodyPr/>
                     <a:lstStyle/>
                     <a:p>
-                      <a:pPr marL="0" marR="0" algn="ctr">
-                        <a:lnSpc>
-                          <a:spcPct val="107000"/>
-                        </a:lnSpc>
-                        <a:spcBef>
-                          <a:spcPts val="0"/>
-                        </a:spcBef>
-                        <a:spcAft>
-                          <a:spcPts val="0"/>
-                        </a:spcAft>
-                      </a:pPr>
-                      <a:endParaRPr lang="en-US" sz="800" dirty="0">
-                        <a:effectLst/>
-                        <a:latin typeface="+mn-lt"/>
-                        <a:ea typeface="Calibri" panose="020F0502020204030204" pitchFamily="34" charset="0"/>
-                        <a:cs typeface="Times New Roman" panose="02020603050405020304" pitchFamily="18" charset="0"/>
-                      </a:endParaRPr>
-                    </a:p>
-                  </a:txBody>
-                  <a:tcPr marL="20992" marR="20992" marT="13995" marB="13995" anchor="ctr"/>
+                      <a:endParaRPr lang="en-US"/>
+                    </a:p>
+                  </a:txBody>
+                  <a:tcPr/>
                 </a:tc>
                 <a:extLst>
                   <a:ext uri="{0D108BD9-81ED-4DB2-BD59-A6C34878D82A}">
-                    <a16:rowId xmlns:a16="http://schemas.microsoft.com/office/drawing/2014/main" val="257085642"/>
+                    <a16:rowId xmlns:a16="http://schemas.microsoft.com/office/drawing/2014/main" val="3266013655"/>
                   </a:ext>
                 </a:extLst>
               </a:tr>
-              <a:tr h="341755">
-                <a:tc>
-                  <a:txBody>
-                    <a:bodyPr/>
-                    <a:lstStyle/>
-                    <a:p>
-                      <a:pPr marL="0" marR="0" algn="ctr">
-                        <a:lnSpc>
-                          <a:spcPct val="107000"/>
-                        </a:lnSpc>
-                        <a:spcBef>
-                          <a:spcPts val="0"/>
-                        </a:spcBef>
-                        <a:spcAft>
-                          <a:spcPts val="0"/>
-                        </a:spcAft>
-                      </a:pPr>
-                      <a:r>
-                        <a:rPr lang="en-US" sz="1000">
-                          <a:effectLst/>
-                          <a:latin typeface="+mn-lt"/>
+              <a:tr h="371232">
+                <a:tc>
+                  <a:txBody>
+                    <a:bodyPr/>
+                    <a:lstStyle/>
+                    <a:p>
+                      <a:pPr algn="ctr" rtl="0" fontAlgn="ctr"/>
+                      <a:r>
+                        <a:rPr lang="en-US" sz="1000" u="none" strike="noStrike" dirty="0">
+                          <a:effectLst/>
                         </a:rPr>
                         <a:t>556-ATMEGA2560-16AU</a:t>
                       </a:r>
-                      <a:endParaRPr lang="en-US" sz="1000">
+                      <a:endParaRPr lang="en-US" sz="1000" b="1" i="0" u="none" strike="noStrike" dirty="0">
+                        <a:solidFill>
+                          <a:srgbClr val="FFFFFF"/>
+                        </a:solidFill>
                         <a:effectLst/>
-                        <a:latin typeface="+mn-lt"/>
-                        <a:ea typeface="Calibri" panose="020F0502020204030204" pitchFamily="34" charset="0"/>
-                        <a:cs typeface="Times New Roman" panose="02020603050405020304" pitchFamily="18" charset="0"/>
+                        <a:latin typeface="Trebuchet MS" panose="020B0603020202020204" pitchFamily="34" charset="0"/>
                       </a:endParaRPr>
                     </a:p>
                   </a:txBody>
-                  <a:tcPr marL="20992" marR="20992" marT="13995" marB="13995" anchor="ctr"/>
-                </a:tc>
-                <a:tc>
-                  <a:txBody>
-                    <a:bodyPr/>
-                    <a:lstStyle/>
-                    <a:p>
-                      <a:pPr marL="0" marR="0" algn="ctr">
-                        <a:lnSpc>
-                          <a:spcPct val="107000"/>
-                        </a:lnSpc>
-                        <a:spcBef>
-                          <a:spcPts val="0"/>
-                        </a:spcBef>
-                        <a:spcAft>
-                          <a:spcPts val="0"/>
-                        </a:spcAft>
-                      </a:pPr>
-                      <a:r>
-                        <a:rPr lang="en-US" sz="1000">
-                          <a:effectLst/>
-                          <a:latin typeface="+mn-lt"/>
+                  <a:tcPr marL="4233" marR="4233" marT="4233" marB="0" anchor="ctr"/>
+                </a:tc>
+                <a:tc>
+                  <a:txBody>
+                    <a:bodyPr/>
+                    <a:lstStyle/>
+                    <a:p>
+                      <a:pPr algn="ctr" rtl="0" fontAlgn="ctr"/>
+                      <a:r>
+                        <a:rPr lang="en-US" sz="1000" u="none" strike="noStrike">
+                          <a:effectLst/>
                         </a:rPr>
                         <a:t>Microcontroller</a:t>
                       </a:r>
-                      <a:endParaRPr lang="en-US" sz="1000">
+                      <a:endParaRPr lang="en-US" sz="1000" b="0" i="0" u="none" strike="noStrike">
+                        <a:solidFill>
+                          <a:srgbClr val="000000"/>
+                        </a:solidFill>
                         <a:effectLst/>
-                        <a:latin typeface="+mn-lt"/>
-                        <a:ea typeface="Calibri" panose="020F0502020204030204" pitchFamily="34" charset="0"/>
-                        <a:cs typeface="Times New Roman" panose="02020603050405020304" pitchFamily="18" charset="0"/>
+                        <a:latin typeface="Trebuchet MS" panose="020B0603020202020204" pitchFamily="34" charset="0"/>
                       </a:endParaRPr>
                     </a:p>
                   </a:txBody>
-                  <a:tcPr marL="20992" marR="20992" marT="13995" marB="13995" anchor="ctr"/>
-                </a:tc>
-                <a:tc>
-                  <a:txBody>
-                    <a:bodyPr/>
-                    <a:lstStyle/>
-                    <a:p>
-                      <a:pPr marL="0" marR="0" algn="ctr">
-                        <a:lnSpc>
-                          <a:spcPct val="107000"/>
-                        </a:lnSpc>
-                        <a:spcBef>
-                          <a:spcPts val="0"/>
-                        </a:spcBef>
-                        <a:spcAft>
-                          <a:spcPts val="0"/>
-                        </a:spcAft>
-                      </a:pPr>
-                      <a:r>
-                        <a:rPr lang="en-US" sz="1000" dirty="0">
-                          <a:effectLst/>
-                          <a:latin typeface="+mn-lt"/>
+                  <a:tcPr marL="4233" marR="4233" marT="4233" marB="0" anchor="ctr"/>
+                </a:tc>
+                <a:tc>
+                  <a:txBody>
+                    <a:bodyPr/>
+                    <a:lstStyle/>
+                    <a:p>
+                      <a:pPr algn="ctr" rtl="0" fontAlgn="ctr"/>
+                      <a:r>
+                        <a:rPr lang="en-US" sz="1000" u="none" strike="noStrike">
+                          <a:effectLst/>
                         </a:rPr>
                         <a:t>3</a:t>
                       </a:r>
-                      <a:endParaRPr lang="en-US" sz="1000" dirty="0">
+                      <a:endParaRPr lang="en-US" sz="1000" b="0" i="0" u="none" strike="noStrike">
+                        <a:solidFill>
+                          <a:srgbClr val="000000"/>
+                        </a:solidFill>
                         <a:effectLst/>
-                        <a:latin typeface="+mn-lt"/>
-                        <a:ea typeface="Calibri" panose="020F0502020204030204" pitchFamily="34" charset="0"/>
-                        <a:cs typeface="Times New Roman" panose="02020603050405020304" pitchFamily="18" charset="0"/>
+                        <a:latin typeface="Trebuchet MS" panose="020B0603020202020204" pitchFamily="34" charset="0"/>
                       </a:endParaRPr>
                     </a:p>
                   </a:txBody>
-                  <a:tcPr marL="20992" marR="20992" marT="13995" marB="13995" anchor="ctr"/>
-                </a:tc>
-                <a:tc>
-                  <a:txBody>
-                    <a:bodyPr/>
-                    <a:lstStyle/>
-                    <a:p>
-                      <a:pPr marL="0" marR="0" algn="ctr">
-                        <a:lnSpc>
-                          <a:spcPct val="107000"/>
-                        </a:lnSpc>
-                        <a:spcBef>
-                          <a:spcPts val="0"/>
-                        </a:spcBef>
-                        <a:spcAft>
-                          <a:spcPts val="0"/>
-                        </a:spcAft>
-                      </a:pPr>
-                      <a:r>
-                        <a:rPr lang="en-US" sz="1000">
-                          <a:effectLst/>
-                          <a:latin typeface="+mn-lt"/>
-                        </a:rPr>
-                        <a:t>$12.20</a:t>
-                      </a:r>
-                      <a:endParaRPr lang="en-US" sz="1000">
+                  <a:tcPr marL="4233" marR="4233" marT="4233" marB="0" anchor="ctr"/>
+                </a:tc>
+                <a:tc>
+                  <a:txBody>
+                    <a:bodyPr/>
+                    <a:lstStyle/>
+                    <a:p>
+                      <a:pPr algn="ctr" rtl="0" fontAlgn="ctr"/>
+                      <a:r>
+                        <a:rPr lang="en-US" sz="1000" u="none" strike="noStrike">
+                          <a:effectLst/>
+                        </a:rPr>
+                        <a:t> $  12.20 </a:t>
+                      </a:r>
+                      <a:endParaRPr lang="en-US" sz="1000" b="0" i="0" u="none" strike="noStrike">
+                        <a:solidFill>
+                          <a:srgbClr val="000000"/>
+                        </a:solidFill>
                         <a:effectLst/>
-                        <a:latin typeface="+mn-lt"/>
-                        <a:ea typeface="Calibri" panose="020F0502020204030204" pitchFamily="34" charset="0"/>
-                        <a:cs typeface="Times New Roman" panose="02020603050405020304" pitchFamily="18" charset="0"/>
+                        <a:latin typeface="Trebuchet MS" panose="020B0603020202020204" pitchFamily="34" charset="0"/>
                       </a:endParaRPr>
                     </a:p>
                   </a:txBody>
-                  <a:tcPr marL="20992" marR="20992" marT="13995" marB="13995" anchor="ctr"/>
-                </a:tc>
-                <a:tc>
-                  <a:txBody>
-                    <a:bodyPr/>
-                    <a:lstStyle/>
-                    <a:p>
-                      <a:pPr marL="0" marR="0" algn="ctr">
-                        <a:lnSpc>
-                          <a:spcPct val="107000"/>
-                        </a:lnSpc>
-                        <a:spcBef>
-                          <a:spcPts val="0"/>
-                        </a:spcBef>
-                        <a:spcAft>
-                          <a:spcPts val="0"/>
-                        </a:spcAft>
-                      </a:pPr>
-                      <a:r>
-                        <a:rPr lang="en-US" sz="1000" dirty="0">
-                          <a:effectLst/>
-                          <a:latin typeface="+mn-lt"/>
-                        </a:rPr>
-                        <a:t>$36.60</a:t>
-                      </a:r>
-                      <a:endParaRPr lang="en-US" sz="1000" dirty="0">
+                  <a:tcPr marL="4233" marR="4233" marT="4233" marB="0" anchor="ctr"/>
+                </a:tc>
+                <a:tc>
+                  <a:txBody>
+                    <a:bodyPr/>
+                    <a:lstStyle/>
+                    <a:p>
+                      <a:pPr algn="ctr" rtl="0" fontAlgn="ctr"/>
+                      <a:r>
+                        <a:rPr lang="en-US" sz="1000" u="none" strike="noStrike">
+                          <a:effectLst/>
+                        </a:rPr>
+                        <a:t> $   36.60 </a:t>
+                      </a:r>
+                      <a:endParaRPr lang="en-US" sz="1000" b="0" i="0" u="none" strike="noStrike">
+                        <a:solidFill>
+                          <a:srgbClr val="000000"/>
+                        </a:solidFill>
                         <a:effectLst/>
-                        <a:latin typeface="+mn-lt"/>
-                        <a:ea typeface="Calibri" panose="020F0502020204030204" pitchFamily="34" charset="0"/>
-                        <a:cs typeface="Times New Roman" panose="02020603050405020304" pitchFamily="18" charset="0"/>
+                        <a:latin typeface="Trebuchet MS" panose="020B0603020202020204" pitchFamily="34" charset="0"/>
                       </a:endParaRPr>
                     </a:p>
                   </a:txBody>
-                  <a:tcPr marL="20992" marR="20992" marT="13995" marB="13995" anchor="ctr"/>
-                </a:tc>
-                <a:tc>
-                  <a:txBody>
-                    <a:bodyPr/>
-                    <a:lstStyle/>
-                    <a:p>
-                      <a:pPr marL="0" marR="0" algn="ctr">
-                        <a:lnSpc>
-                          <a:spcPct val="107000"/>
-                        </a:lnSpc>
-                        <a:spcBef>
-                          <a:spcPts val="0"/>
-                        </a:spcBef>
-                        <a:spcAft>
-                          <a:spcPts val="0"/>
-                        </a:spcAft>
-                      </a:pPr>
-                      <a:r>
-                        <a:rPr lang="en-US" sz="1000" dirty="0">
-                          <a:effectLst/>
-                          <a:latin typeface="+mn-lt"/>
-                          <a:ea typeface="Calibri" panose="020F0502020204030204" pitchFamily="34" charset="0"/>
-                          <a:cs typeface="Times New Roman" panose="02020603050405020304" pitchFamily="18" charset="0"/>
-                        </a:rPr>
-                        <a:t>$40.00</a:t>
-                      </a:r>
-                    </a:p>
-                  </a:txBody>
-                  <a:tcPr marL="20992" marR="20992" marT="13995" marB="13995" anchor="ctr"/>
+                  <a:tcPr marL="4233" marR="4233" marT="4233" marB="0" anchor="ctr"/>
+                </a:tc>
+                <a:tc>
+                  <a:txBody>
+                    <a:bodyPr/>
+                    <a:lstStyle/>
+                    <a:p>
+                      <a:pPr algn="ctr" rtl="0" fontAlgn="ctr"/>
+                      <a:r>
+                        <a:rPr lang="en-US" sz="1000" u="none" strike="noStrike">
+                          <a:effectLst/>
+                        </a:rPr>
+                        <a:t> $  40.00 </a:t>
+                      </a:r>
+                      <a:endParaRPr lang="en-US" sz="1000" b="0" i="0" u="none" strike="noStrike">
+                        <a:solidFill>
+                          <a:srgbClr val="000000"/>
+                        </a:solidFill>
+                        <a:effectLst/>
+                        <a:latin typeface="Trebuchet MS" panose="020B0603020202020204" pitchFamily="34" charset="0"/>
+                      </a:endParaRPr>
+                    </a:p>
+                  </a:txBody>
+                  <a:tcPr marL="4233" marR="4233" marT="4233" marB="0" anchor="ctr"/>
                 </a:tc>
                 <a:extLst>
                   <a:ext uri="{0D108BD9-81ED-4DB2-BD59-A6C34878D82A}">
-                    <a16:rowId xmlns:a16="http://schemas.microsoft.com/office/drawing/2014/main" val="2020588854"/>
+                    <a16:rowId xmlns:a16="http://schemas.microsoft.com/office/drawing/2014/main" val="315492347"/>
                   </a:ext>
                 </a:extLst>
               </a:tr>
-              <a:tr h="341755">
-                <a:tc>
-                  <a:txBody>
-                    <a:bodyPr/>
-                    <a:lstStyle/>
-                    <a:p>
-                      <a:pPr marL="0" marR="0" algn="ctr">
-                        <a:lnSpc>
-                          <a:spcPct val="107000"/>
-                        </a:lnSpc>
-                        <a:spcBef>
-                          <a:spcPts val="0"/>
-                        </a:spcBef>
-                        <a:spcAft>
-                          <a:spcPts val="0"/>
-                        </a:spcAft>
-                      </a:pPr>
-                      <a:r>
-                        <a:rPr lang="en-US" sz="1000" dirty="0">
-                          <a:effectLst/>
-                          <a:latin typeface="+mn-lt"/>
+              <a:tr h="193200">
+                <a:tc>
+                  <a:txBody>
+                    <a:bodyPr/>
+                    <a:lstStyle/>
+                    <a:p>
+                      <a:pPr algn="ctr" rtl="0" fontAlgn="ctr"/>
+                      <a:r>
+                        <a:rPr lang="en-US" sz="1000" u="none" strike="noStrike" dirty="0">
+                          <a:effectLst/>
                         </a:rPr>
                         <a:t>Chair</a:t>
                       </a:r>
-                      <a:endParaRPr lang="en-US" sz="1000" dirty="0">
+                      <a:endParaRPr lang="en-US" sz="1000" b="1" i="0" u="none" strike="noStrike" dirty="0">
+                        <a:solidFill>
+                          <a:srgbClr val="FFFFFF"/>
+                        </a:solidFill>
                         <a:effectLst/>
-                        <a:latin typeface="+mn-lt"/>
-                        <a:ea typeface="Calibri" panose="020F0502020204030204" pitchFamily="34" charset="0"/>
-                        <a:cs typeface="Times New Roman" panose="02020603050405020304" pitchFamily="18" charset="0"/>
+                        <a:latin typeface="Trebuchet MS" panose="020B0603020202020204" pitchFamily="34" charset="0"/>
                       </a:endParaRPr>
                     </a:p>
                   </a:txBody>
-                  <a:tcPr marL="20992" marR="20992" marT="13995" marB="13995" anchor="ctr"/>
-                </a:tc>
-                <a:tc>
-                  <a:txBody>
-                    <a:bodyPr/>
-                    <a:lstStyle/>
-                    <a:p>
-                      <a:pPr marL="0" marR="0" algn="ctr">
-                        <a:lnSpc>
-                          <a:spcPct val="107000"/>
-                        </a:lnSpc>
-                        <a:spcBef>
-                          <a:spcPts val="0"/>
-                        </a:spcBef>
-                        <a:spcAft>
-                          <a:spcPts val="0"/>
-                        </a:spcAft>
-                      </a:pPr>
-                      <a:r>
-                        <a:rPr lang="en-US" sz="1000" dirty="0">
-                          <a:effectLst/>
-                          <a:latin typeface="+mn-lt"/>
+                  <a:tcPr marL="4233" marR="4233" marT="4233" marB="0" anchor="ctr"/>
+                </a:tc>
+                <a:tc>
+                  <a:txBody>
+                    <a:bodyPr/>
+                    <a:lstStyle/>
+                    <a:p>
+                      <a:pPr algn="ctr" rtl="0" fontAlgn="ctr"/>
+                      <a:r>
+                        <a:rPr lang="en-US" sz="1000" u="none" strike="noStrike">
+                          <a:effectLst/>
                         </a:rPr>
                         <a:t>Office chair, cloth, rolling</a:t>
                       </a:r>
-                      <a:endParaRPr lang="en-US" sz="1000" dirty="0">
+                      <a:endParaRPr lang="en-US" sz="1000" b="0" i="0" u="none" strike="noStrike">
+                        <a:solidFill>
+                          <a:srgbClr val="000000"/>
+                        </a:solidFill>
                         <a:effectLst/>
-                        <a:latin typeface="+mn-lt"/>
-                        <a:ea typeface="Calibri" panose="020F0502020204030204" pitchFamily="34" charset="0"/>
-                        <a:cs typeface="Times New Roman" panose="02020603050405020304" pitchFamily="18" charset="0"/>
+                        <a:latin typeface="Trebuchet MS" panose="020B0603020202020204" pitchFamily="34" charset="0"/>
                       </a:endParaRPr>
                     </a:p>
                   </a:txBody>
-                  <a:tcPr marL="20992" marR="20992" marT="13995" marB="13995" anchor="ctr"/>
-                </a:tc>
-                <a:tc>
-                  <a:txBody>
-                    <a:bodyPr/>
-                    <a:lstStyle/>
-                    <a:p>
-                      <a:pPr marL="0" marR="0" algn="ctr">
-                        <a:lnSpc>
-                          <a:spcPct val="107000"/>
-                        </a:lnSpc>
-                        <a:spcBef>
-                          <a:spcPts val="0"/>
-                        </a:spcBef>
-                        <a:spcAft>
-                          <a:spcPts val="0"/>
-                        </a:spcAft>
-                      </a:pPr>
-                      <a:r>
-                        <a:rPr lang="en-US" sz="1000">
-                          <a:effectLst/>
-                          <a:latin typeface="+mn-lt"/>
+                  <a:tcPr marL="4233" marR="4233" marT="4233" marB="0" anchor="ctr"/>
+                </a:tc>
+                <a:tc>
+                  <a:txBody>
+                    <a:bodyPr/>
+                    <a:lstStyle/>
+                    <a:p>
+                      <a:pPr algn="ctr" rtl="0" fontAlgn="ctr"/>
+                      <a:r>
+                        <a:rPr lang="en-US" sz="1000" u="none" strike="noStrike">
+                          <a:effectLst/>
                         </a:rPr>
                         <a:t>2</a:t>
                       </a:r>
-                      <a:endParaRPr lang="en-US" sz="1000">
+                      <a:endParaRPr lang="en-US" sz="1000" b="0" i="0" u="none" strike="noStrike">
+                        <a:solidFill>
+                          <a:srgbClr val="000000"/>
+                        </a:solidFill>
                         <a:effectLst/>
-                        <a:latin typeface="+mn-lt"/>
-                        <a:ea typeface="Calibri" panose="020F0502020204030204" pitchFamily="34" charset="0"/>
-                        <a:cs typeface="Times New Roman" panose="02020603050405020304" pitchFamily="18" charset="0"/>
+                        <a:latin typeface="Trebuchet MS" panose="020B0603020202020204" pitchFamily="34" charset="0"/>
                       </a:endParaRPr>
                     </a:p>
                   </a:txBody>
-                  <a:tcPr marL="20992" marR="20992" marT="13995" marB="13995" anchor="ctr"/>
-                </a:tc>
-                <a:tc>
-                  <a:txBody>
-                    <a:bodyPr/>
-                    <a:lstStyle/>
-                    <a:p>
-                      <a:pPr marL="0" marR="0" algn="ctr">
-                        <a:lnSpc>
-                          <a:spcPct val="107000"/>
-                        </a:lnSpc>
-                        <a:spcBef>
-                          <a:spcPts val="0"/>
-                        </a:spcBef>
-                        <a:spcAft>
-                          <a:spcPts val="0"/>
-                        </a:spcAft>
-                      </a:pPr>
-                      <a:r>
-                        <a:rPr lang="en-US" sz="1000" dirty="0">
-                          <a:effectLst/>
-                          <a:latin typeface="+mn-lt"/>
-                        </a:rPr>
-                        <a:t>0</a:t>
-                      </a:r>
-                      <a:endParaRPr lang="en-US" sz="1000" dirty="0">
+                  <a:tcPr marL="4233" marR="4233" marT="4233" marB="0" anchor="ctr"/>
+                </a:tc>
+                <a:tc>
+                  <a:txBody>
+                    <a:bodyPr/>
+                    <a:lstStyle/>
+                    <a:p>
+                      <a:pPr algn="ctr" rtl="0" fontAlgn="ctr"/>
+                      <a:r>
+                        <a:rPr lang="en-US" sz="1000" u="none" strike="noStrike">
+                          <a:effectLst/>
+                        </a:rPr>
+                        <a:t> - </a:t>
+                      </a:r>
+                      <a:endParaRPr lang="en-US" sz="1000" b="0" i="0" u="none" strike="noStrike">
+                        <a:solidFill>
+                          <a:srgbClr val="000000"/>
+                        </a:solidFill>
                         <a:effectLst/>
-                        <a:latin typeface="+mn-lt"/>
-                        <a:ea typeface="Calibri" panose="020F0502020204030204" pitchFamily="34" charset="0"/>
-                        <a:cs typeface="Times New Roman" panose="02020603050405020304" pitchFamily="18" charset="0"/>
+                        <a:latin typeface="Trebuchet MS" panose="020B0603020202020204" pitchFamily="34" charset="0"/>
                       </a:endParaRPr>
                     </a:p>
                   </a:txBody>
-                  <a:tcPr marL="20992" marR="20992" marT="13995" marB="13995" anchor="ctr"/>
-                </a:tc>
-                <a:tc>
-                  <a:txBody>
-                    <a:bodyPr/>
-                    <a:lstStyle/>
-                    <a:p>
-                      <a:pPr marL="0" marR="0" algn="ctr">
-                        <a:lnSpc>
-                          <a:spcPct val="107000"/>
-                        </a:lnSpc>
-                        <a:spcBef>
-                          <a:spcPts val="0"/>
-                        </a:spcBef>
-                        <a:spcAft>
-                          <a:spcPts val="0"/>
-                        </a:spcAft>
-                      </a:pPr>
-                      <a:r>
-                        <a:rPr lang="en-US" sz="1000" dirty="0">
-                          <a:effectLst/>
-                          <a:latin typeface="+mn-lt"/>
-                        </a:rPr>
-                        <a:t>0</a:t>
-                      </a:r>
-                      <a:endParaRPr lang="en-US" sz="1000" dirty="0">
+                  <a:tcPr marL="4233" marR="4233" marT="4233" marB="0" anchor="ctr"/>
+                </a:tc>
+                <a:tc>
+                  <a:txBody>
+                    <a:bodyPr/>
+                    <a:lstStyle/>
+                    <a:p>
+                      <a:pPr algn="ctr" rtl="0" fontAlgn="ctr"/>
+                      <a:r>
+                        <a:rPr lang="en-US" sz="1000" u="none" strike="noStrike">
+                          <a:effectLst/>
+                        </a:rPr>
+                        <a:t> - </a:t>
+                      </a:r>
+                      <a:endParaRPr lang="en-US" sz="1000" b="0" i="0" u="none" strike="noStrike">
+                        <a:solidFill>
+                          <a:srgbClr val="000000"/>
+                        </a:solidFill>
                         <a:effectLst/>
-                        <a:latin typeface="+mn-lt"/>
-                        <a:ea typeface="Calibri" panose="020F0502020204030204" pitchFamily="34" charset="0"/>
-                        <a:cs typeface="Times New Roman" panose="02020603050405020304" pitchFamily="18" charset="0"/>
+                        <a:latin typeface="Trebuchet MS" panose="020B0603020202020204" pitchFamily="34" charset="0"/>
                       </a:endParaRPr>
                     </a:p>
                   </a:txBody>
-                  <a:tcPr marL="20992" marR="20992" marT="13995" marB="13995" anchor="ctr"/>
-                </a:tc>
-                <a:tc>
-                  <a:txBody>
-                    <a:bodyPr/>
-                    <a:lstStyle/>
-                    <a:p>
-                      <a:pPr marL="0" marR="0" algn="ctr">
-                        <a:lnSpc>
-                          <a:spcPct val="107000"/>
-                        </a:lnSpc>
-                        <a:spcBef>
-                          <a:spcPts val="0"/>
-                        </a:spcBef>
-                        <a:spcAft>
-                          <a:spcPts val="0"/>
-                        </a:spcAft>
-                      </a:pPr>
-                      <a:r>
-                        <a:rPr lang="en-US" sz="1000" dirty="0">
-                          <a:effectLst/>
-                          <a:latin typeface="+mn-lt"/>
-                          <a:ea typeface="Calibri" panose="020F0502020204030204" pitchFamily="34" charset="0"/>
-                          <a:cs typeface="Times New Roman" panose="02020603050405020304" pitchFamily="18" charset="0"/>
-                        </a:rPr>
-                        <a:t>$75.00</a:t>
-                      </a:r>
-                    </a:p>
-                  </a:txBody>
-                  <a:tcPr marL="20992" marR="20992" marT="13995" marB="13995" anchor="ctr"/>
+                  <a:tcPr marL="4233" marR="4233" marT="4233" marB="0" anchor="ctr"/>
+                </a:tc>
+                <a:tc>
+                  <a:txBody>
+                    <a:bodyPr/>
+                    <a:lstStyle/>
+                    <a:p>
+                      <a:pPr algn="ctr" rtl="0" fontAlgn="ctr"/>
+                      <a:r>
+                        <a:rPr lang="en-US" sz="1000" u="none" strike="noStrike">
+                          <a:effectLst/>
+                        </a:rPr>
+                        <a:t> $  75.00 </a:t>
+                      </a:r>
+                      <a:endParaRPr lang="en-US" sz="1000" b="0" i="0" u="none" strike="noStrike">
+                        <a:solidFill>
+                          <a:srgbClr val="000000"/>
+                        </a:solidFill>
+                        <a:effectLst/>
+                        <a:latin typeface="Trebuchet MS" panose="020B0603020202020204" pitchFamily="34" charset="0"/>
+                      </a:endParaRPr>
+                    </a:p>
+                  </a:txBody>
+                  <a:tcPr marL="4233" marR="4233" marT="4233" marB="0" anchor="ctr"/>
                 </a:tc>
                 <a:extLst>
                   <a:ext uri="{0D108BD9-81ED-4DB2-BD59-A6C34878D82A}">
-                    <a16:rowId xmlns:a16="http://schemas.microsoft.com/office/drawing/2014/main" val="3024185728"/>
+                    <a16:rowId xmlns:a16="http://schemas.microsoft.com/office/drawing/2014/main" val="3913197984"/>
                   </a:ext>
                 </a:extLst>
               </a:tr>
-              <a:tr h="338256">
-                <a:tc>
-                  <a:txBody>
-                    <a:bodyPr/>
-                    <a:lstStyle/>
-                    <a:p>
-                      <a:pPr marL="0" marR="0" algn="ctr">
-                        <a:lnSpc>
-                          <a:spcPct val="107000"/>
-                        </a:lnSpc>
-                        <a:spcBef>
-                          <a:spcPts val="0"/>
-                        </a:spcBef>
-                        <a:spcAft>
-                          <a:spcPts val="0"/>
-                        </a:spcAft>
-                      </a:pPr>
-                      <a:r>
-                        <a:rPr lang="en-US" sz="1000">
-                          <a:effectLst/>
-                          <a:latin typeface="+mn-lt"/>
-                        </a:rPr>
-                        <a:t>Eleego Mega 2560 R3</a:t>
-                      </a:r>
-                      <a:endParaRPr lang="en-US" sz="1000">
+              <a:tr h="371232">
+                <a:tc>
+                  <a:txBody>
+                    <a:bodyPr/>
+                    <a:lstStyle/>
+                    <a:p>
+                      <a:pPr algn="ctr" rtl="0" fontAlgn="ctr"/>
+                      <a:r>
+                        <a:rPr lang="en-US" sz="1000" u="none" strike="noStrike" dirty="0" err="1">
+                          <a:effectLst/>
+                        </a:rPr>
+                        <a:t>Eleego</a:t>
+                      </a:r>
+                      <a:r>
+                        <a:rPr lang="en-US" sz="1000" u="none" strike="noStrike" dirty="0">
+                          <a:effectLst/>
+                        </a:rPr>
+                        <a:t> Mega 2560 R3</a:t>
+                      </a:r>
+                      <a:endParaRPr lang="en-US" sz="1000" b="1" i="0" u="none" strike="noStrike" dirty="0">
+                        <a:solidFill>
+                          <a:srgbClr val="FFFFFF"/>
+                        </a:solidFill>
                         <a:effectLst/>
-                        <a:latin typeface="+mn-lt"/>
-                        <a:ea typeface="Calibri" panose="020F0502020204030204" pitchFamily="34" charset="0"/>
-                        <a:cs typeface="Times New Roman" panose="02020603050405020304" pitchFamily="18" charset="0"/>
+                        <a:latin typeface="Trebuchet MS" panose="020B0603020202020204" pitchFamily="34" charset="0"/>
                       </a:endParaRPr>
                     </a:p>
                   </a:txBody>
-                  <a:tcPr marL="20992" marR="20992" marT="13995" marB="13995" anchor="ctr"/>
-                </a:tc>
-                <a:tc>
-                  <a:txBody>
-                    <a:bodyPr/>
-                    <a:lstStyle/>
-                    <a:p>
-                      <a:pPr marL="0" marR="0" algn="ctr">
-                        <a:lnSpc>
-                          <a:spcPct val="107000"/>
-                        </a:lnSpc>
-                        <a:spcBef>
-                          <a:spcPts val="0"/>
-                        </a:spcBef>
-                        <a:spcAft>
-                          <a:spcPts val="0"/>
-                        </a:spcAft>
-                      </a:pPr>
-                      <a:r>
-                        <a:rPr lang="en-US" sz="1000">
-                          <a:effectLst/>
-                          <a:latin typeface="+mn-lt"/>
+                  <a:tcPr marL="4233" marR="4233" marT="4233" marB="0" anchor="ctr"/>
+                </a:tc>
+                <a:tc>
+                  <a:txBody>
+                    <a:bodyPr/>
+                    <a:lstStyle/>
+                    <a:p>
+                      <a:pPr algn="ctr" rtl="0" fontAlgn="ctr"/>
+                      <a:r>
+                        <a:rPr lang="en-US" sz="1000" u="none" strike="noStrike">
+                          <a:effectLst/>
                         </a:rPr>
                         <a:t>ATmega Dev board</a:t>
                       </a:r>
-                      <a:endParaRPr lang="en-US" sz="1000">
+                      <a:endParaRPr lang="en-US" sz="1000" b="0" i="0" u="none" strike="noStrike">
+                        <a:solidFill>
+                          <a:srgbClr val="000000"/>
+                        </a:solidFill>
                         <a:effectLst/>
-                        <a:latin typeface="+mn-lt"/>
-                        <a:ea typeface="Calibri" panose="020F0502020204030204" pitchFamily="34" charset="0"/>
-                        <a:cs typeface="Times New Roman" panose="02020603050405020304" pitchFamily="18" charset="0"/>
+                        <a:latin typeface="Trebuchet MS" panose="020B0603020202020204" pitchFamily="34" charset="0"/>
                       </a:endParaRPr>
                     </a:p>
                   </a:txBody>
-                  <a:tcPr marL="20992" marR="20992" marT="13995" marB="13995" anchor="ctr"/>
-                </a:tc>
-                <a:tc>
-                  <a:txBody>
-                    <a:bodyPr/>
-                    <a:lstStyle/>
-                    <a:p>
-                      <a:pPr marL="0" marR="0" algn="ctr">
-                        <a:lnSpc>
-                          <a:spcPct val="107000"/>
-                        </a:lnSpc>
-                        <a:spcBef>
-                          <a:spcPts val="0"/>
-                        </a:spcBef>
-                        <a:spcAft>
-                          <a:spcPts val="0"/>
-                        </a:spcAft>
-                      </a:pPr>
-                      <a:r>
-                        <a:rPr lang="en-US" sz="1000">
-                          <a:effectLst/>
-                          <a:latin typeface="+mn-lt"/>
+                  <a:tcPr marL="4233" marR="4233" marT="4233" marB="0" anchor="ctr"/>
+                </a:tc>
+                <a:tc>
+                  <a:txBody>
+                    <a:bodyPr/>
+                    <a:lstStyle/>
+                    <a:p>
+                      <a:pPr algn="ctr" rtl="0" fontAlgn="ctr"/>
+                      <a:r>
+                        <a:rPr lang="en-US" sz="1000" u="none" strike="noStrike">
+                          <a:effectLst/>
                         </a:rPr>
                         <a:t>1</a:t>
                       </a:r>
-                      <a:endParaRPr lang="en-US" sz="1000">
+                      <a:endParaRPr lang="en-US" sz="1000" b="0" i="0" u="none" strike="noStrike">
+                        <a:solidFill>
+                          <a:srgbClr val="000000"/>
+                        </a:solidFill>
                         <a:effectLst/>
-                        <a:latin typeface="+mn-lt"/>
-                        <a:ea typeface="Calibri" panose="020F0502020204030204" pitchFamily="34" charset="0"/>
-                        <a:cs typeface="Times New Roman" panose="02020603050405020304" pitchFamily="18" charset="0"/>
+                        <a:latin typeface="Trebuchet MS" panose="020B0603020202020204" pitchFamily="34" charset="0"/>
                       </a:endParaRPr>
                     </a:p>
                   </a:txBody>
-                  <a:tcPr marL="20992" marR="20992" marT="13995" marB="13995" anchor="ctr"/>
-                </a:tc>
-                <a:tc>
-                  <a:txBody>
-                    <a:bodyPr/>
-                    <a:lstStyle/>
-                    <a:p>
-                      <a:pPr marL="0" marR="0" algn="ctr">
-                        <a:lnSpc>
-                          <a:spcPct val="107000"/>
-                        </a:lnSpc>
-                        <a:spcBef>
-                          <a:spcPts val="0"/>
-                        </a:spcBef>
-                        <a:spcAft>
-                          <a:spcPts val="0"/>
-                        </a:spcAft>
-                      </a:pPr>
-                      <a:r>
-                        <a:rPr lang="en-US" sz="1000">
-                          <a:effectLst/>
-                          <a:latin typeface="+mn-lt"/>
-                        </a:rPr>
-                        <a:t>$13.99</a:t>
-                      </a:r>
-                      <a:endParaRPr lang="en-US" sz="1000">
+                  <a:tcPr marL="4233" marR="4233" marT="4233" marB="0" anchor="ctr"/>
+                </a:tc>
+                <a:tc>
+                  <a:txBody>
+                    <a:bodyPr/>
+                    <a:lstStyle/>
+                    <a:p>
+                      <a:pPr algn="ctr" rtl="0" fontAlgn="ctr"/>
+                      <a:r>
+                        <a:rPr lang="en-US" sz="1000" u="none" strike="noStrike">
+                          <a:effectLst/>
+                        </a:rPr>
+                        <a:t> $  13.99 </a:t>
+                      </a:r>
+                      <a:endParaRPr lang="en-US" sz="1000" b="0" i="0" u="none" strike="noStrike">
+                        <a:solidFill>
+                          <a:srgbClr val="000000"/>
+                        </a:solidFill>
                         <a:effectLst/>
-                        <a:latin typeface="+mn-lt"/>
-                        <a:ea typeface="Calibri" panose="020F0502020204030204" pitchFamily="34" charset="0"/>
-                        <a:cs typeface="Times New Roman" panose="02020603050405020304" pitchFamily="18" charset="0"/>
+                        <a:latin typeface="Trebuchet MS" panose="020B0603020202020204" pitchFamily="34" charset="0"/>
                       </a:endParaRPr>
                     </a:p>
                   </a:txBody>
-                  <a:tcPr marL="20992" marR="20992" marT="13995" marB="13995" anchor="ctr"/>
-                </a:tc>
-                <a:tc>
-                  <a:txBody>
-                    <a:bodyPr/>
-                    <a:lstStyle/>
-                    <a:p>
-                      <a:pPr marL="0" marR="0" algn="ctr">
-                        <a:lnSpc>
-                          <a:spcPct val="107000"/>
-                        </a:lnSpc>
-                        <a:spcBef>
-                          <a:spcPts val="0"/>
-                        </a:spcBef>
-                        <a:spcAft>
-                          <a:spcPts val="0"/>
-                        </a:spcAft>
-                      </a:pPr>
-                      <a:r>
-                        <a:rPr lang="en-US" sz="1000" dirty="0">
-                          <a:effectLst/>
-                          <a:latin typeface="+mn-lt"/>
-                        </a:rPr>
-                        <a:t>$13.99</a:t>
-                      </a:r>
-                      <a:endParaRPr lang="en-US" sz="1000" dirty="0">
+                  <a:tcPr marL="4233" marR="4233" marT="4233" marB="0" anchor="ctr"/>
+                </a:tc>
+                <a:tc>
+                  <a:txBody>
+                    <a:bodyPr/>
+                    <a:lstStyle/>
+                    <a:p>
+                      <a:pPr algn="ctr" rtl="0" fontAlgn="ctr"/>
+                      <a:r>
+                        <a:rPr lang="en-US" sz="1000" u="none" strike="noStrike">
+                          <a:effectLst/>
+                        </a:rPr>
+                        <a:t> $   13.99 </a:t>
+                      </a:r>
+                      <a:endParaRPr lang="en-US" sz="1000" b="0" i="0" u="none" strike="noStrike">
+                        <a:solidFill>
+                          <a:srgbClr val="000000"/>
+                        </a:solidFill>
                         <a:effectLst/>
-                        <a:latin typeface="+mn-lt"/>
-                        <a:ea typeface="Calibri" panose="020F0502020204030204" pitchFamily="34" charset="0"/>
-                        <a:cs typeface="Times New Roman" panose="02020603050405020304" pitchFamily="18" charset="0"/>
+                        <a:latin typeface="Trebuchet MS" panose="020B0603020202020204" pitchFamily="34" charset="0"/>
                       </a:endParaRPr>
                     </a:p>
                   </a:txBody>
-                  <a:tcPr marL="20992" marR="20992" marT="13995" marB="13995" anchor="ctr"/>
-                </a:tc>
-                <a:tc>
-                  <a:txBody>
-                    <a:bodyPr/>
-                    <a:lstStyle/>
-                    <a:p>
-                      <a:pPr marL="0" marR="0" algn="ctr">
-                        <a:lnSpc>
-                          <a:spcPct val="107000"/>
-                        </a:lnSpc>
-                        <a:spcBef>
-                          <a:spcPts val="0"/>
-                        </a:spcBef>
-                        <a:spcAft>
-                          <a:spcPts val="0"/>
-                        </a:spcAft>
-                      </a:pPr>
-                      <a:r>
-                        <a:rPr lang="en-US" sz="1000" dirty="0">
-                          <a:effectLst/>
-                          <a:latin typeface="+mn-lt"/>
-                          <a:ea typeface="Calibri" panose="020F0502020204030204" pitchFamily="34" charset="0"/>
-                          <a:cs typeface="Times New Roman" panose="02020603050405020304" pitchFamily="18" charset="0"/>
-                        </a:rPr>
-                        <a:t>$16.00</a:t>
-                      </a:r>
-                    </a:p>
-                  </a:txBody>
-                  <a:tcPr marL="20992" marR="20992" marT="13995" marB="13995" anchor="ctr"/>
+                  <a:tcPr marL="4233" marR="4233" marT="4233" marB="0" anchor="ctr"/>
+                </a:tc>
+                <a:tc>
+                  <a:txBody>
+                    <a:bodyPr/>
+                    <a:lstStyle/>
+                    <a:p>
+                      <a:pPr algn="ctr" rtl="0" fontAlgn="ctr"/>
+                      <a:r>
+                        <a:rPr lang="en-US" sz="1000" u="none" strike="noStrike">
+                          <a:effectLst/>
+                        </a:rPr>
+                        <a:t> $  16.00 </a:t>
+                      </a:r>
+                      <a:endParaRPr lang="en-US" sz="1000" b="0" i="0" u="none" strike="noStrike">
+                        <a:solidFill>
+                          <a:srgbClr val="000000"/>
+                        </a:solidFill>
+                        <a:effectLst/>
+                        <a:latin typeface="Trebuchet MS" panose="020B0603020202020204" pitchFamily="34" charset="0"/>
+                      </a:endParaRPr>
+                    </a:p>
+                  </a:txBody>
+                  <a:tcPr marL="4233" marR="4233" marT="4233" marB="0" anchor="ctr"/>
                 </a:tc>
                 <a:extLst>
                   <a:ext uri="{0D108BD9-81ED-4DB2-BD59-A6C34878D82A}">
-                    <a16:rowId xmlns:a16="http://schemas.microsoft.com/office/drawing/2014/main" val="3113262727"/>
+                    <a16:rowId xmlns:a16="http://schemas.microsoft.com/office/drawing/2014/main" val="2719378"/>
                   </a:ext>
                 </a:extLst>
               </a:tr>
-              <a:tr h="341755">
-                <a:tc>
-                  <a:txBody>
-                    <a:bodyPr/>
-                    <a:lstStyle/>
-                    <a:p>
-                      <a:pPr marL="0" marR="0" algn="ctr">
-                        <a:lnSpc>
-                          <a:spcPct val="107000"/>
-                        </a:lnSpc>
-                        <a:spcBef>
-                          <a:spcPts val="0"/>
-                        </a:spcBef>
-                        <a:spcAft>
-                          <a:spcPts val="0"/>
-                        </a:spcAft>
-                      </a:pPr>
-                      <a:r>
-                        <a:rPr lang="en-US" sz="1000" dirty="0" err="1">
-                          <a:effectLst/>
-                          <a:latin typeface="+mn-lt"/>
+              <a:tr h="371232">
+                <a:tc>
+                  <a:txBody>
+                    <a:bodyPr/>
+                    <a:lstStyle/>
+                    <a:p>
+                      <a:pPr algn="ctr" rtl="0" fontAlgn="ctr"/>
+                      <a:r>
+                        <a:rPr lang="en-US" sz="1000" u="none" strike="noStrike" dirty="0" err="1">
+                          <a:effectLst/>
                         </a:rPr>
                         <a:t>Mircrochip</a:t>
                       </a:r>
                       <a:r>
-                        <a:rPr lang="en-US" sz="1000" dirty="0">
-                          <a:effectLst/>
-                          <a:latin typeface="+mn-lt"/>
+                        <a:rPr lang="en-US" sz="1000" u="none" strike="noStrike" dirty="0">
+                          <a:effectLst/>
                         </a:rPr>
                         <a:t> ATMega2560</a:t>
                       </a:r>
-                      <a:endParaRPr lang="en-US" sz="1000" dirty="0">
+                      <a:endParaRPr lang="en-US" sz="1000" b="1" i="0" u="none" strike="noStrike" dirty="0">
+                        <a:solidFill>
+                          <a:srgbClr val="FFFFFF"/>
+                        </a:solidFill>
                         <a:effectLst/>
-                        <a:latin typeface="+mn-lt"/>
-                        <a:ea typeface="Calibri" panose="020F0502020204030204" pitchFamily="34" charset="0"/>
-                        <a:cs typeface="Times New Roman" panose="02020603050405020304" pitchFamily="18" charset="0"/>
+                        <a:latin typeface="Trebuchet MS" panose="020B0603020202020204" pitchFamily="34" charset="0"/>
                       </a:endParaRPr>
                     </a:p>
                   </a:txBody>
-                  <a:tcPr marL="20992" marR="20992" marT="13995" marB="13995" anchor="ctr"/>
-                </a:tc>
-                <a:tc>
-                  <a:txBody>
-                    <a:bodyPr/>
-                    <a:lstStyle/>
-                    <a:p>
-                      <a:pPr marL="0" marR="0" algn="ctr">
-                        <a:lnSpc>
-                          <a:spcPct val="107000"/>
-                        </a:lnSpc>
-                        <a:spcBef>
-                          <a:spcPts val="0"/>
-                        </a:spcBef>
-                        <a:spcAft>
-                          <a:spcPts val="0"/>
-                        </a:spcAft>
-                      </a:pPr>
-                      <a:r>
-                        <a:rPr lang="en-US" sz="1000">
-                          <a:effectLst/>
-                          <a:latin typeface="+mn-lt"/>
+                  <a:tcPr marL="4233" marR="4233" marT="4233" marB="0" anchor="ctr"/>
+                </a:tc>
+                <a:tc>
+                  <a:txBody>
+                    <a:bodyPr/>
+                    <a:lstStyle/>
+                    <a:p>
+                      <a:pPr algn="ctr" rtl="0" fontAlgn="ctr"/>
+                      <a:r>
+                        <a:rPr lang="en-US" sz="1000" u="none" strike="noStrike">
+                          <a:effectLst/>
                         </a:rPr>
                         <a:t>microcontroller samples from OEM</a:t>
                       </a:r>
-                      <a:endParaRPr lang="en-US" sz="1000">
+                      <a:endParaRPr lang="en-US" sz="1000" b="0" i="0" u="none" strike="noStrike">
+                        <a:solidFill>
+                          <a:srgbClr val="000000"/>
+                        </a:solidFill>
                         <a:effectLst/>
-                        <a:latin typeface="+mn-lt"/>
-                        <a:ea typeface="Calibri" panose="020F0502020204030204" pitchFamily="34" charset="0"/>
-                        <a:cs typeface="Times New Roman" panose="02020603050405020304" pitchFamily="18" charset="0"/>
+                        <a:latin typeface="Trebuchet MS" panose="020B0603020202020204" pitchFamily="34" charset="0"/>
                       </a:endParaRPr>
                     </a:p>
                   </a:txBody>
-                  <a:tcPr marL="20992" marR="20992" marT="13995" marB="13995" anchor="ctr"/>
-                </a:tc>
-                <a:tc>
-                  <a:txBody>
-                    <a:bodyPr/>
-                    <a:lstStyle/>
-                    <a:p>
-                      <a:pPr marL="0" marR="0" algn="ctr">
-                        <a:lnSpc>
-                          <a:spcPct val="107000"/>
-                        </a:lnSpc>
-                        <a:spcBef>
-                          <a:spcPts val="0"/>
-                        </a:spcBef>
-                        <a:spcAft>
-                          <a:spcPts val="0"/>
-                        </a:spcAft>
-                      </a:pPr>
-                      <a:r>
-                        <a:rPr lang="en-US" sz="1000" dirty="0">
-                          <a:effectLst/>
-                          <a:latin typeface="+mn-lt"/>
+                  <a:tcPr marL="4233" marR="4233" marT="4233" marB="0" anchor="ctr"/>
+                </a:tc>
+                <a:tc>
+                  <a:txBody>
+                    <a:bodyPr/>
+                    <a:lstStyle/>
+                    <a:p>
+                      <a:pPr algn="ctr" rtl="0" fontAlgn="ctr"/>
+                      <a:r>
+                        <a:rPr lang="en-US" sz="1000" u="none" strike="noStrike">
+                          <a:effectLst/>
                         </a:rPr>
                         <a:t>5</a:t>
                       </a:r>
-                      <a:endParaRPr lang="en-US" sz="1000" dirty="0">
+                      <a:endParaRPr lang="en-US" sz="1000" b="0" i="0" u="none" strike="noStrike">
+                        <a:solidFill>
+                          <a:srgbClr val="000000"/>
+                        </a:solidFill>
                         <a:effectLst/>
-                        <a:latin typeface="+mn-lt"/>
-                        <a:ea typeface="Calibri" panose="020F0502020204030204" pitchFamily="34" charset="0"/>
-                        <a:cs typeface="Times New Roman" panose="02020603050405020304" pitchFamily="18" charset="0"/>
+                        <a:latin typeface="Trebuchet MS" panose="020B0603020202020204" pitchFamily="34" charset="0"/>
                       </a:endParaRPr>
                     </a:p>
                   </a:txBody>
-                  <a:tcPr marL="20992" marR="20992" marT="13995" marB="13995" anchor="ctr"/>
-                </a:tc>
-                <a:tc>
-                  <a:txBody>
-                    <a:bodyPr/>
-                    <a:lstStyle/>
-                    <a:p>
-                      <a:pPr marL="0" marR="0" algn="ctr">
-                        <a:lnSpc>
-                          <a:spcPct val="107000"/>
-                        </a:lnSpc>
-                        <a:spcBef>
-                          <a:spcPts val="0"/>
-                        </a:spcBef>
-                        <a:spcAft>
-                          <a:spcPts val="0"/>
-                        </a:spcAft>
-                      </a:pPr>
-                      <a:r>
-                        <a:rPr lang="en-US" sz="1000" dirty="0">
-                          <a:effectLst/>
-                          <a:latin typeface="+mn-lt"/>
-                        </a:rPr>
-                        <a:t>0</a:t>
-                      </a:r>
-                      <a:endParaRPr lang="en-US" sz="1000" dirty="0">
+                  <a:tcPr marL="4233" marR="4233" marT="4233" marB="0" anchor="ctr"/>
+                </a:tc>
+                <a:tc>
+                  <a:txBody>
+                    <a:bodyPr/>
+                    <a:lstStyle/>
+                    <a:p>
+                      <a:pPr algn="ctr" rtl="0" fontAlgn="ctr"/>
+                      <a:r>
+                        <a:rPr lang="en-US" sz="1000" u="none" strike="noStrike">
+                          <a:effectLst/>
+                        </a:rPr>
+                        <a:t> - </a:t>
+                      </a:r>
+                      <a:endParaRPr lang="en-US" sz="1000" b="0" i="0" u="none" strike="noStrike">
+                        <a:solidFill>
+                          <a:srgbClr val="000000"/>
+                        </a:solidFill>
                         <a:effectLst/>
-                        <a:latin typeface="+mn-lt"/>
-                        <a:ea typeface="Calibri" panose="020F0502020204030204" pitchFamily="34" charset="0"/>
-                        <a:cs typeface="Times New Roman" panose="02020603050405020304" pitchFamily="18" charset="0"/>
+                        <a:latin typeface="Trebuchet MS" panose="020B0603020202020204" pitchFamily="34" charset="0"/>
                       </a:endParaRPr>
                     </a:p>
                   </a:txBody>
-                  <a:tcPr marL="20992" marR="20992" marT="13995" marB="13995" anchor="ctr"/>
-                </a:tc>
-                <a:tc>
-                  <a:txBody>
-                    <a:bodyPr/>
-                    <a:lstStyle/>
-                    <a:p>
-                      <a:pPr marL="0" marR="0" algn="ctr">
-                        <a:lnSpc>
-                          <a:spcPct val="107000"/>
-                        </a:lnSpc>
-                        <a:spcBef>
-                          <a:spcPts val="0"/>
-                        </a:spcBef>
-                        <a:spcAft>
-                          <a:spcPts val="0"/>
-                        </a:spcAft>
-                      </a:pPr>
-                      <a:r>
-                        <a:rPr lang="en-US" sz="1000" dirty="0">
-                          <a:effectLst/>
-                          <a:latin typeface="+mn-lt"/>
-                        </a:rPr>
-                        <a:t>0</a:t>
-                      </a:r>
-                      <a:endParaRPr lang="en-US" sz="1000" dirty="0">
+                  <a:tcPr marL="4233" marR="4233" marT="4233" marB="0" anchor="ctr"/>
+                </a:tc>
+                <a:tc>
+                  <a:txBody>
+                    <a:bodyPr/>
+                    <a:lstStyle/>
+                    <a:p>
+                      <a:pPr algn="ctr" rtl="0" fontAlgn="ctr"/>
+                      <a:r>
+                        <a:rPr lang="en-US" sz="1000" u="none" strike="noStrike">
+                          <a:effectLst/>
+                        </a:rPr>
+                        <a:t> - </a:t>
+                      </a:r>
+                      <a:endParaRPr lang="en-US" sz="1000" b="0" i="0" u="none" strike="noStrike">
+                        <a:solidFill>
+                          <a:srgbClr val="000000"/>
+                        </a:solidFill>
                         <a:effectLst/>
-                        <a:latin typeface="+mn-lt"/>
-                        <a:ea typeface="Calibri" panose="020F0502020204030204" pitchFamily="34" charset="0"/>
-                        <a:cs typeface="Times New Roman" panose="02020603050405020304" pitchFamily="18" charset="0"/>
+                        <a:latin typeface="Trebuchet MS" panose="020B0603020202020204" pitchFamily="34" charset="0"/>
                       </a:endParaRPr>
                     </a:p>
                   </a:txBody>
-                  <a:tcPr marL="20992" marR="20992" marT="13995" marB="13995" anchor="ctr"/>
-                </a:tc>
-                <a:tc>
-                  <a:txBody>
-                    <a:bodyPr/>
-                    <a:lstStyle/>
-                    <a:p>
-                      <a:pPr marL="0" marR="0" algn="ctr">
-                        <a:lnSpc>
-                          <a:spcPct val="107000"/>
-                        </a:lnSpc>
-                        <a:spcBef>
-                          <a:spcPts val="0"/>
-                        </a:spcBef>
-                        <a:spcAft>
-                          <a:spcPts val="0"/>
-                        </a:spcAft>
-                      </a:pPr>
-                      <a:r>
-                        <a:rPr lang="en-US" sz="1000" dirty="0">
-                          <a:effectLst/>
-                          <a:latin typeface="+mn-lt"/>
-                          <a:ea typeface="Calibri" panose="020F0502020204030204" pitchFamily="34" charset="0"/>
-                          <a:cs typeface="Times New Roman" panose="02020603050405020304" pitchFamily="18" charset="0"/>
-                        </a:rPr>
-                        <a:t>-</a:t>
-                      </a:r>
-                    </a:p>
-                  </a:txBody>
-                  <a:tcPr marL="20992" marR="20992" marT="13995" marB="13995" anchor="ctr"/>
+                  <a:tcPr marL="4233" marR="4233" marT="4233" marB="0" anchor="ctr"/>
+                </a:tc>
+                <a:tc>
+                  <a:txBody>
+                    <a:bodyPr/>
+                    <a:lstStyle/>
+                    <a:p>
+                      <a:pPr algn="ctr" rtl="0" fontAlgn="ctr"/>
+                      <a:r>
+                        <a:rPr lang="en-US" sz="1000" u="none" strike="noStrike">
+                          <a:effectLst/>
+                        </a:rPr>
+                        <a:t> - </a:t>
+                      </a:r>
+                      <a:endParaRPr lang="en-US" sz="1000" b="0" i="0" u="none" strike="noStrike">
+                        <a:solidFill>
+                          <a:srgbClr val="000000"/>
+                        </a:solidFill>
+                        <a:effectLst/>
+                        <a:latin typeface="Trebuchet MS" panose="020B0603020202020204" pitchFamily="34" charset="0"/>
+                      </a:endParaRPr>
+                    </a:p>
+                  </a:txBody>
+                  <a:tcPr marL="4233" marR="4233" marT="4233" marB="0" anchor="ctr"/>
                 </a:tc>
                 <a:extLst>
                   <a:ext uri="{0D108BD9-81ED-4DB2-BD59-A6C34878D82A}">
-                    <a16:rowId xmlns:a16="http://schemas.microsoft.com/office/drawing/2014/main" val="286768502"/>
+                    <a16:rowId xmlns:a16="http://schemas.microsoft.com/office/drawing/2014/main" val="2237611258"/>
                   </a:ext>
                 </a:extLst>
               </a:tr>
-              <a:tr h="341755">
-                <a:tc>
-                  <a:txBody>
-                    <a:bodyPr/>
-                    <a:lstStyle/>
-                    <a:p>
-                      <a:pPr marL="0" marR="0" algn="ctr">
-                        <a:lnSpc>
-                          <a:spcPct val="107000"/>
-                        </a:lnSpc>
-                        <a:spcBef>
-                          <a:spcPts val="0"/>
-                        </a:spcBef>
-                        <a:spcAft>
-                          <a:spcPts val="0"/>
-                        </a:spcAft>
-                      </a:pPr>
-                      <a:r>
-                        <a:rPr lang="en-US" sz="1000" dirty="0">
-                          <a:effectLst/>
-                          <a:latin typeface="+mn-lt"/>
-                        </a:rPr>
-                        <a:t>Final Paper</a:t>
-                      </a:r>
-                      <a:endParaRPr lang="en-US" sz="1000" dirty="0">
+              <a:tr h="193200">
+                <a:tc>
+                  <a:txBody>
+                    <a:bodyPr/>
+                    <a:lstStyle/>
+                    <a:p>
+                      <a:pPr algn="ctr" rtl="0" fontAlgn="ctr"/>
+                      <a:r>
+                        <a:rPr lang="en-US" sz="1000" u="none" strike="noStrike" dirty="0">
+                          <a:effectLst/>
+                        </a:rPr>
+                        <a:t>ESP8266</a:t>
+                      </a:r>
+                      <a:endParaRPr lang="en-US" sz="1000" b="1" i="0" u="none" strike="noStrike" dirty="0">
+                        <a:solidFill>
+                          <a:srgbClr val="FFFFFF"/>
+                        </a:solidFill>
                         <a:effectLst/>
-                        <a:latin typeface="+mn-lt"/>
-                        <a:ea typeface="Calibri" panose="020F0502020204030204" pitchFamily="34" charset="0"/>
-                        <a:cs typeface="Times New Roman" panose="02020603050405020304" pitchFamily="18" charset="0"/>
+                        <a:latin typeface="Trebuchet MS" panose="020B0603020202020204" pitchFamily="34" charset="0"/>
                       </a:endParaRPr>
                     </a:p>
                   </a:txBody>
-                  <a:tcPr marL="20992" marR="20992" marT="13995" marB="13995" anchor="ctr"/>
-                </a:tc>
-                <a:tc>
-                  <a:txBody>
-                    <a:bodyPr/>
-                    <a:lstStyle/>
-                    <a:p>
-                      <a:pPr marL="0" marR="0" algn="ctr">
-                        <a:lnSpc>
-                          <a:spcPct val="107000"/>
-                        </a:lnSpc>
-                        <a:spcBef>
-                          <a:spcPts val="0"/>
-                        </a:spcBef>
-                        <a:spcAft>
-                          <a:spcPts val="0"/>
-                        </a:spcAft>
-                      </a:pPr>
-                      <a:r>
-                        <a:rPr lang="en-US" sz="1000" dirty="0">
-                          <a:effectLst/>
-                          <a:latin typeface="+mn-lt"/>
-                        </a:rPr>
-                        <a:t>printing and binding</a:t>
-                      </a:r>
-                      <a:endParaRPr lang="en-US" sz="1000" dirty="0">
+                  <a:tcPr marL="4233" marR="4233" marT="4233" marB="0" anchor="ctr"/>
+                </a:tc>
+                <a:tc>
+                  <a:txBody>
+                    <a:bodyPr/>
+                    <a:lstStyle/>
+                    <a:p>
+                      <a:pPr algn="ctr" rtl="0" fontAlgn="ctr"/>
+                      <a:r>
+                        <a:rPr lang="en-US" sz="1000" u="none" strike="noStrike">
+                          <a:effectLst/>
+                        </a:rPr>
+                        <a:t>Wifi Module</a:t>
+                      </a:r>
+                      <a:endParaRPr lang="en-US" sz="1000" b="0" i="0" u="none" strike="noStrike">
+                        <a:solidFill>
+                          <a:srgbClr val="000000"/>
+                        </a:solidFill>
                         <a:effectLst/>
-                        <a:latin typeface="+mn-lt"/>
-                        <a:ea typeface="Calibri" panose="020F0502020204030204" pitchFamily="34" charset="0"/>
-                        <a:cs typeface="Times New Roman" panose="02020603050405020304" pitchFamily="18" charset="0"/>
+                        <a:latin typeface="Trebuchet MS" panose="020B0603020202020204" pitchFamily="34" charset="0"/>
                       </a:endParaRPr>
                     </a:p>
                   </a:txBody>
-                  <a:tcPr marL="20992" marR="20992" marT="13995" marB="13995" anchor="ctr"/>
-                </a:tc>
-                <a:tc>
-                  <a:txBody>
-                    <a:bodyPr/>
-                    <a:lstStyle/>
-                    <a:p>
-                      <a:pPr marL="0" marR="0" algn="ctr">
-                        <a:lnSpc>
-                          <a:spcPct val="107000"/>
-                        </a:lnSpc>
-                        <a:spcBef>
-                          <a:spcPts val="0"/>
-                        </a:spcBef>
-                        <a:spcAft>
-                          <a:spcPts val="0"/>
-                        </a:spcAft>
-                      </a:pPr>
-                      <a:r>
-                        <a:rPr lang="en-US" sz="1000" dirty="0">
-                          <a:effectLst/>
-                          <a:latin typeface="+mn-lt"/>
-                        </a:rPr>
-                        <a:t>1</a:t>
-                      </a:r>
-                      <a:endParaRPr lang="en-US" sz="1000" dirty="0">
+                  <a:tcPr marL="4233" marR="4233" marT="4233" marB="0" anchor="ctr"/>
+                </a:tc>
+                <a:tc>
+                  <a:txBody>
+                    <a:bodyPr/>
+                    <a:lstStyle/>
+                    <a:p>
+                      <a:pPr algn="ctr" rtl="0" fontAlgn="ctr"/>
+                      <a:r>
+                        <a:rPr lang="en-US" sz="1000" u="none" strike="noStrike">
+                          <a:effectLst/>
+                        </a:rPr>
+                        <a:t>4</a:t>
+                      </a:r>
+                      <a:endParaRPr lang="en-US" sz="1000" b="0" i="0" u="none" strike="noStrike">
+                        <a:solidFill>
+                          <a:srgbClr val="000000"/>
+                        </a:solidFill>
                         <a:effectLst/>
-                        <a:latin typeface="+mn-lt"/>
-                        <a:ea typeface="Calibri" panose="020F0502020204030204" pitchFamily="34" charset="0"/>
-                        <a:cs typeface="Times New Roman" panose="02020603050405020304" pitchFamily="18" charset="0"/>
+                        <a:latin typeface="Trebuchet MS" panose="020B0603020202020204" pitchFamily="34" charset="0"/>
                       </a:endParaRPr>
                     </a:p>
                   </a:txBody>
-                  <a:tcPr marL="20992" marR="20992" marT="13995" marB="13995" anchor="ctr"/>
-                </a:tc>
-                <a:tc>
-                  <a:txBody>
-                    <a:bodyPr/>
-                    <a:lstStyle/>
-                    <a:p>
-                      <a:pPr marL="0" marR="0" algn="ctr">
-                        <a:lnSpc>
-                          <a:spcPct val="107000"/>
-                        </a:lnSpc>
-                        <a:spcBef>
-                          <a:spcPts val="0"/>
-                        </a:spcBef>
-                        <a:spcAft>
-                          <a:spcPts val="0"/>
-                        </a:spcAft>
-                      </a:pPr>
-                      <a:r>
-                        <a:rPr lang="en-US" sz="1000" dirty="0">
-                          <a:effectLst/>
-                          <a:latin typeface="+mn-lt"/>
-                        </a:rPr>
-                        <a:t>$27.98</a:t>
-                      </a:r>
-                      <a:endParaRPr lang="en-US" sz="1000" dirty="0">
+                  <a:tcPr marL="4233" marR="4233" marT="4233" marB="0" anchor="ctr"/>
+                </a:tc>
+                <a:tc>
+                  <a:txBody>
+                    <a:bodyPr/>
+                    <a:lstStyle/>
+                    <a:p>
+                      <a:pPr algn="ctr" rtl="0" fontAlgn="ctr"/>
+                      <a:r>
+                        <a:rPr lang="en-US" sz="1000" u="none" strike="noStrike">
+                          <a:effectLst/>
+                        </a:rPr>
+                        <a:t> $   5.00 </a:t>
+                      </a:r>
+                      <a:endParaRPr lang="en-US" sz="1000" b="0" i="0" u="none" strike="noStrike">
+                        <a:solidFill>
+                          <a:srgbClr val="000000"/>
+                        </a:solidFill>
                         <a:effectLst/>
-                        <a:latin typeface="+mn-lt"/>
-                        <a:ea typeface="Calibri" panose="020F0502020204030204" pitchFamily="34" charset="0"/>
-                        <a:cs typeface="Times New Roman" panose="02020603050405020304" pitchFamily="18" charset="0"/>
+                        <a:latin typeface="Trebuchet MS" panose="020B0603020202020204" pitchFamily="34" charset="0"/>
                       </a:endParaRPr>
                     </a:p>
                   </a:txBody>
-                  <a:tcPr marL="20992" marR="20992" marT="13995" marB="13995" anchor="ctr"/>
-                </a:tc>
-                <a:tc>
-                  <a:txBody>
-                    <a:bodyPr/>
-                    <a:lstStyle/>
-                    <a:p>
-                      <a:pPr marL="0" marR="0" algn="ctr">
-                        <a:lnSpc>
-                          <a:spcPct val="107000"/>
-                        </a:lnSpc>
-                        <a:spcBef>
-                          <a:spcPts val="0"/>
-                        </a:spcBef>
-                        <a:spcAft>
-                          <a:spcPts val="0"/>
-                        </a:spcAft>
-                      </a:pPr>
-                      <a:r>
-                        <a:rPr lang="en-US" sz="1000" dirty="0">
-                          <a:effectLst/>
-                          <a:latin typeface="+mn-lt"/>
-                        </a:rPr>
-                        <a:t>$27.98</a:t>
-                      </a:r>
-                      <a:endParaRPr lang="en-US" sz="1000" dirty="0">
+                  <a:tcPr marL="4233" marR="4233" marT="4233" marB="0" anchor="ctr"/>
+                </a:tc>
+                <a:tc>
+                  <a:txBody>
+                    <a:bodyPr/>
+                    <a:lstStyle/>
+                    <a:p>
+                      <a:pPr algn="ctr" rtl="0" fontAlgn="ctr"/>
+                      <a:r>
+                        <a:rPr lang="en-US" sz="1000" u="none" strike="noStrike">
+                          <a:effectLst/>
+                        </a:rPr>
+                        <a:t> $   19.99 </a:t>
+                      </a:r>
+                      <a:endParaRPr lang="en-US" sz="1000" b="0" i="0" u="none" strike="noStrike">
+                        <a:solidFill>
+                          <a:srgbClr val="000000"/>
+                        </a:solidFill>
                         <a:effectLst/>
-                        <a:latin typeface="+mn-lt"/>
-                        <a:ea typeface="Calibri" panose="020F0502020204030204" pitchFamily="34" charset="0"/>
-                        <a:cs typeface="Times New Roman" panose="02020603050405020304" pitchFamily="18" charset="0"/>
+                        <a:latin typeface="Trebuchet MS" panose="020B0603020202020204" pitchFamily="34" charset="0"/>
                       </a:endParaRPr>
                     </a:p>
                   </a:txBody>
-                  <a:tcPr marL="20992" marR="20992" marT="13995" marB="13995" anchor="ctr"/>
-                </a:tc>
-                <a:tc>
-                  <a:txBody>
-                    <a:bodyPr/>
-                    <a:lstStyle/>
-                    <a:p>
-                      <a:pPr marL="0" marR="0" algn="ctr">
-                        <a:lnSpc>
-                          <a:spcPct val="107000"/>
-                        </a:lnSpc>
-                        <a:spcBef>
-                          <a:spcPts val="0"/>
-                        </a:spcBef>
-                        <a:spcAft>
-                          <a:spcPts val="0"/>
-                        </a:spcAft>
-                      </a:pPr>
-                      <a:r>
-                        <a:rPr lang="en-US" sz="1000" dirty="0">
-                          <a:effectLst/>
-                          <a:latin typeface="+mn-lt"/>
-                          <a:ea typeface="Calibri" panose="020F0502020204030204" pitchFamily="34" charset="0"/>
-                          <a:cs typeface="Times New Roman" panose="02020603050405020304" pitchFamily="18" charset="0"/>
-                        </a:rPr>
-                        <a:t>$30.00</a:t>
-                      </a:r>
-                    </a:p>
-                  </a:txBody>
-                  <a:tcPr marL="20992" marR="20992" marT="13995" marB="13995" anchor="ctr"/>
+                  <a:tcPr marL="4233" marR="4233" marT="4233" marB="0" anchor="ctr"/>
+                </a:tc>
+                <a:tc>
+                  <a:txBody>
+                    <a:bodyPr/>
+                    <a:lstStyle/>
+                    <a:p>
+                      <a:pPr algn="ctr" rtl="0" fontAlgn="ctr"/>
+                      <a:r>
+                        <a:rPr lang="en-US" sz="1000" u="none" strike="noStrike">
+                          <a:effectLst/>
+                        </a:rPr>
+                        <a:t> $  40.00 </a:t>
+                      </a:r>
+                      <a:endParaRPr lang="en-US" sz="1000" b="0" i="0" u="none" strike="noStrike">
+                        <a:solidFill>
+                          <a:srgbClr val="000000"/>
+                        </a:solidFill>
+                        <a:effectLst/>
+                        <a:latin typeface="Trebuchet MS" panose="020B0603020202020204" pitchFamily="34" charset="0"/>
+                      </a:endParaRPr>
+                    </a:p>
+                  </a:txBody>
+                  <a:tcPr marL="4233" marR="4233" marT="4233" marB="0" anchor="ctr"/>
                 </a:tc>
                 <a:extLst>
                   <a:ext uri="{0D108BD9-81ED-4DB2-BD59-A6C34878D82A}">
-                    <a16:rowId xmlns:a16="http://schemas.microsoft.com/office/drawing/2014/main" val="2705175605"/>
+                    <a16:rowId xmlns:a16="http://schemas.microsoft.com/office/drawing/2014/main" val="2747857335"/>
                   </a:ext>
                 </a:extLst>
               </a:tr>
-              <a:tr h="338256">
-                <a:tc>
-                  <a:txBody>
-                    <a:bodyPr/>
-                    <a:lstStyle/>
-                    <a:p>
-                      <a:pPr marL="0" marR="0" algn="ctr">
-                        <a:lnSpc>
-                          <a:spcPct val="107000"/>
-                        </a:lnSpc>
-                        <a:spcBef>
-                          <a:spcPts val="0"/>
-                        </a:spcBef>
-                        <a:spcAft>
-                          <a:spcPts val="0"/>
-                        </a:spcAft>
-                      </a:pPr>
-                      <a:r>
-                        <a:rPr lang="en-US" sz="1000" dirty="0">
-                          <a:effectLst/>
-                          <a:latin typeface="+mn-lt"/>
-                          <a:ea typeface="Calibri" panose="020F0502020204030204" pitchFamily="34" charset="0"/>
-                          <a:cs typeface="Times New Roman" panose="02020603050405020304" pitchFamily="18" charset="0"/>
-                        </a:rPr>
-                        <a:t>System Enclosure</a:t>
-                      </a:r>
-                    </a:p>
-                  </a:txBody>
-                  <a:tcPr marL="20992" marR="20992" marT="13995" marB="13995" anchor="ctr"/>
-                </a:tc>
-                <a:tc>
-                  <a:txBody>
-                    <a:bodyPr/>
-                    <a:lstStyle/>
-                    <a:p>
-                      <a:pPr marL="0" marR="0" algn="ctr">
-                        <a:lnSpc>
-                          <a:spcPct val="107000"/>
-                        </a:lnSpc>
-                        <a:spcBef>
-                          <a:spcPts val="0"/>
-                        </a:spcBef>
-                        <a:spcAft>
-                          <a:spcPts val="0"/>
-                        </a:spcAft>
-                      </a:pPr>
-                      <a:r>
-                        <a:rPr lang="en-US" sz="1000" dirty="0">
-                          <a:effectLst/>
-                          <a:latin typeface="+mn-lt"/>
-                          <a:ea typeface="Calibri" panose="020F0502020204030204" pitchFamily="34" charset="0"/>
-                          <a:cs typeface="Times New Roman" panose="02020603050405020304" pitchFamily="18" charset="0"/>
-                        </a:rPr>
-                        <a:t>Housing for PCB</a:t>
-                      </a:r>
-                    </a:p>
-                  </a:txBody>
-                  <a:tcPr marL="20992" marR="20992" marT="13995" marB="13995" anchor="ctr"/>
-                </a:tc>
-                <a:tc>
-                  <a:txBody>
-                    <a:bodyPr/>
-                    <a:lstStyle/>
-                    <a:p>
-                      <a:pPr marL="0" marR="0" algn="ctr">
-                        <a:lnSpc>
-                          <a:spcPct val="107000"/>
-                        </a:lnSpc>
-                        <a:spcBef>
-                          <a:spcPts val="0"/>
-                        </a:spcBef>
-                        <a:spcAft>
-                          <a:spcPts val="0"/>
-                        </a:spcAft>
-                      </a:pPr>
-                      <a:endParaRPr lang="en-US" sz="1000" dirty="0">
+              <a:tr h="193200">
+                <a:tc>
+                  <a:txBody>
+                    <a:bodyPr/>
+                    <a:lstStyle/>
+                    <a:p>
+                      <a:pPr algn="ctr" rtl="0" fontAlgn="ctr"/>
+                      <a:r>
+                        <a:rPr lang="en-US" sz="1000" u="none" strike="noStrike" dirty="0">
+                          <a:effectLst/>
+                        </a:rPr>
+                        <a:t>ESP32</a:t>
+                      </a:r>
+                      <a:endParaRPr lang="en-US" sz="1000" b="1" i="0" u="none" strike="noStrike" dirty="0">
+                        <a:solidFill>
+                          <a:srgbClr val="FFFFFF"/>
+                        </a:solidFill>
                         <a:effectLst/>
-                        <a:latin typeface="+mn-lt"/>
-                        <a:ea typeface="Calibri" panose="020F0502020204030204" pitchFamily="34" charset="0"/>
-                        <a:cs typeface="Times New Roman" panose="02020603050405020304" pitchFamily="18" charset="0"/>
+                        <a:latin typeface="Trebuchet MS" panose="020B0603020202020204" pitchFamily="34" charset="0"/>
                       </a:endParaRPr>
                     </a:p>
                   </a:txBody>
-                  <a:tcPr marL="20992" marR="20992" marT="13995" marB="13995" anchor="ctr"/>
-                </a:tc>
-                <a:tc>
-                  <a:txBody>
-                    <a:bodyPr/>
-                    <a:lstStyle/>
-                    <a:p>
-                      <a:pPr marL="0" marR="0" algn="ctr">
-                        <a:lnSpc>
-                          <a:spcPct val="107000"/>
-                        </a:lnSpc>
-                        <a:spcBef>
-                          <a:spcPts val="0"/>
-                        </a:spcBef>
-                        <a:spcAft>
-                          <a:spcPts val="0"/>
-                        </a:spcAft>
-                      </a:pPr>
-                      <a:endParaRPr lang="en-US" sz="1000" dirty="0">
+                  <a:tcPr marL="4233" marR="4233" marT="4233" marB="0" anchor="ctr"/>
+                </a:tc>
+                <a:tc>
+                  <a:txBody>
+                    <a:bodyPr/>
+                    <a:lstStyle/>
+                    <a:p>
+                      <a:pPr algn="ctr" rtl="0" fontAlgn="ctr"/>
+                      <a:r>
+                        <a:rPr lang="en-US" sz="1000" u="none" strike="noStrike">
+                          <a:effectLst/>
+                        </a:rPr>
+                        <a:t>Wifi Module</a:t>
+                      </a:r>
+                      <a:endParaRPr lang="en-US" sz="1000" b="0" i="0" u="none" strike="noStrike">
+                        <a:solidFill>
+                          <a:srgbClr val="000000"/>
+                        </a:solidFill>
                         <a:effectLst/>
-                        <a:latin typeface="+mn-lt"/>
-                        <a:ea typeface="Calibri" panose="020F0502020204030204" pitchFamily="34" charset="0"/>
-                        <a:cs typeface="Times New Roman" panose="02020603050405020304" pitchFamily="18" charset="0"/>
+                        <a:latin typeface="Trebuchet MS" panose="020B0603020202020204" pitchFamily="34" charset="0"/>
                       </a:endParaRPr>
                     </a:p>
                   </a:txBody>
-                  <a:tcPr marL="20992" marR="20992" marT="13995" marB="13995" anchor="ctr"/>
-                </a:tc>
-                <a:tc>
-                  <a:txBody>
-                    <a:bodyPr/>
-                    <a:lstStyle/>
-                    <a:p>
-                      <a:pPr marL="0" marR="0" algn="ctr">
-                        <a:lnSpc>
-                          <a:spcPct val="107000"/>
-                        </a:lnSpc>
-                        <a:spcBef>
-                          <a:spcPts val="0"/>
-                        </a:spcBef>
-                        <a:spcAft>
-                          <a:spcPts val="0"/>
-                        </a:spcAft>
-                      </a:pPr>
-                      <a:endParaRPr lang="en-US" sz="1000" dirty="0">
+                  <a:tcPr marL="4233" marR="4233" marT="4233" marB="0" anchor="ctr"/>
+                </a:tc>
+                <a:tc>
+                  <a:txBody>
+                    <a:bodyPr/>
+                    <a:lstStyle/>
+                    <a:p>
+                      <a:pPr algn="ctr" rtl="0" fontAlgn="ctr"/>
+                      <a:r>
+                        <a:rPr lang="en-US" sz="1000" u="none" strike="noStrike">
+                          <a:effectLst/>
+                        </a:rPr>
+                        <a:t>3</a:t>
+                      </a:r>
+                      <a:endParaRPr lang="en-US" sz="1000" b="0" i="0" u="none" strike="noStrike">
+                        <a:solidFill>
+                          <a:srgbClr val="000000"/>
+                        </a:solidFill>
                         <a:effectLst/>
-                        <a:latin typeface="+mn-lt"/>
-                        <a:ea typeface="Calibri" panose="020F0502020204030204" pitchFamily="34" charset="0"/>
-                        <a:cs typeface="Times New Roman" panose="02020603050405020304" pitchFamily="18" charset="0"/>
+                        <a:latin typeface="Trebuchet MS" panose="020B0603020202020204" pitchFamily="34" charset="0"/>
                       </a:endParaRPr>
                     </a:p>
                   </a:txBody>
-                  <a:tcPr marL="20992" marR="20992" marT="13995" marB="13995" anchor="ctr"/>
-                </a:tc>
-                <a:tc>
-                  <a:txBody>
-                    <a:bodyPr/>
-                    <a:lstStyle/>
-                    <a:p>
-                      <a:pPr marL="0" marR="0" algn="ctr">
-                        <a:lnSpc>
-                          <a:spcPct val="107000"/>
-                        </a:lnSpc>
-                        <a:spcBef>
-                          <a:spcPts val="0"/>
-                        </a:spcBef>
-                        <a:spcAft>
-                          <a:spcPts val="0"/>
-                        </a:spcAft>
-                      </a:pPr>
-                      <a:endParaRPr lang="en-US" sz="1000" dirty="0">
+                  <a:tcPr marL="4233" marR="4233" marT="4233" marB="0" anchor="ctr"/>
+                </a:tc>
+                <a:tc>
+                  <a:txBody>
+                    <a:bodyPr/>
+                    <a:lstStyle/>
+                    <a:p>
+                      <a:pPr algn="ctr" rtl="0" fontAlgn="ctr"/>
+                      <a:r>
+                        <a:rPr lang="en-US" sz="1000" u="none" strike="noStrike">
+                          <a:effectLst/>
+                        </a:rPr>
+                        <a:t> $  10.99 </a:t>
+                      </a:r>
+                      <a:endParaRPr lang="en-US" sz="1000" b="0" i="0" u="none" strike="noStrike">
+                        <a:solidFill>
+                          <a:srgbClr val="000000"/>
+                        </a:solidFill>
                         <a:effectLst/>
-                        <a:latin typeface="+mn-lt"/>
-                        <a:ea typeface="Calibri" panose="020F0502020204030204" pitchFamily="34" charset="0"/>
-                        <a:cs typeface="Times New Roman" panose="02020603050405020304" pitchFamily="18" charset="0"/>
+                        <a:latin typeface="Trebuchet MS" panose="020B0603020202020204" pitchFamily="34" charset="0"/>
                       </a:endParaRPr>
                     </a:p>
                   </a:txBody>
-                  <a:tcPr marL="20992" marR="20992" marT="13995" marB="13995" anchor="ctr"/>
+                  <a:tcPr marL="4233" marR="4233" marT="4233" marB="0" anchor="ctr"/>
+                </a:tc>
+                <a:tc>
+                  <a:txBody>
+                    <a:bodyPr/>
+                    <a:lstStyle/>
+                    <a:p>
+                      <a:pPr algn="ctr" rtl="0" fontAlgn="ctr"/>
+                      <a:r>
+                        <a:rPr lang="en-US" sz="1000" u="none" strike="noStrike">
+                          <a:effectLst/>
+                        </a:rPr>
+                        <a:t> $   32.97 </a:t>
+                      </a:r>
+                      <a:endParaRPr lang="en-US" sz="1000" b="0" i="0" u="none" strike="noStrike">
+                        <a:solidFill>
+                          <a:srgbClr val="000000"/>
+                        </a:solidFill>
+                        <a:effectLst/>
+                        <a:latin typeface="Trebuchet MS" panose="020B0603020202020204" pitchFamily="34" charset="0"/>
+                      </a:endParaRPr>
+                    </a:p>
+                  </a:txBody>
+                  <a:tcPr marL="4233" marR="4233" marT="4233" marB="0" anchor="ctr"/>
+                </a:tc>
+                <a:tc>
+                  <a:txBody>
+                    <a:bodyPr/>
+                    <a:lstStyle/>
+                    <a:p>
+                      <a:pPr algn="ctr" rtl="0" fontAlgn="ctr"/>
+                      <a:r>
+                        <a:rPr lang="en-US" sz="1000" u="none" strike="noStrike">
+                          <a:effectLst/>
+                        </a:rPr>
+                        <a:t> $  50.00 </a:t>
+                      </a:r>
+                      <a:endParaRPr lang="en-US" sz="1000" b="0" i="0" u="none" strike="noStrike">
+                        <a:solidFill>
+                          <a:srgbClr val="000000"/>
+                        </a:solidFill>
+                        <a:effectLst/>
+                        <a:latin typeface="Trebuchet MS" panose="020B0603020202020204" pitchFamily="34" charset="0"/>
+                      </a:endParaRPr>
+                    </a:p>
+                  </a:txBody>
+                  <a:tcPr marL="4233" marR="4233" marT="4233" marB="0" anchor="ctr"/>
                 </a:tc>
                 <a:extLst>
                   <a:ext uri="{0D108BD9-81ED-4DB2-BD59-A6C34878D82A}">
-                    <a16:rowId xmlns:a16="http://schemas.microsoft.com/office/drawing/2014/main" val="939595607"/>
+                    <a16:rowId xmlns:a16="http://schemas.microsoft.com/office/drawing/2014/main" val="2040201617"/>
                   </a:ext>
                 </a:extLst>
               </a:tr>
-              <a:tr h="341755">
-                <a:tc>
-                  <a:txBody>
-                    <a:bodyPr/>
-                    <a:lstStyle/>
-                    <a:p>
-                      <a:pPr marL="0" marR="0" algn="ctr">
-                        <a:lnSpc>
-                          <a:spcPct val="107000"/>
-                        </a:lnSpc>
-                        <a:spcBef>
-                          <a:spcPts val="0"/>
-                        </a:spcBef>
-                        <a:spcAft>
-                          <a:spcPts val="0"/>
-                        </a:spcAft>
-                      </a:pPr>
-                      <a:r>
-                        <a:rPr lang="en-US" sz="1000" dirty="0">
-                          <a:effectLst/>
-                          <a:latin typeface="+mn-lt"/>
-                        </a:rPr>
-                        <a:t>PCB surface components</a:t>
-                      </a:r>
-                      <a:endParaRPr lang="en-US" sz="1000" dirty="0">
+              <a:tr h="193200">
+                <a:tc>
+                  <a:txBody>
+                    <a:bodyPr/>
+                    <a:lstStyle/>
+                    <a:p>
+                      <a:pPr algn="ctr" rtl="0" fontAlgn="ctr"/>
+                      <a:r>
+                        <a:rPr lang="en-US" sz="1000" u="none" strike="noStrike" dirty="0">
+                          <a:effectLst/>
+                        </a:rPr>
+                        <a:t>HC-05</a:t>
+                      </a:r>
+                      <a:endParaRPr lang="en-US" sz="1000" b="1" i="0" u="none" strike="noStrike" dirty="0">
+                        <a:solidFill>
+                          <a:srgbClr val="FFFFFF"/>
+                        </a:solidFill>
                         <a:effectLst/>
-                        <a:latin typeface="+mn-lt"/>
-                        <a:ea typeface="Calibri" panose="020F0502020204030204" pitchFamily="34" charset="0"/>
-                        <a:cs typeface="Times New Roman" panose="02020603050405020304" pitchFamily="18" charset="0"/>
+                        <a:latin typeface="Trebuchet MS" panose="020B0603020202020204" pitchFamily="34" charset="0"/>
                       </a:endParaRPr>
                     </a:p>
                   </a:txBody>
-                  <a:tcPr marL="20992" marR="20992" marT="13995" marB="13995" anchor="ctr"/>
-                </a:tc>
-                <a:tc>
-                  <a:txBody>
-                    <a:bodyPr/>
-                    <a:lstStyle/>
-                    <a:p>
-                      <a:pPr marL="0" marR="0" algn="ctr">
-                        <a:lnSpc>
-                          <a:spcPct val="107000"/>
-                        </a:lnSpc>
-                        <a:spcBef>
-                          <a:spcPts val="0"/>
-                        </a:spcBef>
-                        <a:spcAft>
-                          <a:spcPts val="0"/>
-                        </a:spcAft>
-                      </a:pPr>
-                      <a:r>
-                        <a:rPr lang="en-US" sz="1000" dirty="0">
-                          <a:effectLst/>
-                          <a:latin typeface="+mn-lt"/>
-                        </a:rPr>
-                        <a:t>PCB resistors, caps, etc.</a:t>
-                      </a:r>
-                      <a:endParaRPr lang="en-US" sz="1000" dirty="0">
+                  <a:tcPr marL="4233" marR="4233" marT="4233" marB="0" anchor="ctr"/>
+                </a:tc>
+                <a:tc>
+                  <a:txBody>
+                    <a:bodyPr/>
+                    <a:lstStyle/>
+                    <a:p>
+                      <a:pPr algn="ctr" rtl="0" fontAlgn="ctr"/>
+                      <a:r>
+                        <a:rPr lang="en-US" sz="1000" u="none" strike="noStrike">
+                          <a:effectLst/>
+                        </a:rPr>
+                        <a:t>Bluetooth Module</a:t>
+                      </a:r>
+                      <a:endParaRPr lang="en-US" sz="1000" b="0" i="0" u="none" strike="noStrike">
+                        <a:solidFill>
+                          <a:srgbClr val="000000"/>
+                        </a:solidFill>
                         <a:effectLst/>
-                        <a:latin typeface="+mn-lt"/>
-                        <a:ea typeface="Calibri" panose="020F0502020204030204" pitchFamily="34" charset="0"/>
-                        <a:cs typeface="Times New Roman" panose="02020603050405020304" pitchFamily="18" charset="0"/>
+                        <a:latin typeface="Trebuchet MS" panose="020B0603020202020204" pitchFamily="34" charset="0"/>
                       </a:endParaRPr>
                     </a:p>
                   </a:txBody>
-                  <a:tcPr marL="20992" marR="20992" marT="13995" marB="13995" anchor="ctr"/>
-                </a:tc>
-                <a:tc>
-                  <a:txBody>
-                    <a:bodyPr/>
-                    <a:lstStyle/>
-                    <a:p>
-                      <a:pPr marL="0" marR="0" algn="ctr">
-                        <a:lnSpc>
-                          <a:spcPct val="107000"/>
-                        </a:lnSpc>
-                        <a:spcBef>
-                          <a:spcPts val="0"/>
-                        </a:spcBef>
-                        <a:spcAft>
-                          <a:spcPts val="0"/>
-                        </a:spcAft>
-                      </a:pPr>
-                      <a:r>
-                        <a:rPr lang="en-US" sz="1000" dirty="0">
-                          <a:effectLst/>
-                          <a:latin typeface="+mn-lt"/>
-                        </a:rPr>
-                        <a:t>Multiple</a:t>
-                      </a:r>
-                      <a:endParaRPr lang="en-US" sz="1000" dirty="0">
+                  <a:tcPr marL="4233" marR="4233" marT="4233" marB="0" anchor="ctr"/>
+                </a:tc>
+                <a:tc>
+                  <a:txBody>
+                    <a:bodyPr/>
+                    <a:lstStyle/>
+                    <a:p>
+                      <a:pPr algn="ctr" rtl="0" fontAlgn="ctr"/>
+                      <a:r>
+                        <a:rPr lang="en-US" sz="1000" u="none" strike="noStrike">
+                          <a:effectLst/>
+                        </a:rPr>
+                        <a:t>2</a:t>
+                      </a:r>
+                      <a:endParaRPr lang="en-US" sz="1000" b="0" i="0" u="none" strike="noStrike">
+                        <a:solidFill>
+                          <a:srgbClr val="000000"/>
+                        </a:solidFill>
                         <a:effectLst/>
-                        <a:latin typeface="+mn-lt"/>
-                        <a:ea typeface="Calibri" panose="020F0502020204030204" pitchFamily="34" charset="0"/>
-                        <a:cs typeface="Times New Roman" panose="02020603050405020304" pitchFamily="18" charset="0"/>
+                        <a:latin typeface="Trebuchet MS" panose="020B0603020202020204" pitchFamily="34" charset="0"/>
                       </a:endParaRPr>
                     </a:p>
                   </a:txBody>
-                  <a:tcPr marL="20992" marR="20992" marT="13995" marB="13995" anchor="ctr"/>
-                </a:tc>
-                <a:tc>
-                  <a:txBody>
-                    <a:bodyPr/>
-                    <a:lstStyle/>
-                    <a:p>
-                      <a:pPr algn="ctr">
-                        <a:lnSpc>
-                          <a:spcPct val="107000"/>
-                        </a:lnSpc>
-                      </a:pPr>
-                      <a:endParaRPr lang="en-US" sz="1000" dirty="0">
+                  <a:tcPr marL="4233" marR="4233" marT="4233" marB="0" anchor="ctr"/>
+                </a:tc>
+                <a:tc>
+                  <a:txBody>
+                    <a:bodyPr/>
+                    <a:lstStyle/>
+                    <a:p>
+                      <a:pPr algn="ctr" rtl="0" fontAlgn="ctr"/>
+                      <a:r>
+                        <a:rPr lang="en-US" sz="1000" u="none" strike="noStrike">
+                          <a:effectLst/>
+                        </a:rPr>
+                        <a:t> $   6.50 </a:t>
+                      </a:r>
+                      <a:endParaRPr lang="en-US" sz="1000" b="0" i="0" u="none" strike="noStrike">
+                        <a:solidFill>
+                          <a:srgbClr val="000000"/>
+                        </a:solidFill>
                         <a:effectLst/>
-                        <a:latin typeface="+mn-lt"/>
-                        <a:cs typeface="Times New Roman" panose="02020603050405020304" pitchFamily="18" charset="0"/>
+                        <a:latin typeface="Trebuchet MS" panose="020B0603020202020204" pitchFamily="34" charset="0"/>
                       </a:endParaRPr>
                     </a:p>
                   </a:txBody>
-                  <a:tcPr marL="20992" marR="20992" marT="13995" marB="13995" anchor="ctr"/>
-                </a:tc>
-                <a:tc>
-                  <a:txBody>
-                    <a:bodyPr/>
-                    <a:lstStyle/>
-                    <a:p>
-                      <a:pPr algn="ctr">
-                        <a:lnSpc>
-                          <a:spcPct val="107000"/>
-                        </a:lnSpc>
-                      </a:pPr>
-                      <a:r>
-                        <a:rPr lang="en-US" sz="1000" dirty="0">
-                          <a:effectLst/>
-                          <a:latin typeface="+mn-lt"/>
-                          <a:cs typeface="Times New Roman" panose="02020603050405020304" pitchFamily="18" charset="0"/>
-                        </a:rPr>
-                        <a:t>34.17</a:t>
-                      </a:r>
-                    </a:p>
-                  </a:txBody>
-                  <a:tcPr marL="20992" marR="20992" marT="13995" marB="13995" anchor="ctr"/>
-                </a:tc>
-                <a:tc>
-                  <a:txBody>
-                    <a:bodyPr/>
-                    <a:lstStyle/>
-                    <a:p>
-                      <a:pPr algn="ctr">
-                        <a:lnSpc>
-                          <a:spcPct val="107000"/>
-                        </a:lnSpc>
-                      </a:pPr>
-                      <a:r>
-                        <a:rPr lang="en-US" sz="1000" dirty="0">
-                          <a:effectLst/>
-                          <a:latin typeface="+mn-lt"/>
-                          <a:cs typeface="Times New Roman" panose="02020603050405020304" pitchFamily="18" charset="0"/>
-                        </a:rPr>
-                        <a:t>$50.00</a:t>
-                      </a:r>
-                    </a:p>
-                  </a:txBody>
-                  <a:tcPr marL="20992" marR="20992" marT="13995" marB="13995" anchor="ctr"/>
+                  <a:tcPr marL="4233" marR="4233" marT="4233" marB="0" anchor="ctr"/>
+                </a:tc>
+                <a:tc>
+                  <a:txBody>
+                    <a:bodyPr/>
+                    <a:lstStyle/>
+                    <a:p>
+                      <a:pPr algn="ctr" rtl="0" fontAlgn="ctr"/>
+                      <a:r>
+                        <a:rPr lang="en-US" sz="1000" u="none" strike="noStrike">
+                          <a:effectLst/>
+                        </a:rPr>
+                        <a:t> $   12.99 </a:t>
+                      </a:r>
+                      <a:endParaRPr lang="en-US" sz="1000" b="0" i="0" u="none" strike="noStrike">
+                        <a:solidFill>
+                          <a:srgbClr val="000000"/>
+                        </a:solidFill>
+                        <a:effectLst/>
+                        <a:latin typeface="Trebuchet MS" panose="020B0603020202020204" pitchFamily="34" charset="0"/>
+                      </a:endParaRPr>
+                    </a:p>
+                  </a:txBody>
+                  <a:tcPr marL="4233" marR="4233" marT="4233" marB="0" anchor="ctr"/>
+                </a:tc>
+                <a:tc>
+                  <a:txBody>
+                    <a:bodyPr/>
+                    <a:lstStyle/>
+                    <a:p>
+                      <a:pPr algn="ctr" rtl="0" fontAlgn="ctr"/>
+                      <a:r>
+                        <a:rPr lang="en-US" sz="1000" u="none" strike="noStrike">
+                          <a:effectLst/>
+                        </a:rPr>
+                        <a:t> $  50.00 </a:t>
+                      </a:r>
+                      <a:endParaRPr lang="en-US" sz="1000" b="0" i="0" u="none" strike="noStrike">
+                        <a:solidFill>
+                          <a:srgbClr val="000000"/>
+                        </a:solidFill>
+                        <a:effectLst/>
+                        <a:latin typeface="Trebuchet MS" panose="020B0603020202020204" pitchFamily="34" charset="0"/>
+                      </a:endParaRPr>
+                    </a:p>
+                  </a:txBody>
+                  <a:tcPr marL="4233" marR="4233" marT="4233" marB="0" anchor="ctr"/>
                 </a:tc>
                 <a:extLst>
                   <a:ext uri="{0D108BD9-81ED-4DB2-BD59-A6C34878D82A}">
-                    <a16:rowId xmlns:a16="http://schemas.microsoft.com/office/drawing/2014/main" val="976273421"/>
+                    <a16:rowId xmlns:a16="http://schemas.microsoft.com/office/drawing/2014/main" val="1226467682"/>
                   </a:ext>
                 </a:extLst>
               </a:tr>
-              <a:tr h="338256">
-                <a:tc>
-                  <a:txBody>
-                    <a:bodyPr/>
-                    <a:lstStyle/>
-                    <a:p>
-                      <a:pPr marL="0" marR="0" algn="ctr">
-                        <a:lnSpc>
-                          <a:spcPct val="107000"/>
-                        </a:lnSpc>
-                        <a:spcBef>
-                          <a:spcPts val="0"/>
-                        </a:spcBef>
-                        <a:spcAft>
-                          <a:spcPts val="0"/>
-                        </a:spcAft>
-                      </a:pPr>
-                      <a:r>
-                        <a:rPr lang="en-US" sz="1000" dirty="0">
-                          <a:effectLst/>
-                          <a:latin typeface="+mn-lt"/>
-                          <a:ea typeface="Calibri" panose="020F0502020204030204" pitchFamily="34" charset="0"/>
-                          <a:cs typeface="Times New Roman" panose="02020603050405020304" pitchFamily="18" charset="0"/>
-                        </a:rPr>
-                        <a:t>Firebase</a:t>
-                      </a:r>
-                    </a:p>
-                  </a:txBody>
-                  <a:tcPr marL="20992" marR="20992" marT="13995" marB="13995" anchor="ctr"/>
-                </a:tc>
-                <a:tc>
-                  <a:txBody>
-                    <a:bodyPr/>
-                    <a:lstStyle/>
-                    <a:p>
-                      <a:pPr marL="0" marR="0" algn="ctr">
-                        <a:lnSpc>
-                          <a:spcPct val="107000"/>
-                        </a:lnSpc>
-                        <a:spcBef>
-                          <a:spcPts val="0"/>
-                        </a:spcBef>
-                        <a:spcAft>
-                          <a:spcPts val="0"/>
-                        </a:spcAft>
-                      </a:pPr>
-                      <a:r>
-                        <a:rPr lang="en-US" sz="1000" dirty="0">
-                          <a:effectLst/>
-                          <a:latin typeface="+mn-lt"/>
-                          <a:ea typeface="Calibri" panose="020F0502020204030204" pitchFamily="34" charset="0"/>
-                          <a:cs typeface="Times New Roman" panose="02020603050405020304" pitchFamily="18" charset="0"/>
-                        </a:rPr>
-                        <a:t>Backend manager</a:t>
-                      </a:r>
-                    </a:p>
-                  </a:txBody>
-                  <a:tcPr marL="20992" marR="20992" marT="13995" marB="13995" anchor="ctr"/>
-                </a:tc>
-                <a:tc>
-                  <a:txBody>
-                    <a:bodyPr/>
-                    <a:lstStyle/>
-                    <a:p>
-                      <a:pPr marL="0" marR="0" algn="ctr">
-                        <a:lnSpc>
-                          <a:spcPct val="107000"/>
-                        </a:lnSpc>
-                        <a:spcBef>
-                          <a:spcPts val="0"/>
-                        </a:spcBef>
-                        <a:spcAft>
-                          <a:spcPts val="0"/>
-                        </a:spcAft>
-                      </a:pPr>
-                      <a:r>
-                        <a:rPr lang="en-US" sz="1000" dirty="0">
-                          <a:effectLst/>
-                          <a:latin typeface="+mn-lt"/>
-                          <a:ea typeface="Calibri" panose="020F0502020204030204" pitchFamily="34" charset="0"/>
-                          <a:cs typeface="Times New Roman" panose="02020603050405020304" pitchFamily="18" charset="0"/>
-                        </a:rPr>
-                        <a:t>1</a:t>
-                      </a:r>
-                    </a:p>
-                  </a:txBody>
-                  <a:tcPr marL="20992" marR="20992" marT="13995" marB="13995" anchor="ctr"/>
-                </a:tc>
-                <a:tc>
-                  <a:txBody>
-                    <a:bodyPr/>
-                    <a:lstStyle/>
-                    <a:p>
-                      <a:pPr algn="ctr">
-                        <a:lnSpc>
-                          <a:spcPct val="107000"/>
-                        </a:lnSpc>
-                      </a:pPr>
-                      <a:r>
-                        <a:rPr lang="en-US" sz="1000" dirty="0">
-                          <a:effectLst/>
-                          <a:latin typeface="+mn-lt"/>
-                          <a:cs typeface="Times New Roman" panose="02020603050405020304" pitchFamily="18" charset="0"/>
-                        </a:rPr>
-                        <a:t>-</a:t>
-                      </a:r>
-                    </a:p>
-                  </a:txBody>
-                  <a:tcPr marL="20992" marR="20992" marT="13995" marB="13995" anchor="ctr"/>
-                </a:tc>
-                <a:tc>
-                  <a:txBody>
-                    <a:bodyPr/>
-                    <a:lstStyle/>
-                    <a:p>
-                      <a:pPr algn="ctr">
-                        <a:lnSpc>
-                          <a:spcPct val="107000"/>
-                        </a:lnSpc>
-                      </a:pPr>
-                      <a:r>
-                        <a:rPr lang="en-US" sz="1000" dirty="0">
-                          <a:effectLst/>
-                          <a:latin typeface="+mn-lt"/>
-                          <a:cs typeface="Times New Roman" panose="02020603050405020304" pitchFamily="18" charset="0"/>
-                        </a:rPr>
-                        <a:t>-</a:t>
-                      </a:r>
-                    </a:p>
-                  </a:txBody>
-                  <a:tcPr marL="20992" marR="20992" marT="13995" marB="13995" anchor="ctr"/>
-                </a:tc>
-                <a:tc>
-                  <a:txBody>
-                    <a:bodyPr/>
-                    <a:lstStyle/>
-                    <a:p>
-                      <a:pPr algn="ctr">
-                        <a:lnSpc>
-                          <a:spcPct val="107000"/>
-                        </a:lnSpc>
-                      </a:pPr>
-                      <a:r>
-                        <a:rPr lang="en-US" sz="1000" dirty="0">
-                          <a:effectLst/>
-                          <a:latin typeface="+mn-lt"/>
-                          <a:cs typeface="Times New Roman" panose="02020603050405020304" pitchFamily="18" charset="0"/>
-                        </a:rPr>
-                        <a:t>-</a:t>
-                      </a:r>
-                    </a:p>
-                  </a:txBody>
-                  <a:tcPr marL="20992" marR="20992" marT="13995" marB="13995" anchor="ctr"/>
+              <a:tr h="371232">
+                <a:tc>
+                  <a:txBody>
+                    <a:bodyPr/>
+                    <a:lstStyle/>
+                    <a:p>
+                      <a:pPr algn="ctr" rtl="0" fontAlgn="ctr"/>
+                      <a:r>
+                        <a:rPr lang="en-US" sz="1000" u="none" strike="noStrike" dirty="0">
+                          <a:effectLst/>
+                        </a:rPr>
+                        <a:t>Various Components</a:t>
+                      </a:r>
+                      <a:endParaRPr lang="en-US" sz="1000" b="1" i="0" u="none" strike="noStrike" dirty="0">
+                        <a:solidFill>
+                          <a:srgbClr val="FFFFFF"/>
+                        </a:solidFill>
+                        <a:effectLst/>
+                        <a:latin typeface="Trebuchet MS" panose="020B0603020202020204" pitchFamily="34" charset="0"/>
+                      </a:endParaRPr>
+                    </a:p>
+                  </a:txBody>
+                  <a:tcPr marL="4233" marR="4233" marT="4233" marB="0" anchor="ctr"/>
+                </a:tc>
+                <a:tc>
+                  <a:txBody>
+                    <a:bodyPr/>
+                    <a:lstStyle/>
+                    <a:p>
+                      <a:pPr algn="ctr" rtl="0" fontAlgn="ctr"/>
+                      <a:r>
+                        <a:rPr lang="en-US" sz="1000" u="none" strike="noStrike">
+                          <a:effectLst/>
+                        </a:rPr>
+                        <a:t>SMT components, etc.</a:t>
+                      </a:r>
+                      <a:endParaRPr lang="en-US" sz="1000" b="0" i="0" u="none" strike="noStrike">
+                        <a:solidFill>
+                          <a:srgbClr val="000000"/>
+                        </a:solidFill>
+                        <a:effectLst/>
+                        <a:latin typeface="Trebuchet MS" panose="020B0603020202020204" pitchFamily="34" charset="0"/>
+                      </a:endParaRPr>
+                    </a:p>
+                  </a:txBody>
+                  <a:tcPr marL="4233" marR="4233" marT="4233" marB="0" anchor="ctr"/>
+                </a:tc>
+                <a:tc>
+                  <a:txBody>
+                    <a:bodyPr/>
+                    <a:lstStyle/>
+                    <a:p>
+                      <a:pPr algn="ctr" rtl="0" fontAlgn="ctr"/>
+                      <a:r>
+                        <a:rPr lang="en-US" sz="1000" u="none" strike="noStrike">
+                          <a:effectLst/>
+                        </a:rPr>
+                        <a:t>Multiple</a:t>
+                      </a:r>
+                      <a:endParaRPr lang="en-US" sz="1000" b="0" i="0" u="none" strike="noStrike">
+                        <a:solidFill>
+                          <a:srgbClr val="000000"/>
+                        </a:solidFill>
+                        <a:effectLst/>
+                        <a:latin typeface="Trebuchet MS" panose="020B0603020202020204" pitchFamily="34" charset="0"/>
+                      </a:endParaRPr>
+                    </a:p>
+                  </a:txBody>
+                  <a:tcPr marL="4233" marR="4233" marT="4233" marB="0" anchor="ctr"/>
+                </a:tc>
+                <a:tc>
+                  <a:txBody>
+                    <a:bodyPr/>
+                    <a:lstStyle/>
+                    <a:p>
+                      <a:pPr algn="ctr" rtl="0" fontAlgn="ctr"/>
+                      <a:r>
+                        <a:rPr lang="en-US" sz="1000" u="none" strike="noStrike">
+                          <a:effectLst/>
+                        </a:rPr>
+                        <a:t> $156.86 </a:t>
+                      </a:r>
+                      <a:endParaRPr lang="en-US" sz="1000" b="0" i="0" u="none" strike="noStrike">
+                        <a:solidFill>
+                          <a:srgbClr val="000000"/>
+                        </a:solidFill>
+                        <a:effectLst/>
+                        <a:latin typeface="Trebuchet MS" panose="020B0603020202020204" pitchFamily="34" charset="0"/>
+                      </a:endParaRPr>
+                    </a:p>
+                  </a:txBody>
+                  <a:tcPr marL="4233" marR="4233" marT="4233" marB="0" anchor="ctr"/>
+                </a:tc>
+                <a:tc>
+                  <a:txBody>
+                    <a:bodyPr/>
+                    <a:lstStyle/>
+                    <a:p>
+                      <a:pPr algn="ctr" rtl="0" fontAlgn="ctr"/>
+                      <a:r>
+                        <a:rPr lang="en-US" sz="1000" u="none" strike="noStrike">
+                          <a:effectLst/>
+                        </a:rPr>
+                        <a:t> $ 156.86 </a:t>
+                      </a:r>
+                      <a:endParaRPr lang="en-US" sz="1000" b="0" i="0" u="none" strike="noStrike">
+                        <a:solidFill>
+                          <a:srgbClr val="000000"/>
+                        </a:solidFill>
+                        <a:effectLst/>
+                        <a:latin typeface="Trebuchet MS" panose="020B0603020202020204" pitchFamily="34" charset="0"/>
+                      </a:endParaRPr>
+                    </a:p>
+                  </a:txBody>
+                  <a:tcPr marL="4233" marR="4233" marT="4233" marB="0" anchor="ctr"/>
+                </a:tc>
+                <a:tc>
+                  <a:txBody>
+                    <a:bodyPr/>
+                    <a:lstStyle/>
+                    <a:p>
+                      <a:pPr algn="ctr" rtl="0" fontAlgn="ctr"/>
+                      <a:r>
+                        <a:rPr lang="en-US" sz="1000" u="none" strike="noStrike">
+                          <a:effectLst/>
+                        </a:rPr>
+                        <a:t> $200.00 </a:t>
+                      </a:r>
+                      <a:endParaRPr lang="en-US" sz="1000" b="0" i="0" u="none" strike="noStrike">
+                        <a:solidFill>
+                          <a:srgbClr val="000000"/>
+                        </a:solidFill>
+                        <a:effectLst/>
+                        <a:latin typeface="Trebuchet MS" panose="020B0603020202020204" pitchFamily="34" charset="0"/>
+                      </a:endParaRPr>
+                    </a:p>
+                  </a:txBody>
+                  <a:tcPr marL="4233" marR="4233" marT="4233" marB="0" anchor="ctr"/>
                 </a:tc>
                 <a:extLst>
                   <a:ext uri="{0D108BD9-81ED-4DB2-BD59-A6C34878D82A}">
-                    <a16:rowId xmlns:a16="http://schemas.microsoft.com/office/drawing/2014/main" val="1391555036"/>
+                    <a16:rowId xmlns:a16="http://schemas.microsoft.com/office/drawing/2014/main" val="717898607"/>
                   </a:ext>
                 </a:extLst>
               </a:tr>
-              <a:tr h="338256">
-                <a:tc>
-                  <a:txBody>
-                    <a:bodyPr/>
-                    <a:lstStyle/>
-                    <a:p>
-                      <a:pPr marL="0" marR="0" algn="ctr">
-                        <a:lnSpc>
-                          <a:spcPct val="107000"/>
-                        </a:lnSpc>
-                        <a:spcBef>
-                          <a:spcPts val="0"/>
-                        </a:spcBef>
-                        <a:spcAft>
-                          <a:spcPts val="0"/>
-                        </a:spcAft>
-                      </a:pPr>
-                      <a:r>
-                        <a:rPr lang="en-US" sz="1000" dirty="0">
-                          <a:effectLst/>
-                          <a:latin typeface="+mn-lt"/>
-                          <a:ea typeface="Calibri" panose="020F0502020204030204" pitchFamily="34" charset="0"/>
-                          <a:cs typeface="Times New Roman" panose="02020603050405020304" pitchFamily="18" charset="0"/>
-                        </a:rPr>
-                        <a:t>ESP8266</a:t>
-                      </a:r>
-                    </a:p>
-                  </a:txBody>
-                  <a:tcPr marL="20992" marR="20992" marT="13995" marB="13995" anchor="ctr"/>
-                </a:tc>
-                <a:tc>
-                  <a:txBody>
-                    <a:bodyPr/>
-                    <a:lstStyle/>
-                    <a:p>
-                      <a:pPr marL="0" marR="0" algn="ctr">
-                        <a:lnSpc>
-                          <a:spcPct val="107000"/>
-                        </a:lnSpc>
-                        <a:spcBef>
-                          <a:spcPts val="0"/>
-                        </a:spcBef>
-                        <a:spcAft>
-                          <a:spcPts val="0"/>
-                        </a:spcAft>
-                      </a:pPr>
-                      <a:r>
-                        <a:rPr lang="en-US" sz="1000" dirty="0">
-                          <a:effectLst/>
-                          <a:latin typeface="+mn-lt"/>
-                          <a:ea typeface="Calibri" panose="020F0502020204030204" pitchFamily="34" charset="0"/>
-                          <a:cs typeface="Times New Roman" panose="02020603050405020304" pitchFamily="18" charset="0"/>
-                        </a:rPr>
-                        <a:t>Wi-Fi Module</a:t>
-                      </a:r>
-                    </a:p>
-                  </a:txBody>
-                  <a:tcPr marL="20992" marR="20992" marT="13995" marB="13995" anchor="ctr"/>
-                </a:tc>
-                <a:tc>
-                  <a:txBody>
-                    <a:bodyPr/>
-                    <a:lstStyle/>
-                    <a:p>
-                      <a:pPr marL="0" marR="0" algn="ctr">
-                        <a:lnSpc>
-                          <a:spcPct val="107000"/>
-                        </a:lnSpc>
-                        <a:spcBef>
-                          <a:spcPts val="0"/>
-                        </a:spcBef>
-                        <a:spcAft>
-                          <a:spcPts val="0"/>
-                        </a:spcAft>
-                      </a:pPr>
-                      <a:r>
-                        <a:rPr lang="en-US" sz="1000" dirty="0">
-                          <a:effectLst/>
-                          <a:latin typeface="+mn-lt"/>
-                          <a:ea typeface="Calibri" panose="020F0502020204030204" pitchFamily="34" charset="0"/>
-                          <a:cs typeface="Times New Roman" panose="02020603050405020304" pitchFamily="18" charset="0"/>
-                        </a:rPr>
-                        <a:t>4</a:t>
-                      </a:r>
-                    </a:p>
-                  </a:txBody>
-                  <a:tcPr marL="20992" marR="20992" marT="13995" marB="13995" anchor="ctr"/>
-                </a:tc>
-                <a:tc>
-                  <a:txBody>
-                    <a:bodyPr/>
-                    <a:lstStyle/>
-                    <a:p>
-                      <a:pPr algn="ctr">
-                        <a:lnSpc>
-                          <a:spcPct val="107000"/>
-                        </a:lnSpc>
-                      </a:pPr>
-                      <a:r>
-                        <a:rPr lang="en-US" sz="1000" dirty="0">
-                          <a:effectLst/>
-                          <a:latin typeface="+mn-lt"/>
-                          <a:cs typeface="Times New Roman" panose="02020603050405020304" pitchFamily="18" charset="0"/>
-                        </a:rPr>
-                        <a:t>$19.99</a:t>
-                      </a:r>
-                    </a:p>
-                  </a:txBody>
-                  <a:tcPr marL="20992" marR="20992" marT="13995" marB="13995" anchor="ctr"/>
-                </a:tc>
-                <a:tc>
-                  <a:txBody>
-                    <a:bodyPr/>
-                    <a:lstStyle/>
-                    <a:p>
-                      <a:pPr algn="ctr">
-                        <a:lnSpc>
-                          <a:spcPct val="107000"/>
-                        </a:lnSpc>
-                      </a:pPr>
-                      <a:r>
-                        <a:rPr lang="en-US" sz="1000" dirty="0">
-                          <a:effectLst/>
-                          <a:latin typeface="+mn-lt"/>
-                          <a:cs typeface="Times New Roman" panose="02020603050405020304" pitchFamily="18" charset="0"/>
-                        </a:rPr>
-                        <a:t>$19.99</a:t>
-                      </a:r>
-                    </a:p>
-                  </a:txBody>
-                  <a:tcPr marL="20992" marR="20992" marT="13995" marB="13995" anchor="ctr"/>
-                </a:tc>
-                <a:tc>
-                  <a:txBody>
-                    <a:bodyPr/>
-                    <a:lstStyle/>
-                    <a:p>
-                      <a:pPr algn="ctr">
-                        <a:lnSpc>
-                          <a:spcPct val="107000"/>
-                        </a:lnSpc>
-                      </a:pPr>
-                      <a:r>
-                        <a:rPr lang="en-US" sz="1000" dirty="0">
-                          <a:effectLst/>
-                          <a:latin typeface="+mn-lt"/>
-                          <a:cs typeface="Times New Roman" panose="02020603050405020304" pitchFamily="18" charset="0"/>
-                        </a:rPr>
-                        <a:t>$40.00</a:t>
-                      </a:r>
-                    </a:p>
-                  </a:txBody>
-                  <a:tcPr marL="20992" marR="20992" marT="13995" marB="13995" anchor="ctr"/>
+              <a:tr h="371232">
+                <a:tc>
+                  <a:txBody>
+                    <a:bodyPr/>
+                    <a:lstStyle/>
+                    <a:p>
+                      <a:pPr algn="ctr" rtl="0" fontAlgn="ctr"/>
+                      <a:r>
+                        <a:rPr lang="en-US" sz="1000" u="none" strike="noStrike" dirty="0" err="1">
+                          <a:effectLst/>
+                        </a:rPr>
+                        <a:t>Dowonsol</a:t>
+                      </a:r>
+                      <a:r>
+                        <a:rPr lang="en-US" sz="1000" u="none" strike="noStrike" dirty="0">
+                          <a:effectLst/>
+                        </a:rPr>
+                        <a:t> Vibrate Module</a:t>
+                      </a:r>
+                      <a:endParaRPr lang="en-US" sz="1000" b="1" i="0" u="none" strike="noStrike" dirty="0">
+                        <a:solidFill>
+                          <a:srgbClr val="FFFFFF"/>
+                        </a:solidFill>
+                        <a:effectLst/>
+                        <a:latin typeface="Trebuchet MS" panose="020B0603020202020204" pitchFamily="34" charset="0"/>
+                      </a:endParaRPr>
+                    </a:p>
+                  </a:txBody>
+                  <a:tcPr marL="4233" marR="4233" marT="4233" marB="0" anchor="ctr"/>
+                </a:tc>
+                <a:tc>
+                  <a:txBody>
+                    <a:bodyPr/>
+                    <a:lstStyle/>
+                    <a:p>
+                      <a:pPr algn="ctr" rtl="0" fontAlgn="ctr"/>
+                      <a:r>
+                        <a:rPr lang="en-US" sz="1000" u="none" strike="noStrike">
+                          <a:effectLst/>
+                        </a:rPr>
+                        <a:t>DC coin vibrate Modules</a:t>
+                      </a:r>
+                      <a:endParaRPr lang="en-US" sz="1000" b="0" i="0" u="none" strike="noStrike">
+                        <a:solidFill>
+                          <a:srgbClr val="000000"/>
+                        </a:solidFill>
+                        <a:effectLst/>
+                        <a:latin typeface="Trebuchet MS" panose="020B0603020202020204" pitchFamily="34" charset="0"/>
+                      </a:endParaRPr>
+                    </a:p>
+                  </a:txBody>
+                  <a:tcPr marL="4233" marR="4233" marT="4233" marB="0" anchor="ctr"/>
+                </a:tc>
+                <a:tc>
+                  <a:txBody>
+                    <a:bodyPr/>
+                    <a:lstStyle/>
+                    <a:p>
+                      <a:pPr algn="ctr" rtl="0" fontAlgn="ctr"/>
+                      <a:r>
+                        <a:rPr lang="en-US" sz="1000" u="none" strike="noStrike" dirty="0">
+                          <a:effectLst/>
+                        </a:rPr>
+                        <a:t>10</a:t>
+                      </a:r>
+                      <a:endParaRPr lang="en-US" sz="1000" b="0" i="0" u="none" strike="noStrike" dirty="0">
+                        <a:solidFill>
+                          <a:srgbClr val="000000"/>
+                        </a:solidFill>
+                        <a:effectLst/>
+                        <a:latin typeface="Trebuchet MS" panose="020B0603020202020204" pitchFamily="34" charset="0"/>
+                      </a:endParaRPr>
+                    </a:p>
+                  </a:txBody>
+                  <a:tcPr marL="4233" marR="4233" marT="4233" marB="0" anchor="ctr"/>
+                </a:tc>
+                <a:tc>
+                  <a:txBody>
+                    <a:bodyPr/>
+                    <a:lstStyle/>
+                    <a:p>
+                      <a:pPr algn="ctr" rtl="0" fontAlgn="ctr"/>
+                      <a:r>
+                        <a:rPr lang="en-US" sz="1000" u="none" strike="noStrike">
+                          <a:effectLst/>
+                        </a:rPr>
+                        <a:t> $   0.90 </a:t>
+                      </a:r>
+                      <a:endParaRPr lang="en-US" sz="1000" b="0" i="0" u="none" strike="noStrike">
+                        <a:solidFill>
+                          <a:srgbClr val="000000"/>
+                        </a:solidFill>
+                        <a:effectLst/>
+                        <a:latin typeface="Trebuchet MS" panose="020B0603020202020204" pitchFamily="34" charset="0"/>
+                      </a:endParaRPr>
+                    </a:p>
+                  </a:txBody>
+                  <a:tcPr marL="4233" marR="4233" marT="4233" marB="0" anchor="ctr"/>
+                </a:tc>
+                <a:tc>
+                  <a:txBody>
+                    <a:bodyPr/>
+                    <a:lstStyle/>
+                    <a:p>
+                      <a:pPr algn="ctr" rtl="0" fontAlgn="ctr"/>
+                      <a:r>
+                        <a:rPr lang="en-US" sz="1000" u="none" strike="noStrike">
+                          <a:effectLst/>
+                        </a:rPr>
+                        <a:t> $     8.99 </a:t>
+                      </a:r>
+                      <a:endParaRPr lang="en-US" sz="1000" b="0" i="0" u="none" strike="noStrike">
+                        <a:solidFill>
+                          <a:srgbClr val="000000"/>
+                        </a:solidFill>
+                        <a:effectLst/>
+                        <a:latin typeface="Trebuchet MS" panose="020B0603020202020204" pitchFamily="34" charset="0"/>
+                      </a:endParaRPr>
+                    </a:p>
+                  </a:txBody>
+                  <a:tcPr marL="4233" marR="4233" marT="4233" marB="0" anchor="ctr"/>
+                </a:tc>
+                <a:tc>
+                  <a:txBody>
+                    <a:bodyPr/>
+                    <a:lstStyle/>
+                    <a:p>
+                      <a:pPr algn="ctr" rtl="0" fontAlgn="ctr"/>
+                      <a:r>
+                        <a:rPr lang="en-US" sz="1000" u="none" strike="noStrike">
+                          <a:effectLst/>
+                        </a:rPr>
+                        <a:t> $  50.00 </a:t>
+                      </a:r>
+                      <a:endParaRPr lang="en-US" sz="1000" b="0" i="0" u="none" strike="noStrike">
+                        <a:solidFill>
+                          <a:srgbClr val="000000"/>
+                        </a:solidFill>
+                        <a:effectLst/>
+                        <a:latin typeface="Trebuchet MS" panose="020B0603020202020204" pitchFamily="34" charset="0"/>
+                      </a:endParaRPr>
+                    </a:p>
+                  </a:txBody>
+                  <a:tcPr marL="4233" marR="4233" marT="4233" marB="0" anchor="ctr"/>
                 </a:tc>
                 <a:extLst>
                   <a:ext uri="{0D108BD9-81ED-4DB2-BD59-A6C34878D82A}">
-                    <a16:rowId xmlns:a16="http://schemas.microsoft.com/office/drawing/2014/main" val="442949079"/>
+                    <a16:rowId xmlns:a16="http://schemas.microsoft.com/office/drawing/2014/main" val="1243485133"/>
                   </a:ext>
                 </a:extLst>
               </a:tr>
-              <a:tr h="338256">
-                <a:tc>
-                  <a:txBody>
-                    <a:bodyPr/>
-                    <a:lstStyle/>
-                    <a:p>
-                      <a:pPr marL="0" marR="0" algn="ctr">
-                        <a:lnSpc>
-                          <a:spcPct val="107000"/>
-                        </a:lnSpc>
-                        <a:spcBef>
-                          <a:spcPts val="0"/>
-                        </a:spcBef>
-                        <a:spcAft>
-                          <a:spcPts val="0"/>
-                        </a:spcAft>
-                      </a:pPr>
-                      <a:r>
-                        <a:rPr lang="en-US" sz="1000" dirty="0">
-                          <a:effectLst/>
-                          <a:latin typeface="+mn-lt"/>
-                        </a:rPr>
-                        <a:t>Total</a:t>
-                      </a:r>
-                      <a:endParaRPr lang="en-US" sz="1000" dirty="0">
+              <a:tr h="193200">
+                <a:tc>
+                  <a:txBody>
+                    <a:bodyPr/>
+                    <a:lstStyle/>
+                    <a:p>
+                      <a:pPr algn="ctr" rtl="0" fontAlgn="ctr"/>
+                      <a:r>
+                        <a:rPr lang="en-US" sz="1000" u="none" strike="noStrike" dirty="0">
+                          <a:effectLst/>
+                        </a:rPr>
+                        <a:t>PCB Enclosure</a:t>
+                      </a:r>
+                      <a:endParaRPr lang="en-US" sz="1000" b="1" i="0" u="none" strike="noStrike" dirty="0">
+                        <a:solidFill>
+                          <a:srgbClr val="FFFFFF"/>
+                        </a:solidFill>
                         <a:effectLst/>
-                        <a:latin typeface="+mn-lt"/>
-                        <a:ea typeface="Calibri" panose="020F0502020204030204" pitchFamily="34" charset="0"/>
-                        <a:cs typeface="Times New Roman" panose="02020603050405020304" pitchFamily="18" charset="0"/>
+                        <a:latin typeface="Trebuchet MS" panose="020B0603020202020204" pitchFamily="34" charset="0"/>
                       </a:endParaRPr>
                     </a:p>
                   </a:txBody>
-                  <a:tcPr marL="20992" marR="20992" marT="13995" marB="13995" anchor="ctr"/>
-                </a:tc>
-                <a:tc>
-                  <a:txBody>
-                    <a:bodyPr/>
-                    <a:lstStyle/>
-                    <a:p>
-                      <a:pPr marL="0" marR="0" algn="ctr">
-                        <a:lnSpc>
-                          <a:spcPct val="107000"/>
-                        </a:lnSpc>
-                        <a:spcBef>
-                          <a:spcPts val="0"/>
-                        </a:spcBef>
-                        <a:spcAft>
-                          <a:spcPts val="0"/>
-                        </a:spcAft>
-                      </a:pPr>
-                      <a:r>
-                        <a:rPr lang="en-US" sz="1000" dirty="0">
-                          <a:effectLst/>
-                          <a:latin typeface="+mn-lt"/>
-                        </a:rPr>
-                        <a:t> </a:t>
-                      </a:r>
-                      <a:endParaRPr lang="en-US" sz="1000" dirty="0">
+                  <a:tcPr marL="4233" marR="4233" marT="4233" marB="0" anchor="ctr"/>
+                </a:tc>
+                <a:tc>
+                  <a:txBody>
+                    <a:bodyPr/>
+                    <a:lstStyle/>
+                    <a:p>
+                      <a:pPr algn="ctr" rtl="0" fontAlgn="ctr"/>
+                      <a:r>
+                        <a:rPr lang="en-US" sz="1000" u="none" strike="noStrike">
+                          <a:effectLst/>
+                        </a:rPr>
+                        <a:t>Housing for PCB</a:t>
+                      </a:r>
+                      <a:endParaRPr lang="en-US" sz="1000" b="0" i="0" u="none" strike="noStrike">
+                        <a:solidFill>
+                          <a:srgbClr val="000000"/>
+                        </a:solidFill>
                         <a:effectLst/>
-                        <a:latin typeface="+mn-lt"/>
-                        <a:ea typeface="Calibri" panose="020F0502020204030204" pitchFamily="34" charset="0"/>
-                        <a:cs typeface="Times New Roman" panose="02020603050405020304" pitchFamily="18" charset="0"/>
+                        <a:latin typeface="Trebuchet MS" panose="020B0603020202020204" pitchFamily="34" charset="0"/>
                       </a:endParaRPr>
                     </a:p>
                   </a:txBody>
-                  <a:tcPr marL="20992" marR="20992" marT="13995" marB="13995" anchor="ctr"/>
-                </a:tc>
-                <a:tc>
-                  <a:txBody>
-                    <a:bodyPr/>
-                    <a:lstStyle/>
-                    <a:p>
-                      <a:pPr marL="0" marR="0" algn="ctr">
-                        <a:lnSpc>
-                          <a:spcPct val="107000"/>
-                        </a:lnSpc>
-                        <a:spcBef>
-                          <a:spcPts val="0"/>
-                        </a:spcBef>
-                        <a:spcAft>
-                          <a:spcPts val="0"/>
-                        </a:spcAft>
-                      </a:pPr>
-                      <a:r>
-                        <a:rPr lang="en-US" sz="1000" dirty="0">
-                          <a:effectLst/>
-                          <a:latin typeface="+mn-lt"/>
-                        </a:rPr>
-                        <a:t> </a:t>
-                      </a:r>
-                      <a:endParaRPr lang="en-US" sz="1000" dirty="0">
+                  <a:tcPr marL="4233" marR="4233" marT="4233" marB="0" anchor="ctr"/>
+                </a:tc>
+                <a:tc>
+                  <a:txBody>
+                    <a:bodyPr/>
+                    <a:lstStyle/>
+                    <a:p>
+                      <a:pPr algn="ctr" rtl="0" fontAlgn="ctr"/>
+                      <a:r>
+                        <a:rPr lang="en-US" sz="1000" u="none" strike="noStrike">
+                          <a:effectLst/>
+                        </a:rPr>
+                        <a:t>1</a:t>
+                      </a:r>
+                      <a:endParaRPr lang="en-US" sz="1000" b="0" i="0" u="none" strike="noStrike">
+                        <a:solidFill>
+                          <a:srgbClr val="000000"/>
+                        </a:solidFill>
                         <a:effectLst/>
-                        <a:latin typeface="+mn-lt"/>
-                        <a:ea typeface="Calibri" panose="020F0502020204030204" pitchFamily="34" charset="0"/>
-                        <a:cs typeface="Times New Roman" panose="02020603050405020304" pitchFamily="18" charset="0"/>
+                        <a:latin typeface="Trebuchet MS" panose="020B0603020202020204" pitchFamily="34" charset="0"/>
                       </a:endParaRPr>
                     </a:p>
                   </a:txBody>
-                  <a:tcPr marL="20992" marR="20992" marT="13995" marB="13995" anchor="ctr"/>
-                </a:tc>
-                <a:tc>
-                  <a:txBody>
-                    <a:bodyPr/>
-                    <a:lstStyle/>
-                    <a:p>
-                      <a:pPr marL="0" marR="0" algn="ctr">
-                        <a:lnSpc>
-                          <a:spcPct val="107000"/>
-                        </a:lnSpc>
-                        <a:spcBef>
-                          <a:spcPts val="0"/>
-                        </a:spcBef>
-                        <a:spcAft>
-                          <a:spcPts val="0"/>
-                        </a:spcAft>
-                      </a:pPr>
-                      <a:r>
-                        <a:rPr lang="en-US" sz="1000" dirty="0">
-                          <a:effectLst/>
-                          <a:latin typeface="+mn-lt"/>
-                        </a:rPr>
-                        <a:t> </a:t>
-                      </a:r>
-                      <a:endParaRPr lang="en-US" sz="1000" dirty="0">
+                  <a:tcPr marL="4233" marR="4233" marT="4233" marB="0" anchor="ctr"/>
+                </a:tc>
+                <a:tc>
+                  <a:txBody>
+                    <a:bodyPr/>
+                    <a:lstStyle/>
+                    <a:p>
+                      <a:pPr algn="ctr" rtl="0" fontAlgn="ctr"/>
+                      <a:r>
+                        <a:rPr lang="en-US" sz="1000" u="none" strike="noStrike">
+                          <a:effectLst/>
+                        </a:rPr>
+                        <a:t> - </a:t>
+                      </a:r>
+                      <a:endParaRPr lang="en-US" sz="1000" b="0" i="0" u="none" strike="noStrike">
+                        <a:solidFill>
+                          <a:srgbClr val="000000"/>
+                        </a:solidFill>
                         <a:effectLst/>
-                        <a:latin typeface="+mn-lt"/>
-                        <a:ea typeface="Calibri" panose="020F0502020204030204" pitchFamily="34" charset="0"/>
-                        <a:cs typeface="Times New Roman" panose="02020603050405020304" pitchFamily="18" charset="0"/>
+                        <a:latin typeface="Trebuchet MS" panose="020B0603020202020204" pitchFamily="34" charset="0"/>
                       </a:endParaRPr>
                     </a:p>
                   </a:txBody>
-                  <a:tcPr marL="20992" marR="20992" marT="13995" marB="13995" anchor="ctr"/>
-                </a:tc>
-                <a:tc>
-                  <a:txBody>
-                    <a:bodyPr/>
-                    <a:lstStyle/>
-                    <a:p>
-                      <a:pPr marL="0" marR="0" algn="ctr">
-                        <a:lnSpc>
-                          <a:spcPct val="107000"/>
-                        </a:lnSpc>
-                        <a:spcBef>
-                          <a:spcPts val="0"/>
-                        </a:spcBef>
-                        <a:spcAft>
-                          <a:spcPts val="0"/>
-                        </a:spcAft>
-                      </a:pPr>
-                      <a:r>
-                        <a:rPr lang="en-US" sz="1000" b="1" dirty="0">
-                          <a:effectLst/>
-                          <a:latin typeface="+mn-lt"/>
-                        </a:rPr>
-                        <a:t>$291.33</a:t>
-                      </a:r>
-                      <a:endParaRPr lang="en-US" sz="1000" b="1" dirty="0">
+                  <a:tcPr marL="4233" marR="4233" marT="4233" marB="0" anchor="ctr"/>
+                </a:tc>
+                <a:tc>
+                  <a:txBody>
+                    <a:bodyPr/>
+                    <a:lstStyle/>
+                    <a:p>
+                      <a:pPr algn="ctr" rtl="0" fontAlgn="ctr"/>
+                      <a:r>
+                        <a:rPr lang="en-US" sz="1000" u="none" strike="noStrike">
+                          <a:effectLst/>
+                        </a:rPr>
+                        <a:t> - </a:t>
+                      </a:r>
+                      <a:endParaRPr lang="en-US" sz="1000" b="0" i="0" u="none" strike="noStrike">
+                        <a:solidFill>
+                          <a:srgbClr val="000000"/>
+                        </a:solidFill>
                         <a:effectLst/>
-                        <a:latin typeface="+mn-lt"/>
-                        <a:ea typeface="Calibri" panose="020F0502020204030204" pitchFamily="34" charset="0"/>
-                        <a:cs typeface="Times New Roman" panose="02020603050405020304" pitchFamily="18" charset="0"/>
+                        <a:latin typeface="Trebuchet MS" panose="020B0603020202020204" pitchFamily="34" charset="0"/>
                       </a:endParaRPr>
                     </a:p>
                   </a:txBody>
-                  <a:tcPr marL="20992" marR="20992" marT="13995" marB="13995" anchor="ctr"/>
-                </a:tc>
-                <a:tc>
-                  <a:txBody>
-                    <a:bodyPr/>
-                    <a:lstStyle/>
-                    <a:p>
-                      <a:pPr marL="0" marR="0" algn="ctr">
-                        <a:lnSpc>
-                          <a:spcPct val="107000"/>
-                        </a:lnSpc>
-                        <a:spcBef>
-                          <a:spcPts val="0"/>
-                        </a:spcBef>
-                        <a:spcAft>
-                          <a:spcPts val="0"/>
-                        </a:spcAft>
-                      </a:pPr>
-                      <a:r>
-                        <a:rPr lang="en-US" sz="1000" b="1" dirty="0">
-                          <a:effectLst/>
-                          <a:latin typeface="+mn-lt"/>
-                          <a:ea typeface="Calibri" panose="020F0502020204030204" pitchFamily="34" charset="0"/>
-                          <a:cs typeface="Times New Roman" panose="02020603050405020304" pitchFamily="18" charset="0"/>
-                        </a:rPr>
-                        <a:t>$840.00</a:t>
-                      </a:r>
-                    </a:p>
-                  </a:txBody>
-                  <a:tcPr marL="20992" marR="20992" marT="13995" marB="13995" anchor="ctr"/>
+                  <a:tcPr marL="4233" marR="4233" marT="4233" marB="0" anchor="ctr"/>
+                </a:tc>
+                <a:tc>
+                  <a:txBody>
+                    <a:bodyPr/>
+                    <a:lstStyle/>
+                    <a:p>
+                      <a:pPr algn="ctr" rtl="0" fontAlgn="ctr"/>
+                      <a:r>
+                        <a:rPr lang="en-US" sz="1000" u="none" strike="noStrike">
+                          <a:effectLst/>
+                        </a:rPr>
+                        <a:t> $  50.00 </a:t>
+                      </a:r>
+                      <a:endParaRPr lang="en-US" sz="1000" b="0" i="0" u="none" strike="noStrike">
+                        <a:solidFill>
+                          <a:srgbClr val="000000"/>
+                        </a:solidFill>
+                        <a:effectLst/>
+                        <a:latin typeface="Trebuchet MS" panose="020B0603020202020204" pitchFamily="34" charset="0"/>
+                      </a:endParaRPr>
+                    </a:p>
+                  </a:txBody>
+                  <a:tcPr marL="4233" marR="4233" marT="4233" marB="0" anchor="ctr"/>
                 </a:tc>
                 <a:extLst>
                   <a:ext uri="{0D108BD9-81ED-4DB2-BD59-A6C34878D82A}">
-                    <a16:rowId xmlns:a16="http://schemas.microsoft.com/office/drawing/2014/main" val="977543162"/>
+                    <a16:rowId xmlns:a16="http://schemas.microsoft.com/office/drawing/2014/main" val="3163933892"/>
+                  </a:ext>
+                </a:extLst>
+              </a:tr>
+              <a:tr h="193200">
+                <a:tc>
+                  <a:txBody>
+                    <a:bodyPr/>
+                    <a:lstStyle/>
+                    <a:p>
+                      <a:pPr algn="ctr" rtl="0" fontAlgn="ctr"/>
+                      <a:r>
+                        <a:rPr lang="en-US" sz="1000" u="none" strike="noStrike" dirty="0">
+                          <a:effectLst/>
+                        </a:rPr>
+                        <a:t>PCB</a:t>
+                      </a:r>
+                      <a:endParaRPr lang="en-US" sz="1000" b="1" i="0" u="none" strike="noStrike" dirty="0">
+                        <a:solidFill>
+                          <a:srgbClr val="FFFFFF"/>
+                        </a:solidFill>
+                        <a:effectLst/>
+                        <a:latin typeface="Trebuchet MS" panose="020B0603020202020204" pitchFamily="34" charset="0"/>
+                      </a:endParaRPr>
+                    </a:p>
+                  </a:txBody>
+                  <a:tcPr marL="4233" marR="4233" marT="4233" marB="0" anchor="ctr"/>
+                </a:tc>
+                <a:tc>
+                  <a:txBody>
+                    <a:bodyPr/>
+                    <a:lstStyle/>
+                    <a:p>
+                      <a:pPr algn="ctr" rtl="0" fontAlgn="ctr"/>
+                      <a:r>
+                        <a:rPr lang="en-US" sz="1000" u="none" strike="noStrike">
+                          <a:effectLst/>
+                        </a:rPr>
+                        <a:t>PCB manufacturing</a:t>
+                      </a:r>
+                      <a:endParaRPr lang="en-US" sz="1000" b="0" i="0" u="none" strike="noStrike">
+                        <a:solidFill>
+                          <a:srgbClr val="000000"/>
+                        </a:solidFill>
+                        <a:effectLst/>
+                        <a:latin typeface="Trebuchet MS" panose="020B0603020202020204" pitchFamily="34" charset="0"/>
+                      </a:endParaRPr>
+                    </a:p>
+                  </a:txBody>
+                  <a:tcPr marL="4233" marR="4233" marT="4233" marB="0" anchor="ctr"/>
+                </a:tc>
+                <a:tc>
+                  <a:txBody>
+                    <a:bodyPr/>
+                    <a:lstStyle/>
+                    <a:p>
+                      <a:pPr algn="ctr" rtl="0" fontAlgn="ctr"/>
+                      <a:r>
+                        <a:rPr lang="en-US" sz="1000" u="none" strike="noStrike">
+                          <a:effectLst/>
+                        </a:rPr>
+                        <a:t>Multiple</a:t>
+                      </a:r>
+                      <a:endParaRPr lang="en-US" sz="1000" b="0" i="0" u="none" strike="noStrike">
+                        <a:solidFill>
+                          <a:srgbClr val="000000"/>
+                        </a:solidFill>
+                        <a:effectLst/>
+                        <a:latin typeface="Trebuchet MS" panose="020B0603020202020204" pitchFamily="34" charset="0"/>
+                      </a:endParaRPr>
+                    </a:p>
+                  </a:txBody>
+                  <a:tcPr marL="4233" marR="4233" marT="4233" marB="0" anchor="ctr"/>
+                </a:tc>
+                <a:tc>
+                  <a:txBody>
+                    <a:bodyPr/>
+                    <a:lstStyle/>
+                    <a:p>
+                      <a:pPr algn="ctr" rtl="0" fontAlgn="ctr"/>
+                      <a:r>
+                        <a:rPr lang="en-US" sz="1000" u="none" strike="noStrike">
+                          <a:effectLst/>
+                        </a:rPr>
+                        <a:t> - </a:t>
+                      </a:r>
+                      <a:endParaRPr lang="en-US" sz="1000" b="0" i="0" u="none" strike="noStrike">
+                        <a:solidFill>
+                          <a:srgbClr val="000000"/>
+                        </a:solidFill>
+                        <a:effectLst/>
+                        <a:latin typeface="Trebuchet MS" panose="020B0603020202020204" pitchFamily="34" charset="0"/>
+                      </a:endParaRPr>
+                    </a:p>
+                  </a:txBody>
+                  <a:tcPr marL="4233" marR="4233" marT="4233" marB="0" anchor="ctr"/>
+                </a:tc>
+                <a:tc>
+                  <a:txBody>
+                    <a:bodyPr/>
+                    <a:lstStyle/>
+                    <a:p>
+                      <a:pPr algn="ctr" rtl="0" fontAlgn="ctr"/>
+                      <a:r>
+                        <a:rPr lang="en-US" sz="1000" u="none" strike="noStrike">
+                          <a:effectLst/>
+                        </a:rPr>
+                        <a:t> $   52.00 </a:t>
+                      </a:r>
+                      <a:endParaRPr lang="en-US" sz="1000" b="0" i="0" u="none" strike="noStrike">
+                        <a:solidFill>
+                          <a:srgbClr val="000000"/>
+                        </a:solidFill>
+                        <a:effectLst/>
+                        <a:latin typeface="Trebuchet MS" panose="020B0603020202020204" pitchFamily="34" charset="0"/>
+                      </a:endParaRPr>
+                    </a:p>
+                  </a:txBody>
+                  <a:tcPr marL="4233" marR="4233" marT="4233" marB="0" anchor="ctr"/>
+                </a:tc>
+                <a:tc>
+                  <a:txBody>
+                    <a:bodyPr/>
+                    <a:lstStyle/>
+                    <a:p>
+                      <a:pPr algn="ctr" rtl="0" fontAlgn="ctr"/>
+                      <a:r>
+                        <a:rPr lang="en-US" sz="1000" u="none" strike="noStrike">
+                          <a:effectLst/>
+                        </a:rPr>
+                        <a:t> $100.00 </a:t>
+                      </a:r>
+                      <a:endParaRPr lang="en-US" sz="1000" b="0" i="0" u="none" strike="noStrike">
+                        <a:solidFill>
+                          <a:srgbClr val="000000"/>
+                        </a:solidFill>
+                        <a:effectLst/>
+                        <a:latin typeface="Trebuchet MS" panose="020B0603020202020204" pitchFamily="34" charset="0"/>
+                      </a:endParaRPr>
+                    </a:p>
+                  </a:txBody>
+                  <a:tcPr marL="4233" marR="4233" marT="4233" marB="0" anchor="ctr"/>
+                </a:tc>
+                <a:extLst>
+                  <a:ext uri="{0D108BD9-81ED-4DB2-BD59-A6C34878D82A}">
+                    <a16:rowId xmlns:a16="http://schemas.microsoft.com/office/drawing/2014/main" val="3734713989"/>
+                  </a:ext>
+                </a:extLst>
+              </a:tr>
+              <a:tr h="193200">
+                <a:tc>
+                  <a:txBody>
+                    <a:bodyPr/>
+                    <a:lstStyle/>
+                    <a:p>
+                      <a:pPr algn="ctr" rtl="0" fontAlgn="ctr"/>
+                      <a:r>
+                        <a:rPr lang="en-US" sz="1000" u="none" strike="noStrike" dirty="0">
+                          <a:effectLst/>
+                        </a:rPr>
+                        <a:t>Firebase</a:t>
+                      </a:r>
+                      <a:endParaRPr lang="en-US" sz="1000" b="1" i="0" u="none" strike="noStrike" dirty="0">
+                        <a:solidFill>
+                          <a:srgbClr val="FFFFFF"/>
+                        </a:solidFill>
+                        <a:effectLst/>
+                        <a:latin typeface="Trebuchet MS" panose="020B0603020202020204" pitchFamily="34" charset="0"/>
+                      </a:endParaRPr>
+                    </a:p>
+                  </a:txBody>
+                  <a:tcPr marL="4233" marR="4233" marT="4233" marB="0" anchor="ctr"/>
+                </a:tc>
+                <a:tc>
+                  <a:txBody>
+                    <a:bodyPr/>
+                    <a:lstStyle/>
+                    <a:p>
+                      <a:pPr algn="ctr" rtl="0" fontAlgn="ctr"/>
+                      <a:r>
+                        <a:rPr lang="en-US" sz="1000" u="none" strike="noStrike">
+                          <a:effectLst/>
+                        </a:rPr>
+                        <a:t>Backend manager</a:t>
+                      </a:r>
+                      <a:endParaRPr lang="en-US" sz="1000" b="0" i="0" u="none" strike="noStrike">
+                        <a:solidFill>
+                          <a:srgbClr val="000000"/>
+                        </a:solidFill>
+                        <a:effectLst/>
+                        <a:latin typeface="Trebuchet MS" panose="020B0603020202020204" pitchFamily="34" charset="0"/>
+                      </a:endParaRPr>
+                    </a:p>
+                  </a:txBody>
+                  <a:tcPr marL="4233" marR="4233" marT="4233" marB="0" anchor="ctr"/>
+                </a:tc>
+                <a:tc>
+                  <a:txBody>
+                    <a:bodyPr/>
+                    <a:lstStyle/>
+                    <a:p>
+                      <a:pPr algn="ctr" rtl="0" fontAlgn="ctr"/>
+                      <a:r>
+                        <a:rPr lang="en-US" sz="1000" u="none" strike="noStrike">
+                          <a:effectLst/>
+                        </a:rPr>
+                        <a:t>1</a:t>
+                      </a:r>
+                      <a:endParaRPr lang="en-US" sz="1000" b="0" i="0" u="none" strike="noStrike">
+                        <a:solidFill>
+                          <a:srgbClr val="000000"/>
+                        </a:solidFill>
+                        <a:effectLst/>
+                        <a:latin typeface="Trebuchet MS" panose="020B0603020202020204" pitchFamily="34" charset="0"/>
+                      </a:endParaRPr>
+                    </a:p>
+                  </a:txBody>
+                  <a:tcPr marL="4233" marR="4233" marT="4233" marB="0" anchor="ctr"/>
+                </a:tc>
+                <a:tc>
+                  <a:txBody>
+                    <a:bodyPr/>
+                    <a:lstStyle/>
+                    <a:p>
+                      <a:pPr algn="ctr" rtl="0" fontAlgn="ctr"/>
+                      <a:r>
+                        <a:rPr lang="en-US" sz="1000" u="none" strike="noStrike">
+                          <a:effectLst/>
+                        </a:rPr>
+                        <a:t> - </a:t>
+                      </a:r>
+                      <a:endParaRPr lang="en-US" sz="1000" b="0" i="0" u="none" strike="noStrike">
+                        <a:solidFill>
+                          <a:srgbClr val="000000"/>
+                        </a:solidFill>
+                        <a:effectLst/>
+                        <a:latin typeface="Trebuchet MS" panose="020B0603020202020204" pitchFamily="34" charset="0"/>
+                      </a:endParaRPr>
+                    </a:p>
+                  </a:txBody>
+                  <a:tcPr marL="4233" marR="4233" marT="4233" marB="0" anchor="ctr"/>
+                </a:tc>
+                <a:tc>
+                  <a:txBody>
+                    <a:bodyPr/>
+                    <a:lstStyle/>
+                    <a:p>
+                      <a:pPr algn="ctr" rtl="0" fontAlgn="ctr"/>
+                      <a:r>
+                        <a:rPr lang="en-US" sz="1000" u="none" strike="noStrike">
+                          <a:effectLst/>
+                        </a:rPr>
+                        <a:t> - </a:t>
+                      </a:r>
+                      <a:endParaRPr lang="en-US" sz="1000" b="0" i="0" u="none" strike="noStrike">
+                        <a:solidFill>
+                          <a:srgbClr val="000000"/>
+                        </a:solidFill>
+                        <a:effectLst/>
+                        <a:latin typeface="Trebuchet MS" panose="020B0603020202020204" pitchFamily="34" charset="0"/>
+                      </a:endParaRPr>
+                    </a:p>
+                  </a:txBody>
+                  <a:tcPr marL="4233" marR="4233" marT="4233" marB="0" anchor="ctr"/>
+                </a:tc>
+                <a:tc>
+                  <a:txBody>
+                    <a:bodyPr/>
+                    <a:lstStyle/>
+                    <a:p>
+                      <a:pPr algn="ctr" rtl="0" fontAlgn="ctr"/>
+                      <a:r>
+                        <a:rPr lang="en-US" sz="1000" u="none" strike="noStrike">
+                          <a:effectLst/>
+                        </a:rPr>
+                        <a:t> - </a:t>
+                      </a:r>
+                      <a:endParaRPr lang="en-US" sz="1000" b="0" i="0" u="none" strike="noStrike">
+                        <a:solidFill>
+                          <a:srgbClr val="000000"/>
+                        </a:solidFill>
+                        <a:effectLst/>
+                        <a:latin typeface="Trebuchet MS" panose="020B0603020202020204" pitchFamily="34" charset="0"/>
+                      </a:endParaRPr>
+                    </a:p>
+                  </a:txBody>
+                  <a:tcPr marL="4233" marR="4233" marT="4233" marB="0" anchor="ctr"/>
+                </a:tc>
+                <a:extLst>
+                  <a:ext uri="{0D108BD9-81ED-4DB2-BD59-A6C34878D82A}">
+                    <a16:rowId xmlns:a16="http://schemas.microsoft.com/office/drawing/2014/main" val="2325559003"/>
+                  </a:ext>
+                </a:extLst>
+              </a:tr>
+              <a:tr h="193200">
+                <a:tc>
+                  <a:txBody>
+                    <a:bodyPr/>
+                    <a:lstStyle/>
+                    <a:p>
+                      <a:pPr algn="ctr" rtl="0" fontAlgn="ctr"/>
+                      <a:r>
+                        <a:rPr lang="en-US" sz="1000" u="none" strike="noStrike" dirty="0">
+                          <a:effectLst/>
+                        </a:rPr>
+                        <a:t>Margin</a:t>
+                      </a:r>
+                      <a:endParaRPr lang="en-US" sz="1000" b="1" i="0" u="none" strike="noStrike" dirty="0">
+                        <a:solidFill>
+                          <a:srgbClr val="FFFFFF"/>
+                        </a:solidFill>
+                        <a:effectLst/>
+                        <a:latin typeface="Trebuchet MS" panose="020B0603020202020204" pitchFamily="34" charset="0"/>
+                      </a:endParaRPr>
+                    </a:p>
+                  </a:txBody>
+                  <a:tcPr marL="4233" marR="4233" marT="4233" marB="0" anchor="ctr"/>
+                </a:tc>
+                <a:tc>
+                  <a:txBody>
+                    <a:bodyPr/>
+                    <a:lstStyle/>
+                    <a:p>
+                      <a:pPr algn="ctr" rtl="0" fontAlgn="ctr"/>
+                      <a:r>
+                        <a:rPr lang="en-US" sz="1000" u="none" strike="noStrike">
+                          <a:effectLst/>
+                        </a:rPr>
+                        <a:t>Unexpected Cost</a:t>
+                      </a:r>
+                      <a:endParaRPr lang="en-US" sz="1000" b="0" i="0" u="none" strike="noStrike">
+                        <a:solidFill>
+                          <a:srgbClr val="000000"/>
+                        </a:solidFill>
+                        <a:effectLst/>
+                        <a:latin typeface="Trebuchet MS" panose="020B0603020202020204" pitchFamily="34" charset="0"/>
+                      </a:endParaRPr>
+                    </a:p>
+                  </a:txBody>
+                  <a:tcPr marL="4233" marR="4233" marT="4233" marB="0" anchor="ctr"/>
+                </a:tc>
+                <a:tc>
+                  <a:txBody>
+                    <a:bodyPr/>
+                    <a:lstStyle/>
+                    <a:p>
+                      <a:pPr algn="ctr" rtl="0" fontAlgn="ctr"/>
+                      <a:r>
+                        <a:rPr lang="en-US" sz="1000" u="none" strike="noStrike">
+                          <a:effectLst/>
+                        </a:rPr>
+                        <a:t>-</a:t>
+                      </a:r>
+                      <a:endParaRPr lang="en-US" sz="1000" b="0" i="0" u="none" strike="noStrike">
+                        <a:solidFill>
+                          <a:srgbClr val="000000"/>
+                        </a:solidFill>
+                        <a:effectLst/>
+                        <a:latin typeface="Trebuchet MS" panose="020B0603020202020204" pitchFamily="34" charset="0"/>
+                      </a:endParaRPr>
+                    </a:p>
+                  </a:txBody>
+                  <a:tcPr marL="4233" marR="4233" marT="4233" marB="0" anchor="ctr"/>
+                </a:tc>
+                <a:tc>
+                  <a:txBody>
+                    <a:bodyPr/>
+                    <a:lstStyle/>
+                    <a:p>
+                      <a:pPr algn="ctr" rtl="0" fontAlgn="ctr"/>
+                      <a:r>
+                        <a:rPr lang="en-US" sz="1000" u="none" strike="noStrike">
+                          <a:effectLst/>
+                        </a:rPr>
+                        <a:t> </a:t>
+                      </a:r>
+                      <a:endParaRPr lang="en-US" sz="1000" b="0" i="0" u="none" strike="noStrike">
+                        <a:solidFill>
+                          <a:srgbClr val="000000"/>
+                        </a:solidFill>
+                        <a:effectLst/>
+                        <a:latin typeface="Trebuchet MS" panose="020B0603020202020204" pitchFamily="34" charset="0"/>
+                      </a:endParaRPr>
+                    </a:p>
+                  </a:txBody>
+                  <a:tcPr marL="4233" marR="4233" marT="4233" marB="0" anchor="ctr"/>
+                </a:tc>
+                <a:tc>
+                  <a:txBody>
+                    <a:bodyPr/>
+                    <a:lstStyle/>
+                    <a:p>
+                      <a:pPr algn="ctr" rtl="0" fontAlgn="ctr"/>
+                      <a:r>
+                        <a:rPr lang="en-US" sz="1000" u="none" strike="noStrike">
+                          <a:effectLst/>
+                        </a:rPr>
+                        <a:t> - </a:t>
+                      </a:r>
+                      <a:endParaRPr lang="en-US" sz="1000" b="0" i="0" u="none" strike="noStrike">
+                        <a:solidFill>
+                          <a:srgbClr val="000000"/>
+                        </a:solidFill>
+                        <a:effectLst/>
+                        <a:latin typeface="Trebuchet MS" panose="020B0603020202020204" pitchFamily="34" charset="0"/>
+                      </a:endParaRPr>
+                    </a:p>
+                  </a:txBody>
+                  <a:tcPr marL="4233" marR="4233" marT="4233" marB="0" anchor="ctr"/>
+                </a:tc>
+                <a:tc>
+                  <a:txBody>
+                    <a:bodyPr/>
+                    <a:lstStyle/>
+                    <a:p>
+                      <a:pPr algn="ctr" rtl="0" fontAlgn="ctr"/>
+                      <a:r>
+                        <a:rPr lang="en-US" sz="1000" u="none" strike="noStrike">
+                          <a:effectLst/>
+                        </a:rPr>
+                        <a:t> $150.00 </a:t>
+                      </a:r>
+                      <a:endParaRPr lang="en-US" sz="1000" b="0" i="0" u="none" strike="noStrike">
+                        <a:solidFill>
+                          <a:srgbClr val="000000"/>
+                        </a:solidFill>
+                        <a:effectLst/>
+                        <a:latin typeface="Trebuchet MS" panose="020B0603020202020204" pitchFamily="34" charset="0"/>
+                      </a:endParaRPr>
+                    </a:p>
+                  </a:txBody>
+                  <a:tcPr marL="4233" marR="4233" marT="4233" marB="0" anchor="ctr"/>
+                </a:tc>
+                <a:extLst>
+                  <a:ext uri="{0D108BD9-81ED-4DB2-BD59-A6C34878D82A}">
+                    <a16:rowId xmlns:a16="http://schemas.microsoft.com/office/drawing/2014/main" val="1720614017"/>
+                  </a:ext>
+                </a:extLst>
+              </a:tr>
+              <a:tr h="193200">
+                <a:tc>
+                  <a:txBody>
+                    <a:bodyPr/>
+                    <a:lstStyle/>
+                    <a:p>
+                      <a:pPr algn="ctr" rtl="0" fontAlgn="ctr"/>
+                      <a:r>
+                        <a:rPr lang="en-US" sz="1000" u="none" strike="noStrike" dirty="0">
+                          <a:effectLst/>
+                        </a:rPr>
+                        <a:t>Total</a:t>
+                      </a:r>
+                      <a:endParaRPr lang="en-US" sz="1000" b="1" i="0" u="none" strike="noStrike" dirty="0">
+                        <a:solidFill>
+                          <a:srgbClr val="FFFFFF"/>
+                        </a:solidFill>
+                        <a:effectLst/>
+                        <a:latin typeface="Trebuchet MS" panose="020B0603020202020204" pitchFamily="34" charset="0"/>
+                      </a:endParaRPr>
+                    </a:p>
+                  </a:txBody>
+                  <a:tcPr marL="4233" marR="4233" marT="4233" marB="0" anchor="ctr"/>
+                </a:tc>
+                <a:tc>
+                  <a:txBody>
+                    <a:bodyPr/>
+                    <a:lstStyle/>
+                    <a:p>
+                      <a:pPr algn="ctr" rtl="0" fontAlgn="ctr"/>
+                      <a:r>
+                        <a:rPr lang="en-US" sz="1000" u="none" strike="noStrike" dirty="0">
+                          <a:effectLst/>
+                        </a:rPr>
+                        <a:t> </a:t>
+                      </a:r>
+                      <a:endParaRPr lang="en-US" sz="1000" b="0" i="0" u="none" strike="noStrike" dirty="0">
+                        <a:solidFill>
+                          <a:srgbClr val="000000"/>
+                        </a:solidFill>
+                        <a:effectLst/>
+                        <a:latin typeface="Trebuchet MS" panose="020B0603020202020204" pitchFamily="34" charset="0"/>
+                      </a:endParaRPr>
+                    </a:p>
+                  </a:txBody>
+                  <a:tcPr marL="4233" marR="4233" marT="4233" marB="0" anchor="ctr"/>
+                </a:tc>
+                <a:tc>
+                  <a:txBody>
+                    <a:bodyPr/>
+                    <a:lstStyle/>
+                    <a:p>
+                      <a:pPr algn="ctr" rtl="0" fontAlgn="ctr"/>
+                      <a:r>
+                        <a:rPr lang="en-US" sz="1000" u="none" strike="noStrike" dirty="0">
+                          <a:effectLst/>
+                        </a:rPr>
+                        <a:t> </a:t>
+                      </a:r>
+                      <a:endParaRPr lang="en-US" sz="1000" b="0" i="0" u="none" strike="noStrike" dirty="0">
+                        <a:solidFill>
+                          <a:srgbClr val="000000"/>
+                        </a:solidFill>
+                        <a:effectLst/>
+                        <a:latin typeface="Trebuchet MS" panose="020B0603020202020204" pitchFamily="34" charset="0"/>
+                      </a:endParaRPr>
+                    </a:p>
+                  </a:txBody>
+                  <a:tcPr marL="4233" marR="4233" marT="4233" marB="0" anchor="ctr"/>
+                </a:tc>
+                <a:tc>
+                  <a:txBody>
+                    <a:bodyPr/>
+                    <a:lstStyle/>
+                    <a:p>
+                      <a:pPr algn="ctr" rtl="0" fontAlgn="ctr"/>
+                      <a:r>
+                        <a:rPr lang="en-US" sz="1000" u="none" strike="noStrike" dirty="0">
+                          <a:effectLst/>
+                        </a:rPr>
+                        <a:t> </a:t>
+                      </a:r>
+                      <a:endParaRPr lang="en-US" sz="1000" b="0" i="0" u="none" strike="noStrike" dirty="0">
+                        <a:solidFill>
+                          <a:srgbClr val="000000"/>
+                        </a:solidFill>
+                        <a:effectLst/>
+                        <a:latin typeface="Trebuchet MS" panose="020B0603020202020204" pitchFamily="34" charset="0"/>
+                      </a:endParaRPr>
+                    </a:p>
+                  </a:txBody>
+                  <a:tcPr marL="4233" marR="4233" marT="4233" marB="0" anchor="ctr"/>
+                </a:tc>
+                <a:tc>
+                  <a:txBody>
+                    <a:bodyPr/>
+                    <a:lstStyle/>
+                    <a:p>
+                      <a:pPr algn="ctr" rtl="0" fontAlgn="ctr"/>
+                      <a:r>
+                        <a:rPr lang="en-US" sz="1000" u="none" strike="noStrike" dirty="0">
+                          <a:effectLst/>
+                        </a:rPr>
+                        <a:t> $496.24 </a:t>
+                      </a:r>
+                      <a:endParaRPr lang="en-US" sz="1000" b="1" i="0" u="none" strike="noStrike" dirty="0">
+                        <a:solidFill>
+                          <a:srgbClr val="000000"/>
+                        </a:solidFill>
+                        <a:effectLst/>
+                        <a:latin typeface="Trebuchet MS" panose="020B0603020202020204" pitchFamily="34" charset="0"/>
+                      </a:endParaRPr>
+                    </a:p>
+                  </a:txBody>
+                  <a:tcPr marL="4233" marR="4233" marT="4233" marB="0" anchor="ctr"/>
+                </a:tc>
+                <a:tc>
+                  <a:txBody>
+                    <a:bodyPr/>
+                    <a:lstStyle/>
+                    <a:p>
+                      <a:pPr algn="ctr" rtl="0" fontAlgn="ctr"/>
+                      <a:r>
+                        <a:rPr lang="en-US" sz="1000" u="none" strike="noStrike" dirty="0">
+                          <a:effectLst/>
+                        </a:rPr>
+                        <a:t>$971.00 </a:t>
+                      </a:r>
+                      <a:endParaRPr lang="en-US" sz="1000" b="1" i="0" u="none" strike="noStrike" dirty="0">
+                        <a:solidFill>
+                          <a:srgbClr val="000000"/>
+                        </a:solidFill>
+                        <a:effectLst/>
+                        <a:latin typeface="Trebuchet MS" panose="020B0603020202020204" pitchFamily="34" charset="0"/>
+                      </a:endParaRPr>
+                    </a:p>
+                  </a:txBody>
+                  <a:tcPr marL="4233" marR="4233" marT="4233" marB="0" anchor="ctr"/>
+                </a:tc>
+                <a:extLst>
+                  <a:ext uri="{0D108BD9-81ED-4DB2-BD59-A6C34878D82A}">
+                    <a16:rowId xmlns:a16="http://schemas.microsoft.com/office/drawing/2014/main" val="1950226270"/>
                   </a:ext>
                 </a:extLst>
               </a:tr>
@@ -20957,7 +20002,7 @@
 </p:sld>
 </file>
 
-<file path=ppt/slides/slide34.xml><?xml version="1.0" encoding="utf-8"?>
+<file path=ppt/slides/slide33.xml><?xml version="1.0" encoding="utf-8"?>
 <p:sld xmlns:a="http://schemas.openxmlformats.org/drawingml/2006/main" xmlns:r="http://schemas.openxmlformats.org/officeDocument/2006/relationships" xmlns:p="http://schemas.openxmlformats.org/presentationml/2006/main">
   <p:cSld>
     <p:spTree>
@@ -21102,7 +20147,7 @@
 </p:sld>
 </file>
 
-<file path=ppt/slides/slide35.xml><?xml version="1.0" encoding="utf-8"?>
+<file path=ppt/slides/slide34.xml><?xml version="1.0" encoding="utf-8"?>
 <p:sld xmlns:a="http://schemas.openxmlformats.org/drawingml/2006/main" xmlns:r="http://schemas.openxmlformats.org/officeDocument/2006/relationships" xmlns:p="http://schemas.openxmlformats.org/presentationml/2006/main">
   <p:cSld>
     <p:spTree>

--- a/FinalPresentation.pptx
+++ b/FinalPresentation.pptx
@@ -1160,7 +1160,7 @@
           <a:r>
             <a:rPr lang="en-US" dirty="0">
               <a:solidFill>
-                <a:srgbClr val="FF0000"/>
+                <a:schemeClr val="tx1"/>
               </a:solidFill>
             </a:rPr>
             <a:t>2 DC to DC converters to power the MCU and the electronics components.</a:t>
@@ -1723,7 +1723,7 @@
           <a:r>
             <a:rPr lang="en-US" sz="2100" kern="1200" dirty="0">
               <a:solidFill>
-                <a:srgbClr val="FF0000"/>
+                <a:schemeClr val="tx1"/>
               </a:solidFill>
             </a:rPr>
             <a:t>2 DC to DC converters to power the MCU and the electronics components.</a:t>
@@ -13742,13 +13742,13 @@
           <a:p>
             <a:r>
               <a:rPr lang="en-US" dirty="0"/>
-              <a:t>Wi-fi can store value into database</a:t>
+              <a:t>Wi-fi can send value to database</a:t>
             </a:r>
           </a:p>
           <a:p>
             <a:r>
               <a:rPr lang="en-US" dirty="0"/>
-              <a:t>Bluetooth relies on device connection to database</a:t>
+              <a:t>Bluetooth relies on user device connection to database</a:t>
             </a:r>
           </a:p>
           <a:p>
@@ -13782,12 +13782,9 @@
             </a:r>
           </a:p>
           <a:p>
-            <a:r>
-              <a:rPr lang="en-US" dirty="0"/>
-              <a:t>30 lead through hole</a:t>
-            </a:r>
-          </a:p>
-          <a:p>
+            <a:pPr marL="0" indent="0">
+              <a:buNone/>
+            </a:pPr>
             <a:endParaRPr lang="en-US" dirty="0"/>
           </a:p>
         </p:txBody>
@@ -15573,16 +15570,8 @@
           <a:p>
             <a:pPr lvl="0" fontAlgn="base"/>
             <a:r>
-              <a:rPr lang="en-US" dirty="0">
-                <a:highlight>
-                  <a:srgbClr val="FFFF00"/>
-                </a:highlight>
-              </a:rPr>
-              <a:t>5-day standby battery life, minimum. </a:t>
-            </a:r>
-            <a:r>
               <a:rPr lang="en-US" dirty="0"/>
-              <a:t>  </a:t>
+              <a:t>2-day standby battery life, minimum.   </a:t>
             </a:r>
           </a:p>
           <a:p>
@@ -15934,14 +15923,14 @@
             <p:ph idx="1"/>
             <p:extLst>
               <p:ext uri="{D42A27DB-BD31-4B8C-83A1-F6EECF244321}">
-                <p14:modId xmlns:p14="http://schemas.microsoft.com/office/powerpoint/2010/main" val="1167919338"/>
+                <p14:modId xmlns:p14="http://schemas.microsoft.com/office/powerpoint/2010/main" val="1348143531"/>
               </p:ext>
             </p:extLst>
           </p:nvPr>
         </p:nvGraphicFramePr>
         <p:xfrm>
           <a:off x="449800" y="1362074"/>
-          <a:ext cx="8686800" cy="4982727"/>
+          <a:ext cx="8686800" cy="4521777"/>
         </p:xfrm>
         <a:graphic>
           <a:graphicData uri="http://schemas.openxmlformats.org/drawingml/2006/table">
@@ -17126,7 +17115,7 @@
                           <a:effectLst/>
                           <a:latin typeface="+mn-lt"/>
                         </a:rPr>
-                        <a:t>User Interface</a:t>
+                        <a:t>PCB Design</a:t>
                       </a:r>
                       <a:endParaRPr lang="en-US" sz="1100" dirty="0">
                         <a:effectLst/>
@@ -17156,136 +17145,9 @@
                           <a:effectLst/>
                           <a:latin typeface="+mn-lt"/>
                         </a:rPr>
-                        <a:t>Annavay</a:t>
+                        <a:t>Mackenson</a:t>
                       </a:r>
                       <a:endParaRPr lang="en-US" sz="1100" dirty="0">
-                        <a:effectLst/>
-                        <a:latin typeface="+mn-lt"/>
-                        <a:ea typeface="Calibri" panose="020F0502020204030204" pitchFamily="34" charset="0"/>
-                        <a:cs typeface="Arial" panose="020B0604020202020204" pitchFamily="34" charset="0"/>
-                      </a:endParaRPr>
-                    </a:p>
-                  </a:txBody>
-                  <a:tcPr marL="68580" marR="68580" marT="0" marB="0" anchor="ctr"/>
-                </a:tc>
-                <a:tc>
-                  <a:txBody>
-                    <a:bodyPr/>
-                    <a:lstStyle/>
-                    <a:p>
-                      <a:pPr marL="0" marR="0" algn="ctr">
-                        <a:spcBef>
-                          <a:spcPts val="0"/>
-                        </a:spcBef>
-                        <a:spcAft>
-                          <a:spcPts val="0"/>
-                        </a:spcAft>
-                      </a:pPr>
-                      <a:r>
-                        <a:rPr lang="en-US" sz="1200" dirty="0" err="1">
-                          <a:effectLst/>
-                          <a:latin typeface="+mn-lt"/>
-                        </a:rPr>
-                        <a:t>Thien</a:t>
-                      </a:r>
-                      <a:endParaRPr lang="en-US" sz="1100" dirty="0">
-                        <a:effectLst/>
-                        <a:latin typeface="+mn-lt"/>
-                        <a:ea typeface="Calibri" panose="020F0502020204030204" pitchFamily="34" charset="0"/>
-                        <a:cs typeface="Arial" panose="020B0604020202020204" pitchFamily="34" charset="0"/>
-                      </a:endParaRPr>
-                    </a:p>
-                  </a:txBody>
-                  <a:tcPr marL="68580" marR="68580" marT="0" marB="0" anchor="ctr"/>
-                </a:tc>
-                <a:tc>
-                  <a:txBody>
-                    <a:bodyPr/>
-                    <a:lstStyle/>
-                    <a:p>
-                      <a:pPr marL="0" marR="0" algn="ctr">
-                        <a:spcBef>
-                          <a:spcPts val="0"/>
-                        </a:spcBef>
-                        <a:spcAft>
-                          <a:spcPts val="0"/>
-                        </a:spcAft>
-                      </a:pPr>
-                      <a:r>
-                        <a:rPr lang="en-US" sz="1200" dirty="0">
-                          <a:effectLst/>
-                          <a:latin typeface="+mn-lt"/>
-                        </a:rPr>
-                        <a:t>completed</a:t>
-                      </a:r>
-                      <a:endParaRPr lang="en-US" sz="1100" dirty="0">
-                        <a:effectLst/>
-                        <a:latin typeface="+mn-lt"/>
-                        <a:ea typeface="Calibri" panose="020F0502020204030204" pitchFamily="34" charset="0"/>
-                        <a:cs typeface="Arial" panose="020B0604020202020204" pitchFamily="34" charset="0"/>
-                      </a:endParaRPr>
-                    </a:p>
-                  </a:txBody>
-                  <a:tcPr marL="68580" marR="68580" marT="0" marB="0" anchor="ctr"/>
-                </a:tc>
-                <a:extLst>
-                  <a:ext uri="{0D108BD9-81ED-4DB2-BD59-A6C34878D82A}">
-                    <a16:rowId xmlns:a16="http://schemas.microsoft.com/office/drawing/2014/main" val="942027136"/>
-                  </a:ext>
-                </a:extLst>
-              </a:tr>
-              <a:tr h="460950">
-                <a:tc>
-                  <a:txBody>
-                    <a:bodyPr/>
-                    <a:lstStyle/>
-                    <a:p>
-                      <a:pPr marL="0" marR="0" algn="ctr">
-                        <a:spcBef>
-                          <a:spcPts val="0"/>
-                        </a:spcBef>
-                        <a:spcAft>
-                          <a:spcPts val="0"/>
-                        </a:spcAft>
-                      </a:pPr>
-                      <a:r>
-                        <a:rPr lang="en-US" sz="1200">
-                          <a:effectLst/>
-                          <a:latin typeface="+mn-lt"/>
-                        </a:rPr>
-                        <a:t>PCB Design</a:t>
-                      </a:r>
-                      <a:endParaRPr lang="en-US" sz="1100">
-                        <a:effectLst/>
-                        <a:latin typeface="+mn-lt"/>
-                        <a:ea typeface="Calibri" panose="020F0502020204030204" pitchFamily="34" charset="0"/>
-                        <a:cs typeface="Arial" panose="020B0604020202020204" pitchFamily="34" charset="0"/>
-                      </a:endParaRPr>
-                    </a:p>
-                  </a:txBody>
-                  <a:tcPr marL="68580" marR="68580" marT="0" marB="0" anchor="ctr"/>
-                </a:tc>
-                <a:tc>
-                  <a:txBody>
-                    <a:bodyPr/>
-                    <a:lstStyle/>
-                    <a:p>
-                      <a:pPr marL="0" marR="0" algn="ctr">
-                        <a:spcBef>
-                          <a:spcPts val="0"/>
-                        </a:spcBef>
-                        <a:spcAft>
-                          <a:spcPts val="0"/>
-                        </a:spcAft>
-                      </a:pPr>
-                      <a:r>
-                        <a:rPr lang="en-US" sz="1200">
-                          <a:effectLst/>
-                          <a:latin typeface="+mn-lt"/>
-                        </a:rPr>
-                        <a:t>Mackenson</a:t>
-                      </a:r>
-                      <a:endParaRPr lang="en-US" sz="1100">
                         <a:effectLst/>
                         <a:latin typeface="+mn-lt"/>
                         <a:ea typeface="Calibri" panose="020F0502020204030204" pitchFamily="34" charset="0"/>
@@ -22787,7 +22649,7 @@
             <p:ph idx="1"/>
             <p:extLst>
               <p:ext uri="{D42A27DB-BD31-4B8C-83A1-F6EECF244321}">
-                <p14:modId xmlns:p14="http://schemas.microsoft.com/office/powerpoint/2010/main" val="608465482"/>
+                <p14:modId xmlns:p14="http://schemas.microsoft.com/office/powerpoint/2010/main" val="2288786754"/>
               </p:ext>
             </p:extLst>
           </p:nvPr>

--- a/FinalPresentation.pptx
+++ b/FinalPresentation.pptx
@@ -1271,6 +1271,13 @@
         </dgm:presLayoutVars>
       </dgm:prSet>
       <dgm:spPr/>
+      <dgm:t>
+        <a:bodyPr/>
+        <a:lstStyle/>
+        <a:p>
+          <a:endParaRPr lang="en-US"/>
+        </a:p>
+      </dgm:t>
     </dgm:pt>
     <dgm:pt modelId="{3946ED1F-F114-4F45-A69D-BAE898285FAB}" type="pres">
       <dgm:prSet presAssocID="{C91C11F4-84FE-4A58-B198-51F40CE21E94}" presName="thickLine" presStyleLbl="alignNode1" presStyleIdx="0" presStyleCnt="5"/>
@@ -1283,6 +1290,13 @@
     <dgm:pt modelId="{94066F60-B8E0-41D3-86DD-F05F42DEDFBE}" type="pres">
       <dgm:prSet presAssocID="{C91C11F4-84FE-4A58-B198-51F40CE21E94}" presName="tx1" presStyleLbl="revTx" presStyleIdx="0" presStyleCnt="5"/>
       <dgm:spPr/>
+      <dgm:t>
+        <a:bodyPr/>
+        <a:lstStyle/>
+        <a:p>
+          <a:endParaRPr lang="en-US"/>
+        </a:p>
+      </dgm:t>
     </dgm:pt>
     <dgm:pt modelId="{BD0A8759-7B13-46AF-9515-C33EC8FED2C8}" type="pres">
       <dgm:prSet presAssocID="{C91C11F4-84FE-4A58-B198-51F40CE21E94}" presName="vert1" presStyleCnt="0"/>
@@ -1299,6 +1313,13 @@
     <dgm:pt modelId="{DC6E563F-A288-4E0E-A3DA-DF48E9782D2C}" type="pres">
       <dgm:prSet presAssocID="{85387296-5A68-400B-BAAB-8D5B96D68607}" presName="tx1" presStyleLbl="revTx" presStyleIdx="1" presStyleCnt="5"/>
       <dgm:spPr/>
+      <dgm:t>
+        <a:bodyPr/>
+        <a:lstStyle/>
+        <a:p>
+          <a:endParaRPr lang="en-US"/>
+        </a:p>
+      </dgm:t>
     </dgm:pt>
     <dgm:pt modelId="{289E6227-58E7-4B0B-A212-215A17C56C8E}" type="pres">
       <dgm:prSet presAssocID="{85387296-5A68-400B-BAAB-8D5B96D68607}" presName="vert1" presStyleCnt="0"/>
@@ -1315,6 +1336,13 @@
     <dgm:pt modelId="{D93F35E9-6B50-4EAA-ABC0-C9838EADBFE0}" type="pres">
       <dgm:prSet presAssocID="{A939B6B9-1475-4F16-AC6D-518D1ECA287E}" presName="tx1" presStyleLbl="revTx" presStyleIdx="2" presStyleCnt="5"/>
       <dgm:spPr/>
+      <dgm:t>
+        <a:bodyPr/>
+        <a:lstStyle/>
+        <a:p>
+          <a:endParaRPr lang="en-US"/>
+        </a:p>
+      </dgm:t>
     </dgm:pt>
     <dgm:pt modelId="{90F480F7-9180-4520-AA22-271B58EABDC5}" type="pres">
       <dgm:prSet presAssocID="{A939B6B9-1475-4F16-AC6D-518D1ECA287E}" presName="vert1" presStyleCnt="0"/>
@@ -1331,6 +1359,13 @@
     <dgm:pt modelId="{00B1515A-7753-4BCC-BDAB-D87D940E2AEB}" type="pres">
       <dgm:prSet presAssocID="{66205984-2047-425E-8339-6C0597A5D542}" presName="tx1" presStyleLbl="revTx" presStyleIdx="3" presStyleCnt="5"/>
       <dgm:spPr/>
+      <dgm:t>
+        <a:bodyPr/>
+        <a:lstStyle/>
+        <a:p>
+          <a:endParaRPr lang="en-US"/>
+        </a:p>
+      </dgm:t>
     </dgm:pt>
     <dgm:pt modelId="{637BC2E4-0E71-4A3C-B870-137D7D9D781F}" type="pres">
       <dgm:prSet presAssocID="{66205984-2047-425E-8339-6C0597A5D542}" presName="vert1" presStyleCnt="0"/>
@@ -1347,6 +1382,13 @@
     <dgm:pt modelId="{65D91E42-CCA2-4002-8391-6F59E79CA54E}" type="pres">
       <dgm:prSet presAssocID="{B6B4B897-8ABB-4CA7-B478-78714362F6FA}" presName="tx1" presStyleLbl="revTx" presStyleIdx="4" presStyleCnt="5"/>
       <dgm:spPr/>
+      <dgm:t>
+        <a:bodyPr/>
+        <a:lstStyle/>
+        <a:p>
+          <a:endParaRPr lang="en-US"/>
+        </a:p>
+      </dgm:t>
     </dgm:pt>
     <dgm:pt modelId="{7CD23F46-B13B-4038-986E-592D0CABBCAC}" type="pres">
       <dgm:prSet presAssocID="{B6B4B897-8ABB-4CA7-B478-78714362F6FA}" presName="vert1" presStyleCnt="0"/>
@@ -1354,17 +1396,17 @@
     </dgm:pt>
   </dgm:ptLst>
   <dgm:cxnLst>
+    <dgm:cxn modelId="{39902B42-13B2-429B-A1E6-FD7455DECA99}" srcId="{F3908BB8-5068-4E13-A1A6-6120E0B60BC0}" destId="{B6B4B897-8ABB-4CA7-B478-78714362F6FA}" srcOrd="4" destOrd="0" parTransId="{0A1DBA68-50B5-4431-9FD3-8AF0DAC0791A}" sibTransId="{89221B66-D295-4AF3-A3F5-5DD06C60B350}"/>
     <dgm:cxn modelId="{434C0902-FDB4-404A-BFEA-DDDAAD0ED140}" type="presOf" srcId="{A939B6B9-1475-4F16-AC6D-518D1ECA287E}" destId="{D93F35E9-6B50-4EAA-ABC0-C9838EADBFE0}" srcOrd="0" destOrd="0" presId="urn:microsoft.com/office/officeart/2008/layout/LinedList"/>
-    <dgm:cxn modelId="{39902B42-13B2-429B-A1E6-FD7455DECA99}" srcId="{F3908BB8-5068-4E13-A1A6-6120E0B60BC0}" destId="{B6B4B897-8ABB-4CA7-B478-78714362F6FA}" srcOrd="4" destOrd="0" parTransId="{0A1DBA68-50B5-4431-9FD3-8AF0DAC0791A}" sibTransId="{89221B66-D295-4AF3-A3F5-5DD06C60B350}"/>
+    <dgm:cxn modelId="{76E464FB-03E3-4DF2-963B-04092D41517B}" type="presOf" srcId="{B6B4B897-8ABB-4CA7-B478-78714362F6FA}" destId="{65D91E42-CCA2-4002-8391-6F59E79CA54E}" srcOrd="0" destOrd="0" presId="urn:microsoft.com/office/officeart/2008/layout/LinedList"/>
+    <dgm:cxn modelId="{904EE26C-7833-4BDB-8CE6-EC17CA595BE6}" type="presOf" srcId="{66205984-2047-425E-8339-6C0597A5D542}" destId="{00B1515A-7753-4BCC-BDAB-D87D940E2AEB}" srcOrd="0" destOrd="0" presId="urn:microsoft.com/office/officeart/2008/layout/LinedList"/>
+    <dgm:cxn modelId="{91A19FC1-5505-47A6-B5E2-C53C6302ACA1}" type="presOf" srcId="{85387296-5A68-400B-BAAB-8D5B96D68607}" destId="{DC6E563F-A288-4E0E-A3DA-DF48E9782D2C}" srcOrd="0" destOrd="0" presId="urn:microsoft.com/office/officeart/2008/layout/LinedList"/>
+    <dgm:cxn modelId="{EF20D6E2-093D-458B-BACB-B7C1D8443360}" srcId="{F3908BB8-5068-4E13-A1A6-6120E0B60BC0}" destId="{A939B6B9-1475-4F16-AC6D-518D1ECA287E}" srcOrd="2" destOrd="0" parTransId="{43ECD5BD-AEE7-4E4C-8017-99B532CE0D44}" sibTransId="{7ED7AB0D-21A2-4375-B7E7-D01508E5A964}"/>
+    <dgm:cxn modelId="{EEA466C7-006B-48A4-B8B9-6108658A5CBA}" srcId="{F3908BB8-5068-4E13-A1A6-6120E0B60BC0}" destId="{66205984-2047-425E-8339-6C0597A5D542}" srcOrd="3" destOrd="0" parTransId="{A5DAE8FC-3A7A-4267-BFAD-F3AF4F438D2A}" sibTransId="{A5E07517-2BCF-4BC2-9B46-1D9DAA27E0A7}"/>
+    <dgm:cxn modelId="{561A17C3-A065-4050-A93E-45CC84B8493E}" srcId="{F3908BB8-5068-4E13-A1A6-6120E0B60BC0}" destId="{C91C11F4-84FE-4A58-B198-51F40CE21E94}" srcOrd="0" destOrd="0" parTransId="{41C2A719-EC43-40BB-8B47-97F1D9E354F5}" sibTransId="{FD3CA693-70CE-4FC8-A7D5-1B6E3B156554}"/>
+    <dgm:cxn modelId="{9840A3EA-08E1-40B2-9B0D-0E886E498015}" type="presOf" srcId="{C91C11F4-84FE-4A58-B198-51F40CE21E94}" destId="{94066F60-B8E0-41D3-86DD-F05F42DEDFBE}" srcOrd="0" destOrd="0" presId="urn:microsoft.com/office/officeart/2008/layout/LinedList"/>
+    <dgm:cxn modelId="{0318E96D-00E3-4AAD-B067-F5A671D4C572}" srcId="{F3908BB8-5068-4E13-A1A6-6120E0B60BC0}" destId="{85387296-5A68-400B-BAAB-8D5B96D68607}" srcOrd="1" destOrd="0" parTransId="{C42F8916-85C8-4BFE-8A06-E767FB24C0BB}" sibTransId="{140C4B03-EDC2-4F8F-AD85-BBECC6778CA3}"/>
     <dgm:cxn modelId="{08003144-2EE2-47CC-8ED7-3CF5479E5593}" type="presOf" srcId="{F3908BB8-5068-4E13-A1A6-6120E0B60BC0}" destId="{AD547C82-2348-4E5E-9F87-0A99A5C297CB}" srcOrd="0" destOrd="0" presId="urn:microsoft.com/office/officeart/2008/layout/LinedList"/>
-    <dgm:cxn modelId="{904EE26C-7833-4BDB-8CE6-EC17CA595BE6}" type="presOf" srcId="{66205984-2047-425E-8339-6C0597A5D542}" destId="{00B1515A-7753-4BCC-BDAB-D87D940E2AEB}" srcOrd="0" destOrd="0" presId="urn:microsoft.com/office/officeart/2008/layout/LinedList"/>
-    <dgm:cxn modelId="{0318E96D-00E3-4AAD-B067-F5A671D4C572}" srcId="{F3908BB8-5068-4E13-A1A6-6120E0B60BC0}" destId="{85387296-5A68-400B-BAAB-8D5B96D68607}" srcOrd="1" destOrd="0" parTransId="{C42F8916-85C8-4BFE-8A06-E767FB24C0BB}" sibTransId="{140C4B03-EDC2-4F8F-AD85-BBECC6778CA3}"/>
-    <dgm:cxn modelId="{91A19FC1-5505-47A6-B5E2-C53C6302ACA1}" type="presOf" srcId="{85387296-5A68-400B-BAAB-8D5B96D68607}" destId="{DC6E563F-A288-4E0E-A3DA-DF48E9782D2C}" srcOrd="0" destOrd="0" presId="urn:microsoft.com/office/officeart/2008/layout/LinedList"/>
-    <dgm:cxn modelId="{561A17C3-A065-4050-A93E-45CC84B8493E}" srcId="{F3908BB8-5068-4E13-A1A6-6120E0B60BC0}" destId="{C91C11F4-84FE-4A58-B198-51F40CE21E94}" srcOrd="0" destOrd="0" parTransId="{41C2A719-EC43-40BB-8B47-97F1D9E354F5}" sibTransId="{FD3CA693-70CE-4FC8-A7D5-1B6E3B156554}"/>
-    <dgm:cxn modelId="{EEA466C7-006B-48A4-B8B9-6108658A5CBA}" srcId="{F3908BB8-5068-4E13-A1A6-6120E0B60BC0}" destId="{66205984-2047-425E-8339-6C0597A5D542}" srcOrd="3" destOrd="0" parTransId="{A5DAE8FC-3A7A-4267-BFAD-F3AF4F438D2A}" sibTransId="{A5E07517-2BCF-4BC2-9B46-1D9DAA27E0A7}"/>
-    <dgm:cxn modelId="{EF20D6E2-093D-458B-BACB-B7C1D8443360}" srcId="{F3908BB8-5068-4E13-A1A6-6120E0B60BC0}" destId="{A939B6B9-1475-4F16-AC6D-518D1ECA287E}" srcOrd="2" destOrd="0" parTransId="{43ECD5BD-AEE7-4E4C-8017-99B532CE0D44}" sibTransId="{7ED7AB0D-21A2-4375-B7E7-D01508E5A964}"/>
-    <dgm:cxn modelId="{9840A3EA-08E1-40B2-9B0D-0E886E498015}" type="presOf" srcId="{C91C11F4-84FE-4A58-B198-51F40CE21E94}" destId="{94066F60-B8E0-41D3-86DD-F05F42DEDFBE}" srcOrd="0" destOrd="0" presId="urn:microsoft.com/office/officeart/2008/layout/LinedList"/>
-    <dgm:cxn modelId="{76E464FB-03E3-4DF2-963B-04092D41517B}" type="presOf" srcId="{B6B4B897-8ABB-4CA7-B478-78714362F6FA}" destId="{65D91E42-CCA2-4002-8391-6F59E79CA54E}" srcOrd="0" destOrd="0" presId="urn:microsoft.com/office/officeart/2008/layout/LinedList"/>
     <dgm:cxn modelId="{BB71F895-2BEC-4910-8E68-DF3491704B43}" type="presParOf" srcId="{AD547C82-2348-4E5E-9F87-0A99A5C297CB}" destId="{3946ED1F-F114-4F45-A69D-BAE898285FAB}" srcOrd="0" destOrd="0" presId="urn:microsoft.com/office/officeart/2008/layout/LinedList"/>
     <dgm:cxn modelId="{1DDB2877-F070-4A39-8A05-22DCEA7AE918}" type="presParOf" srcId="{AD547C82-2348-4E5E-9F87-0A99A5C297CB}" destId="{28976205-5C47-4D61-9D8A-BF2DF8D6B531}" srcOrd="1" destOrd="0" presId="urn:microsoft.com/office/officeart/2008/layout/LinedList"/>
     <dgm:cxn modelId="{710936D8-7EA8-42DC-B3AD-0C36295102AB}" type="presParOf" srcId="{28976205-5C47-4D61-9D8A-BF2DF8D6B531}" destId="{94066F60-B8E0-41D3-86DD-F05F42DEDFBE}" srcOrd="0" destOrd="0" presId="urn:microsoft.com/office/officeart/2008/layout/LinedList"/>
@@ -1490,7 +1532,7 @@
         </a:bodyPr>
         <a:lstStyle/>
         <a:p>
-          <a:pPr marL="0" lvl="0" indent="0" algn="l" defTabSz="933450">
+          <a:pPr lvl="0" algn="l" defTabSz="933450">
             <a:lnSpc>
               <a:spcPct val="90000"/>
             </a:lnSpc>
@@ -1500,7 +1542,6 @@
             <a:spcAft>
               <a:spcPct val="35000"/>
             </a:spcAft>
-            <a:buNone/>
           </a:pPr>
           <a:r>
             <a:rPr lang="en-US" sz="2100" kern="1200" dirty="0"/>
@@ -1599,7 +1640,7 @@
         </a:bodyPr>
         <a:lstStyle/>
         <a:p>
-          <a:pPr marL="0" lvl="0" indent="0" algn="l" defTabSz="933450">
+          <a:pPr lvl="0" algn="l" defTabSz="933450">
             <a:lnSpc>
               <a:spcPct val="90000"/>
             </a:lnSpc>
@@ -1609,7 +1650,6 @@
             <a:spcAft>
               <a:spcPct val="35000"/>
             </a:spcAft>
-            <a:buNone/>
           </a:pPr>
           <a:r>
             <a:rPr lang="en-US" sz="2100" kern="1200" dirty="0"/>
@@ -1708,7 +1748,7 @@
         </a:bodyPr>
         <a:lstStyle/>
         <a:p>
-          <a:pPr marL="0" lvl="0" indent="0" algn="l" defTabSz="933450">
+          <a:pPr lvl="0" algn="l" defTabSz="933450">
             <a:lnSpc>
               <a:spcPct val="90000"/>
             </a:lnSpc>
@@ -1718,7 +1758,6 @@
             <a:spcAft>
               <a:spcPct val="35000"/>
             </a:spcAft>
-            <a:buNone/>
           </a:pPr>
           <a:r>
             <a:rPr lang="en-US" sz="2100" kern="1200" dirty="0">
@@ -1821,7 +1860,7 @@
         </a:bodyPr>
         <a:lstStyle/>
         <a:p>
-          <a:pPr marL="0" lvl="0" indent="0" algn="l" defTabSz="933450">
+          <a:pPr lvl="0" algn="l" defTabSz="933450">
             <a:lnSpc>
               <a:spcPct val="90000"/>
             </a:lnSpc>
@@ -1831,7 +1870,6 @@
             <a:spcAft>
               <a:spcPct val="35000"/>
             </a:spcAft>
-            <a:buNone/>
           </a:pPr>
           <a:r>
             <a:rPr lang="en-US" sz="2100" kern="1200" dirty="0"/>
@@ -1930,7 +1968,7 @@
         </a:bodyPr>
         <a:lstStyle/>
         <a:p>
-          <a:pPr marL="0" lvl="0" indent="0" algn="l" defTabSz="933450">
+          <a:pPr lvl="0" algn="l" defTabSz="933450">
             <a:lnSpc>
               <a:spcPct val="90000"/>
             </a:lnSpc>
@@ -1940,7 +1978,6 @@
             <a:spcAft>
               <a:spcPct val="35000"/>
             </a:spcAft>
-            <a:buNone/>
           </a:pPr>
           <a:r>
             <a:rPr lang="en-US" sz="2100" kern="1200" dirty="0"/>
@@ -4179,7 +4216,7 @@
           <a:p>
             <a:fld id="{E760A6F1-636E-4B87-BCC9-F5C589876FF1}" type="datetimeFigureOut">
               <a:rPr lang="en-US" smtClean="0"/>
-              <a:t>7/25/2019</a:t>
+              <a:t>7/26/2019</a:t>
             </a:fld>
             <a:endParaRPr lang="en-US"/>
           </a:p>
@@ -4430,7 +4467,7 @@
           <a:p>
             <a:fld id="{E760A6F1-636E-4B87-BCC9-F5C589876FF1}" type="datetimeFigureOut">
               <a:rPr lang="en-US" smtClean="0"/>
-              <a:t>7/25/2019</a:t>
+              <a:t>7/26/2019</a:t>
             </a:fld>
             <a:endParaRPr lang="en-US"/>
           </a:p>
@@ -4744,7 +4781,7 @@
           <a:p>
             <a:fld id="{E760A6F1-636E-4B87-BCC9-F5C589876FF1}" type="datetimeFigureOut">
               <a:rPr lang="en-US" smtClean="0"/>
-              <a:t>7/25/2019</a:t>
+              <a:t>7/26/2019</a:t>
             </a:fld>
             <a:endParaRPr lang="en-US"/>
           </a:p>
@@ -5085,7 +5122,7 @@
           <a:p>
             <a:fld id="{E760A6F1-636E-4B87-BCC9-F5C589876FF1}" type="datetimeFigureOut">
               <a:rPr lang="en-US" smtClean="0"/>
-              <a:t>7/25/2019</a:t>
+              <a:t>7/26/2019</a:t>
             </a:fld>
             <a:endParaRPr lang="en-US"/>
           </a:p>
@@ -5399,7 +5436,7 @@
           <a:p>
             <a:fld id="{E760A6F1-636E-4B87-BCC9-F5C589876FF1}" type="datetimeFigureOut">
               <a:rPr lang="en-US" smtClean="0"/>
-              <a:t>7/25/2019</a:t>
+              <a:t>7/26/2019</a:t>
             </a:fld>
             <a:endParaRPr lang="en-US"/>
           </a:p>
@@ -5792,7 +5829,7 @@
           <a:p>
             <a:fld id="{E760A6F1-636E-4B87-BCC9-F5C589876FF1}" type="datetimeFigureOut">
               <a:rPr lang="en-US" smtClean="0"/>
-              <a:t>7/25/2019</a:t>
+              <a:t>7/26/2019</a:t>
             </a:fld>
             <a:endParaRPr lang="en-US"/>
           </a:p>
@@ -5962,7 +5999,7 @@
           <a:p>
             <a:fld id="{E760A6F1-636E-4B87-BCC9-F5C589876FF1}" type="datetimeFigureOut">
               <a:rPr lang="en-US" smtClean="0"/>
-              <a:t>7/25/2019</a:t>
+              <a:t>7/26/2019</a:t>
             </a:fld>
             <a:endParaRPr lang="en-US"/>
           </a:p>
@@ -6142,7 +6179,7 @@
           <a:p>
             <a:fld id="{E760A6F1-636E-4B87-BCC9-F5C589876FF1}" type="datetimeFigureOut">
               <a:rPr lang="en-US" smtClean="0"/>
-              <a:t>7/25/2019</a:t>
+              <a:t>7/26/2019</a:t>
             </a:fld>
             <a:endParaRPr lang="en-US"/>
           </a:p>
@@ -6318,7 +6355,7 @@
           <a:p>
             <a:fld id="{E760A6F1-636E-4B87-BCC9-F5C589876FF1}" type="datetimeFigureOut">
               <a:rPr lang="en-US" smtClean="0"/>
-              <a:t>7/25/2019</a:t>
+              <a:t>7/26/2019</a:t>
             </a:fld>
             <a:endParaRPr lang="en-US"/>
           </a:p>
@@ -6565,7 +6602,7 @@
           <a:p>
             <a:fld id="{E760A6F1-636E-4B87-BCC9-F5C589876FF1}" type="datetimeFigureOut">
               <a:rPr lang="en-US" smtClean="0"/>
-              <a:t>7/25/2019</a:t>
+              <a:t>7/26/2019</a:t>
             </a:fld>
             <a:endParaRPr lang="en-US"/>
           </a:p>
@@ -6797,7 +6834,7 @@
           <a:p>
             <a:fld id="{E760A6F1-636E-4B87-BCC9-F5C589876FF1}" type="datetimeFigureOut">
               <a:rPr lang="en-US" smtClean="0"/>
-              <a:t>7/25/2019</a:t>
+              <a:t>7/26/2019</a:t>
             </a:fld>
             <a:endParaRPr lang="en-US"/>
           </a:p>
@@ -7171,7 +7208,7 @@
           <a:p>
             <a:fld id="{E760A6F1-636E-4B87-BCC9-F5C589876FF1}" type="datetimeFigureOut">
               <a:rPr lang="en-US" smtClean="0"/>
-              <a:t>7/25/2019</a:t>
+              <a:t>7/26/2019</a:t>
             </a:fld>
             <a:endParaRPr lang="en-US"/>
           </a:p>
@@ -7294,7 +7331,7 @@
           <a:p>
             <a:fld id="{E760A6F1-636E-4B87-BCC9-F5C589876FF1}" type="datetimeFigureOut">
               <a:rPr lang="en-US" smtClean="0"/>
-              <a:t>7/25/2019</a:t>
+              <a:t>7/26/2019</a:t>
             </a:fld>
             <a:endParaRPr lang="en-US"/>
           </a:p>
@@ -7389,7 +7426,7 @@
           <a:p>
             <a:fld id="{E760A6F1-636E-4B87-BCC9-F5C589876FF1}" type="datetimeFigureOut">
               <a:rPr lang="en-US" smtClean="0"/>
-              <a:t>7/25/2019</a:t>
+              <a:t>7/26/2019</a:t>
             </a:fld>
             <a:endParaRPr lang="en-US"/>
           </a:p>
@@ -7644,7 +7681,7 @@
           <a:p>
             <a:fld id="{E760A6F1-636E-4B87-BCC9-F5C589876FF1}" type="datetimeFigureOut">
               <a:rPr lang="en-US" smtClean="0"/>
-              <a:t>7/25/2019</a:t>
+              <a:t>7/26/2019</a:t>
             </a:fld>
             <a:endParaRPr lang="en-US"/>
           </a:p>
@@ -7907,7 +7944,7 @@
           <a:p>
             <a:fld id="{E760A6F1-636E-4B87-BCC9-F5C589876FF1}" type="datetimeFigureOut">
               <a:rPr lang="en-US" smtClean="0"/>
-              <a:t>7/25/2019</a:t>
+              <a:t>7/26/2019</a:t>
             </a:fld>
             <a:endParaRPr lang="en-US"/>
           </a:p>
@@ -8650,7 +8687,7 @@
           <a:p>
             <a:fld id="{E760A6F1-636E-4B87-BCC9-F5C589876FF1}" type="datetimeFigureOut">
               <a:rPr lang="en-US" smtClean="0"/>
-              <a:t>7/25/2019</a:t>
+              <a:t>7/26/2019</a:t>
             </a:fld>
             <a:endParaRPr lang="en-US"/>
           </a:p>
@@ -9303,6 +9340,13 @@
   <p:clrMapOvr>
     <a:masterClrMapping/>
   </p:clrMapOvr>
+  <p:timing>
+    <p:tnLst>
+      <p:par>
+        <p:cTn id="1" dur="indefinite" restart="never" nodeType="tmRoot"/>
+      </p:par>
+    </p:tnLst>
+  </p:timing>
 </p:sld>
 </file>
 
@@ -9485,6 +9529,13 @@
   <p:clrMapOvr>
     <a:masterClrMapping/>
   </p:clrMapOvr>
+  <p:timing>
+    <p:tnLst>
+      <p:par>
+        <p:cTn id="1" dur="indefinite" restart="never" nodeType="tmRoot"/>
+      </p:par>
+    </p:tnLst>
+  </p:timing>
 </p:sld>
 </file>
 
@@ -9860,6 +9911,13 @@
   <p:clrMapOvr>
     <a:masterClrMapping/>
   </p:clrMapOvr>
+  <p:timing>
+    <p:tnLst>
+      <p:par>
+        <p:cTn id="1" dur="indefinite" restart="never" nodeType="tmRoot"/>
+      </p:par>
+    </p:tnLst>
+  </p:timing>
 </p:sld>
 </file>
 
@@ -10269,6 +10327,13 @@
   <p:clrMapOvr>
     <a:masterClrMapping/>
   </p:clrMapOvr>
+  <p:timing>
+    <p:tnLst>
+      <p:par>
+        <p:cTn id="1" dur="indefinite" restart="never" nodeType="tmRoot"/>
+      </p:par>
+    </p:tnLst>
+  </p:timing>
 </p:sld>
 </file>
 
@@ -11543,6 +11608,13 @@
   <p:clrMapOvr>
     <a:masterClrMapping/>
   </p:clrMapOvr>
+  <p:timing>
+    <p:tnLst>
+      <p:par>
+        <p:cTn id="1" dur="indefinite" restart="never" nodeType="tmRoot"/>
+      </p:par>
+    </p:tnLst>
+  </p:timing>
 </p:sld>
 </file>
 
@@ -11615,7 +11687,7 @@
         </p:blipFill>
         <p:spPr>
           <a:xfrm>
-            <a:off x="6272126" y="616746"/>
+            <a:off x="5885808" y="849361"/>
             <a:ext cx="3001876" cy="2013234"/>
           </a:xfrm>
           <a:prstGeom prst="rect">
@@ -11650,7 +11722,7 @@
         </p:blipFill>
         <p:spPr bwMode="auto">
           <a:xfrm>
-            <a:off x="1410314" y="3995405"/>
+            <a:off x="583442" y="3995405"/>
             <a:ext cx="2499830" cy="2483830"/>
           </a:xfrm>
           <a:prstGeom prst="rect">
@@ -11689,7 +11761,7 @@
         </p:blipFill>
         <p:spPr bwMode="auto">
           <a:xfrm>
-            <a:off x="5091371" y="3995405"/>
+            <a:off x="3367346" y="3995405"/>
             <a:ext cx="2361509" cy="2483830"/>
           </a:xfrm>
           <a:prstGeom prst="rect">
@@ -11983,6 +12055,42 @@
           </a:p>
         </p:txBody>
       </p:sp>
+      <p:pic>
+        <p:nvPicPr>
+          <p:cNvPr id="7" name="Picture 6">
+            <a:extLst>
+              <a:ext uri="{FF2B5EF4-FFF2-40B4-BE49-F238E27FC236}">
+                <a16:creationId xmlns:a16="http://schemas.microsoft.com/office/drawing/2014/main" id="{CF697802-0077-4A13-8410-EEFD5323ED91}"/>
+              </a:ext>
+            </a:extLst>
+          </p:cNvPr>
+          <p:cNvPicPr>
+            <a:picLocks noChangeAspect="1"/>
+          </p:cNvPicPr>
+          <p:nvPr/>
+        </p:nvPicPr>
+        <p:blipFill>
+          <a:blip r:embed="rId5" cstate="hqprint">
+            <a:extLst>
+              <a:ext uri="{28A0092B-C50C-407E-A947-70E740481C1C}">
+                <a14:useLocalDpi xmlns:a14="http://schemas.microsoft.com/office/drawing/2010/main" val="0"/>
+              </a:ext>
+            </a:extLst>
+          </a:blip>
+          <a:stretch>
+            <a:fillRect/>
+          </a:stretch>
+        </p:blipFill>
+        <p:spPr>
+          <a:xfrm flipH="1">
+            <a:off x="6005197" y="3995405"/>
+            <a:ext cx="3268805" cy="2451604"/>
+          </a:xfrm>
+          <a:prstGeom prst="rect">
+            <a:avLst/>
+          </a:prstGeom>
+        </p:spPr>
+      </p:pic>
     </p:spTree>
     <p:extLst>
       <p:ext uri="{BB962C8B-B14F-4D97-AF65-F5344CB8AC3E}">
@@ -11993,6 +12101,13 @@
   <p:clrMapOvr>
     <a:masterClrMapping/>
   </p:clrMapOvr>
+  <p:timing>
+    <p:tnLst>
+      <p:par>
+        <p:cTn id="1" dur="indefinite" restart="never" nodeType="tmRoot"/>
+      </p:par>
+    </p:tnLst>
+  </p:timing>
 </p:sld>
 </file>
 
@@ -12074,7 +12189,15 @@
           <a:p>
             <a:r>
               <a:rPr lang="en-US" dirty="0"/>
-              <a:t>Low cost: &lt;$1.00 per unit</a:t>
+              <a:t>Low cost: </a:t>
+            </a:r>
+            <a:r>
+              <a:rPr lang="en-US" dirty="0" smtClean="0"/>
+              <a:t>$0.90 </a:t>
+            </a:r>
+            <a:r>
+              <a:rPr lang="en-US" dirty="0"/>
+              <a:t>per unit</a:t>
             </a:r>
           </a:p>
           <a:p>
@@ -12092,14 +12215,13 @@
           <a:p>
             <a:r>
               <a:rPr lang="en-US" dirty="0"/>
-              <a:t>2.8v - 5v</a:t>
-            </a:r>
-          </a:p>
-          <a:p>
-            <a:r>
-              <a:rPr lang="en-US" dirty="0"/>
-              <a:t>70 mA (peak)</a:t>
-            </a:r>
+              <a:t>2.8v - </a:t>
+            </a:r>
+            <a:r>
+              <a:rPr lang="en-US" dirty="0" smtClean="0"/>
+              <a:t>5v</a:t>
+            </a:r>
+            <a:endParaRPr lang="en-US" dirty="0"/>
           </a:p>
         </p:txBody>
       </p:sp>
@@ -12149,6 +12271,13 @@
   <p:clrMapOvr>
     <a:masterClrMapping/>
   </p:clrMapOvr>
+  <p:timing>
+    <p:tnLst>
+      <p:par>
+        <p:cTn id="1" dur="indefinite" restart="never" nodeType="tmRoot"/>
+      </p:par>
+    </p:tnLst>
+  </p:timing>
 </p:sld>
 </file>
 
@@ -12510,6 +12639,13 @@
   <p:clrMapOvr>
     <a:masterClrMapping/>
   </p:clrMapOvr>
+  <p:timing>
+    <p:tnLst>
+      <p:par>
+        <p:cTn id="1" dur="indefinite" restart="never" nodeType="tmRoot"/>
+      </p:par>
+    </p:tnLst>
+  </p:timing>
 </p:sld>
 </file>
 
@@ -12622,6 +12758,13 @@
   <p:clrMapOvr>
     <a:masterClrMapping/>
   </p:clrMapOvr>
+  <p:timing>
+    <p:tnLst>
+      <p:par>
+        <p:cTn id="1" dur="indefinite" restart="never" nodeType="tmRoot"/>
+      </p:par>
+    </p:tnLst>
+  </p:timing>
 </p:sld>
 </file>
 
@@ -12910,6 +13053,13 @@
   <p:clrMapOvr>
     <a:masterClrMapping/>
   </p:clrMapOvr>
+  <p:timing>
+    <p:tnLst>
+      <p:par>
+        <p:cTn id="1" dur="indefinite" restart="never" nodeType="tmRoot"/>
+      </p:par>
+    </p:tnLst>
+  </p:timing>
 </p:sld>
 </file>
 
@@ -13228,6 +13378,13 @@
   <p:clrMapOvr>
     <a:masterClrMapping/>
   </p:clrMapOvr>
+  <p:timing>
+    <p:tnLst>
+      <p:par>
+        <p:cTn id="1" dur="indefinite" restart="never" nodeType="tmRoot"/>
+      </p:par>
+    </p:tnLst>
+  </p:timing>
 </p:sld>
 </file>
 
@@ -13316,6 +13473,42 @@
           </a:p>
         </p:txBody>
       </p:sp>
+      <p:pic>
+        <p:nvPicPr>
+          <p:cNvPr id="5" name="Picture 4">
+            <a:extLst>
+              <a:ext uri="{FF2B5EF4-FFF2-40B4-BE49-F238E27FC236}">
+                <a16:creationId xmlns:a16="http://schemas.microsoft.com/office/drawing/2014/main" id="{DFE18160-CF6A-4A31-9FD1-146D9410A8B8}"/>
+              </a:ext>
+            </a:extLst>
+          </p:cNvPr>
+          <p:cNvPicPr>
+            <a:picLocks noChangeAspect="1"/>
+          </p:cNvPicPr>
+          <p:nvPr/>
+        </p:nvPicPr>
+        <p:blipFill>
+          <a:blip r:embed="rId2" cstate="hqprint">
+            <a:extLst>
+              <a:ext uri="{28A0092B-C50C-407E-A947-70E740481C1C}">
+                <a14:useLocalDpi xmlns:a14="http://schemas.microsoft.com/office/drawing/2010/main" val="0"/>
+              </a:ext>
+            </a:extLst>
+          </a:blip>
+          <a:stretch>
+            <a:fillRect/>
+          </a:stretch>
+        </p:blipFill>
+        <p:spPr>
+          <a:xfrm>
+            <a:off x="6770391" y="1752600"/>
+            <a:ext cx="2719692" cy="2038350"/>
+          </a:xfrm>
+          <a:prstGeom prst="rect">
+            <a:avLst/>
+          </a:prstGeom>
+        </p:spPr>
+      </p:pic>
     </p:spTree>
     <p:extLst>
       <p:ext uri="{BB962C8B-B14F-4D97-AF65-F5344CB8AC3E}">
@@ -13326,6 +13519,13 @@
   <p:clrMapOvr>
     <a:masterClrMapping/>
   </p:clrMapOvr>
+  <p:timing>
+    <p:tnLst>
+      <p:par>
+        <p:cTn id="1" dur="indefinite" restart="never" nodeType="tmRoot"/>
+      </p:par>
+    </p:tnLst>
+  </p:timing>
 </p:sld>
 </file>
 
@@ -13652,6 +13852,13 @@
   <p:clrMapOvr>
     <a:masterClrMapping/>
   </p:clrMapOvr>
+  <p:timing>
+    <p:tnLst>
+      <p:par>
+        <p:cTn id="1" dur="indefinite" restart="never" nodeType="tmRoot"/>
+      </p:par>
+    </p:tnLst>
+  </p:timing>
 </p:sld>
 </file>
 
@@ -13835,6 +14042,13 @@
   <p:clrMapOvr>
     <a:masterClrMapping/>
   </p:clrMapOvr>
+  <p:timing>
+    <p:tnLst>
+      <p:par>
+        <p:cTn id="1" dur="indefinite" restart="never" nodeType="tmRoot"/>
+      </p:par>
+    </p:tnLst>
+  </p:timing>
 </p:sld>
 </file>
 
@@ -14014,6 +14228,13 @@
   <p:clrMapOvr>
     <a:masterClrMapping/>
   </p:clrMapOvr>
+  <p:timing>
+    <p:tnLst>
+      <p:par>
+        <p:cTn id="1" dur="indefinite" restart="never" nodeType="tmRoot"/>
+      </p:par>
+    </p:tnLst>
+  </p:timing>
 </p:sld>
 </file>
 
@@ -14147,6 +14368,13 @@
   <p:clrMapOvr>
     <a:masterClrMapping/>
   </p:clrMapOvr>
+  <p:timing>
+    <p:tnLst>
+      <p:par>
+        <p:cTn id="1" dur="indefinite" restart="never" nodeType="tmRoot"/>
+      </p:par>
+    </p:tnLst>
+  </p:timing>
 </p:sld>
 </file>
 
@@ -14280,6 +14508,13 @@
   <p:clrMapOvr>
     <a:masterClrMapping/>
   </p:clrMapOvr>
+  <p:timing>
+    <p:tnLst>
+      <p:par>
+        <p:cTn id="1" dur="indefinite" restart="never" nodeType="tmRoot"/>
+      </p:par>
+    </p:tnLst>
+  </p:timing>
 </p:sld>
 </file>
 
@@ -14733,6 +14968,13 @@
   <p:clrMapOvr>
     <a:masterClrMapping/>
   </p:clrMapOvr>
+  <p:timing>
+    <p:tnLst>
+      <p:par>
+        <p:cTn id="1" dur="indefinite" restart="never" nodeType="tmRoot"/>
+      </p:par>
+    </p:tnLst>
+  </p:timing>
 </p:sld>
 </file>
 
@@ -14836,6 +15078,13 @@
   <p:clrMapOvr>
     <a:masterClrMapping/>
   </p:clrMapOvr>
+  <p:timing>
+    <p:tnLst>
+      <p:par>
+        <p:cTn id="1" dur="indefinite" restart="never" nodeType="tmRoot"/>
+      </p:par>
+    </p:tnLst>
+  </p:timing>
 </p:sld>
 </file>
 
@@ -14986,6 +15235,13 @@
   <p:clrMapOvr>
     <a:masterClrMapping/>
   </p:clrMapOvr>
+  <p:timing>
+    <p:tnLst>
+      <p:par>
+        <p:cTn id="1" dur="indefinite" restart="never" nodeType="tmRoot"/>
+      </p:par>
+    </p:tnLst>
+  </p:timing>
 </p:sld>
 </file>
 
@@ -15363,6 +15619,13 @@
   <p:clrMapOvr>
     <a:masterClrMapping/>
   </p:clrMapOvr>
+  <p:timing>
+    <p:tnLst>
+      <p:par>
+        <p:cTn id="1" dur="indefinite" restart="never" nodeType="tmRoot"/>
+      </p:par>
+    </p:tnLst>
+  </p:timing>
 </p:sld>
 </file>
 
@@ -15457,6 +15720,13 @@
   <p:clrMapOvr>
     <a:masterClrMapping/>
   </p:clrMapOvr>
+  <p:timing>
+    <p:tnLst>
+      <p:par>
+        <p:cTn id="1" dur="indefinite" restart="never" nodeType="tmRoot"/>
+      </p:par>
+    </p:tnLst>
+  </p:timing>
 </p:sld>
 </file>
 
@@ -15624,6 +15894,13 @@
   <p:clrMapOvr>
     <a:masterClrMapping/>
   </p:clrMapOvr>
+  <p:timing>
+    <p:tnLst>
+      <p:par>
+        <p:cTn id="1" dur="indefinite" restart="never" nodeType="tmRoot"/>
+      </p:par>
+    </p:tnLst>
+  </p:timing>
 </p:sld>
 </file>
 
@@ -15687,7 +15964,7 @@
           <p:nvPr/>
         </p:nvPicPr>
         <p:blipFill>
-          <a:blip r:embed="rId2">
+          <a:blip r:embed="rId2" cstate="hqprint">
             <a:extLst>
               <a:ext uri="{28A0092B-C50C-407E-A947-70E740481C1C}">
                 <a14:useLocalDpi xmlns:a14="http://schemas.microsoft.com/office/drawing/2010/main" val="0"/>
@@ -15730,7 +16007,7 @@
           <p:nvPr/>
         </p:nvPicPr>
         <p:blipFill>
-          <a:blip r:embed="rId3">
+          <a:blip r:embed="rId3" cstate="hqprint">
             <a:extLst>
               <a:ext uri="{28A0092B-C50C-407E-A947-70E740481C1C}">
                 <a14:useLocalDpi xmlns:a14="http://schemas.microsoft.com/office/drawing/2010/main" val="0"/>
@@ -15773,7 +16050,7 @@
           <p:nvPr/>
         </p:nvPicPr>
         <p:blipFill>
-          <a:blip r:embed="rId4">
+          <a:blip r:embed="rId4" cstate="hqprint">
             <a:extLst>
               <a:ext uri="{28A0092B-C50C-407E-A947-70E740481C1C}">
                 <a14:useLocalDpi xmlns:a14="http://schemas.microsoft.com/office/drawing/2010/main" val="0"/>
@@ -15816,7 +16093,7 @@
           <p:nvPr/>
         </p:nvPicPr>
         <p:blipFill>
-          <a:blip r:embed="rId5">
+          <a:blip r:embed="rId5" cstate="hqprint">
             <a:extLst>
               <a:ext uri="{28A0092B-C50C-407E-A947-70E740481C1C}">
                 <a14:useLocalDpi xmlns:a14="http://schemas.microsoft.com/office/drawing/2010/main" val="0"/>
@@ -15854,6 +16131,13 @@
   <p:clrMapOvr>
     <a:masterClrMapping/>
   </p:clrMapOvr>
+  <p:timing>
+    <p:tnLst>
+      <p:par>
+        <p:cTn id="1" dur="indefinite" restart="never" nodeType="tmRoot"/>
+      </p:par>
+    </p:tnLst>
+  </p:timing>
 </p:sld>
 </file>
 
@@ -17237,6 +17521,13 @@
   <p:clrMapOvr>
     <a:masterClrMapping/>
   </p:clrMapOvr>
+  <p:timing>
+    <p:tnLst>
+      <p:par>
+        <p:cTn id="1" dur="indefinite" restart="never" nodeType="tmRoot"/>
+      </p:par>
+    </p:tnLst>
+  </p:timing>
 </p:sld>
 </file>
 
@@ -19861,6 +20152,13 @@
   <p:clrMapOvr>
     <a:masterClrMapping/>
   </p:clrMapOvr>
+  <p:timing>
+    <p:tnLst>
+      <p:par>
+        <p:cTn id="1" dur="indefinite" restart="never" nodeType="tmRoot"/>
+      </p:par>
+    </p:tnLst>
+  </p:timing>
 </p:sld>
 </file>
 
@@ -20006,6 +20304,13 @@
   <p:clrMapOvr>
     <a:masterClrMapping/>
   </p:clrMapOvr>
+  <p:timing>
+    <p:tnLst>
+      <p:par>
+        <p:cTn id="1" dur="indefinite" restart="never" nodeType="tmRoot"/>
+      </p:par>
+    </p:tnLst>
+  </p:timing>
 </p:sld>
 </file>
 
@@ -20089,6 +20394,13 @@
   <p:clrMapOvr>
     <a:masterClrMapping/>
   </p:clrMapOvr>
+  <p:timing>
+    <p:tnLst>
+      <p:par>
+        <p:cTn id="1" dur="indefinite" restart="never" nodeType="tmRoot"/>
+      </p:par>
+    </p:tnLst>
+  </p:timing>
 </p:sld>
 </file>
 
@@ -20182,6 +20494,13 @@
   <p:clrMapOvr>
     <a:masterClrMapping/>
   </p:clrMapOvr>
+  <p:timing>
+    <p:tnLst>
+      <p:par>
+        <p:cTn id="1" dur="indefinite" restart="never" nodeType="tmRoot"/>
+      </p:par>
+    </p:tnLst>
+  </p:timing>
 </p:sld>
 </file>
 
@@ -20339,6 +20658,13 @@
   <p:clrMapOvr>
     <a:masterClrMapping/>
   </p:clrMapOvr>
+  <p:timing>
+    <p:tnLst>
+      <p:par>
+        <p:cTn id="1" dur="indefinite" restart="never" nodeType="tmRoot"/>
+      </p:par>
+    </p:tnLst>
+  </p:timing>
 </p:sld>
 </file>
 
@@ -22571,6 +22897,13 @@
   <p:clrMapOvr>
     <a:masterClrMapping/>
   </p:clrMapOvr>
+  <p:timing>
+    <p:tnLst>
+      <p:par>
+        <p:cTn id="1" dur="indefinite" restart="never" nodeType="tmRoot"/>
+      </p:par>
+    </p:tnLst>
+  </p:timing>
 </p:sld>
 </file>
 
@@ -22674,6 +23007,13 @@
   <p:clrMapOvr>
     <a:masterClrMapping/>
   </p:clrMapOvr>
+  <p:timing>
+    <p:tnLst>
+      <p:par>
+        <p:cTn id="1" dur="indefinite" restart="never" nodeType="tmRoot"/>
+      </p:par>
+    </p:tnLst>
+  </p:timing>
 </p:sld>
 </file>
 
@@ -22875,6 +23215,13 @@
   <p:clrMapOvr>
     <a:masterClrMapping/>
   </p:clrMapOvr>
+  <p:timing>
+    <p:tnLst>
+      <p:par>
+        <p:cTn id="1" dur="indefinite" restart="never" nodeType="tmRoot"/>
+      </p:par>
+    </p:tnLst>
+  </p:timing>
 </p:sld>
 </file>
 
@@ -22968,6 +23315,13 @@
   <p:clrMapOvr>
     <a:masterClrMapping/>
   </p:clrMapOvr>
+  <p:timing>
+    <p:tnLst>
+      <p:par>
+        <p:cTn id="1" dur="indefinite" restart="never" nodeType="tmRoot"/>
+      </p:par>
+    </p:tnLst>
+  </p:timing>
 </p:sld>
 </file>
 
